--- a/python/presentations/visualisation/matplotlib_and_cartopy.pptx
+++ b/python/presentations/visualisation/matplotlib_and_cartopy.pptx
@@ -40,6 +40,8 @@
     <p:sldId id="284" r:id="rId33"/>
     <p:sldId id="285" r:id="rId34"/>
     <p:sldId id="286" r:id="rId35"/>
+    <p:sldId id="287" r:id="rId36"/>
+    <p:sldId id="288" r:id="rId37"/>
   </p:sldIdLst>
   <p:sldSz cx="9144000" cy="6858000"/>
   <p:notesSz cx="6858000" cy="9144000"/>
@@ -287,7 +289,7 @@
           <a:bodyPr lIns="0" rIns="0" tIns="0" bIns="0" anchor="b"/>
           <a:p>
             <a:pPr algn="r"/>
-            <a:fld id="{9D404473-F4A0-4977-854A-330D81150EE8}" type="slidenum">
+            <a:fld id="{144FD4EC-6CEA-43CC-96B4-FD0D3B2DE11C}" type="slidenum">
               <a:rPr b="0" lang="en-GB" sz="1400" spc="-1" strike="noStrike">
                 <a:solidFill>
                   <a:srgbClr val="000000"/>
@@ -340,7 +342,7 @@
       </p:grpSpPr>
       <p:sp>
         <p:nvSpPr>
-          <p:cNvPr id="195" name="PlaceHolder 1"/>
+          <p:cNvPr id="201" name="PlaceHolder 1"/>
           <p:cNvSpPr>
             <a:spLocks noGrp="1"/>
           </p:cNvSpPr>
@@ -351,7 +353,7 @@
         <p:spPr>
           <a:xfrm>
             <a:off x="685800" y="4343400"/>
-            <a:ext cx="5485320" cy="4113720"/>
+            <a:ext cx="5484960" cy="4113360"/>
           </a:xfrm>
           <a:prstGeom prst="rect">
             <a:avLst/>
@@ -376,14 +378,14 @@
       </p:sp>
       <p:sp>
         <p:nvSpPr>
-          <p:cNvPr id="196" name="CustomShape 2"/>
+          <p:cNvPr id="202" name="CustomShape 2"/>
           <p:cNvSpPr/>
           <p:nvPr/>
         </p:nvSpPr>
         <p:spPr>
           <a:xfrm>
             <a:off x="3884760" y="8685360"/>
-            <a:ext cx="2970720" cy="456120"/>
+            <a:ext cx="2970360" cy="455760"/>
           </a:xfrm>
           <a:prstGeom prst="rect">
             <a:avLst/>
@@ -407,7 +409,7 @@
                 <a:spcPct val="100000"/>
               </a:lnSpc>
             </a:pPr>
-            <a:fld id="{6EED8F5C-8BBC-4EAF-8435-86B82E311558}" type="slidenum">
+            <a:fld id="{003130CC-F1B7-4C49-928D-AFBE8FFBC7F6}" type="slidenum">
               <a:rPr b="0" lang="en-GB" sz="1200" spc="-1" strike="noStrike">
                 <a:solidFill>
                   <a:srgbClr val="000000"/>
@@ -459,7 +461,7 @@
       </p:grpSpPr>
       <p:sp>
         <p:nvSpPr>
-          <p:cNvPr id="197" name="PlaceHolder 1"/>
+          <p:cNvPr id="203" name="PlaceHolder 1"/>
           <p:cNvSpPr>
             <a:spLocks noGrp="1"/>
           </p:cNvSpPr>
@@ -470,7 +472,7 @@
         <p:spPr>
           <a:xfrm>
             <a:off x="685800" y="4343400"/>
-            <a:ext cx="5485320" cy="4113720"/>
+            <a:ext cx="5484960" cy="4113360"/>
           </a:xfrm>
           <a:prstGeom prst="rect">
             <a:avLst/>
@@ -495,14 +497,14 @@
       </p:sp>
       <p:sp>
         <p:nvSpPr>
-          <p:cNvPr id="198" name="CustomShape 2"/>
+          <p:cNvPr id="204" name="CustomShape 2"/>
           <p:cNvSpPr/>
           <p:nvPr/>
         </p:nvSpPr>
         <p:spPr>
           <a:xfrm>
             <a:off x="3884760" y="8685360"/>
-            <a:ext cx="2970720" cy="456120"/>
+            <a:ext cx="2970360" cy="455760"/>
           </a:xfrm>
           <a:prstGeom prst="rect">
             <a:avLst/>
@@ -526,7 +528,7 @@
                 <a:spcPct val="100000"/>
               </a:lnSpc>
             </a:pPr>
-            <a:fld id="{1BA7089C-6639-4F89-B16E-8FE6E07841ED}" type="slidenum">
+            <a:fld id="{F27F7C88-408B-43DA-88EB-394047F2A6B8}" type="slidenum">
               <a:rPr b="0" lang="en-GB" sz="1200" spc="-1" strike="noStrike">
                 <a:solidFill>
                   <a:srgbClr val="000000"/>
@@ -578,7 +580,7 @@
       </p:grpSpPr>
       <p:sp>
         <p:nvSpPr>
-          <p:cNvPr id="199" name="PlaceHolder 1"/>
+          <p:cNvPr id="205" name="PlaceHolder 1"/>
           <p:cNvSpPr>
             <a:spLocks noGrp="1"/>
           </p:cNvSpPr>
@@ -589,7 +591,7 @@
         <p:spPr>
           <a:xfrm>
             <a:off x="685800" y="4343400"/>
-            <a:ext cx="5485320" cy="4113720"/>
+            <a:ext cx="5484960" cy="4113360"/>
           </a:xfrm>
           <a:prstGeom prst="rect">
             <a:avLst/>
@@ -614,14 +616,14 @@
       </p:sp>
       <p:sp>
         <p:nvSpPr>
-          <p:cNvPr id="200" name="CustomShape 2"/>
+          <p:cNvPr id="206" name="CustomShape 2"/>
           <p:cNvSpPr/>
           <p:nvPr/>
         </p:nvSpPr>
         <p:spPr>
           <a:xfrm>
             <a:off x="3884760" y="8685360"/>
-            <a:ext cx="2970720" cy="456120"/>
+            <a:ext cx="2970360" cy="455760"/>
           </a:xfrm>
           <a:prstGeom prst="rect">
             <a:avLst/>
@@ -645,7 +647,7 @@
                 <a:spcPct val="100000"/>
               </a:lnSpc>
             </a:pPr>
-            <a:fld id="{D01DC02D-18E9-4AB1-9C53-2EB6CF22DF49}" type="slidenum">
+            <a:fld id="{9FDCEEA0-F865-4594-AA55-F3DC220F69FB}" type="slidenum">
               <a:rPr b="0" lang="en-GB" sz="1200" spc="-1" strike="noStrike">
                 <a:solidFill>
                   <a:srgbClr val="000000"/>
@@ -697,7 +699,7 @@
       </p:grpSpPr>
       <p:sp>
         <p:nvSpPr>
-          <p:cNvPr id="201" name="PlaceHolder 1"/>
+          <p:cNvPr id="207" name="PlaceHolder 1"/>
           <p:cNvSpPr>
             <a:spLocks noGrp="1"/>
           </p:cNvSpPr>
@@ -708,7 +710,7 @@
         <p:spPr>
           <a:xfrm>
             <a:off x="685800" y="4343400"/>
-            <a:ext cx="5485320" cy="4113720"/>
+            <a:ext cx="5484960" cy="4113360"/>
           </a:xfrm>
           <a:prstGeom prst="rect">
             <a:avLst/>
@@ -733,14 +735,14 @@
       </p:sp>
       <p:sp>
         <p:nvSpPr>
-          <p:cNvPr id="202" name="CustomShape 2"/>
+          <p:cNvPr id="208" name="CustomShape 2"/>
           <p:cNvSpPr/>
           <p:nvPr/>
         </p:nvSpPr>
         <p:spPr>
           <a:xfrm>
             <a:off x="3884760" y="8685360"/>
-            <a:ext cx="2970720" cy="456120"/>
+            <a:ext cx="2970360" cy="455760"/>
           </a:xfrm>
           <a:prstGeom prst="rect">
             <a:avLst/>
@@ -764,7 +766,7 @@
                 <a:spcPct val="100000"/>
               </a:lnSpc>
             </a:pPr>
-            <a:fld id="{8F3E2259-54FA-4A28-A14B-BC6336CB4490}" type="slidenum">
+            <a:fld id="{C547672B-E8AB-4E7B-89AD-E954F88CE80F}" type="slidenum">
               <a:rPr b="0" lang="en-GB" sz="1200" spc="-1" strike="noStrike">
                 <a:solidFill>
                   <a:srgbClr val="000000"/>
@@ -816,7 +818,7 @@
       </p:grpSpPr>
       <p:sp>
         <p:nvSpPr>
-          <p:cNvPr id="203" name="PlaceHolder 1"/>
+          <p:cNvPr id="209" name="PlaceHolder 1"/>
           <p:cNvSpPr>
             <a:spLocks noGrp="1"/>
           </p:cNvSpPr>
@@ -827,7 +829,7 @@
         <p:spPr>
           <a:xfrm>
             <a:off x="685800" y="4343400"/>
-            <a:ext cx="5485320" cy="4113720"/>
+            <a:ext cx="5484960" cy="4113360"/>
           </a:xfrm>
           <a:prstGeom prst="rect">
             <a:avLst/>
@@ -852,14 +854,14 @@
       </p:sp>
       <p:sp>
         <p:nvSpPr>
-          <p:cNvPr id="204" name="CustomShape 2"/>
+          <p:cNvPr id="210" name="CustomShape 2"/>
           <p:cNvSpPr/>
           <p:nvPr/>
         </p:nvSpPr>
         <p:spPr>
           <a:xfrm>
             <a:off x="3884760" y="8685360"/>
-            <a:ext cx="2970720" cy="456120"/>
+            <a:ext cx="2970360" cy="455760"/>
           </a:xfrm>
           <a:prstGeom prst="rect">
             <a:avLst/>
@@ -883,7 +885,7 @@
                 <a:spcPct val="100000"/>
               </a:lnSpc>
             </a:pPr>
-            <a:fld id="{4DF5F14C-CEF5-4D8C-AD9B-10173F800EC1}" type="slidenum">
+            <a:fld id="{CBE49D48-D1F0-47E8-845D-F8C20D2CE9B4}" type="slidenum">
               <a:rPr b="0" lang="en-GB" sz="1200" spc="-1" strike="noStrike">
                 <a:solidFill>
                   <a:srgbClr val="000000"/>
@@ -935,7 +937,7 @@
       </p:grpSpPr>
       <p:sp>
         <p:nvSpPr>
-          <p:cNvPr id="205" name="PlaceHolder 1"/>
+          <p:cNvPr id="211" name="PlaceHolder 1"/>
           <p:cNvSpPr>
             <a:spLocks noGrp="1"/>
           </p:cNvSpPr>
@@ -946,7 +948,7 @@
         <p:spPr>
           <a:xfrm>
             <a:off x="685800" y="4343400"/>
-            <a:ext cx="5485320" cy="4113720"/>
+            <a:ext cx="5484960" cy="4113360"/>
           </a:xfrm>
           <a:prstGeom prst="rect">
             <a:avLst/>
@@ -971,14 +973,14 @@
       </p:sp>
       <p:sp>
         <p:nvSpPr>
-          <p:cNvPr id="206" name="CustomShape 2"/>
+          <p:cNvPr id="212" name="CustomShape 2"/>
           <p:cNvSpPr/>
           <p:nvPr/>
         </p:nvSpPr>
         <p:spPr>
           <a:xfrm>
             <a:off x="3884760" y="8685360"/>
-            <a:ext cx="2970720" cy="456120"/>
+            <a:ext cx="2970360" cy="455760"/>
           </a:xfrm>
           <a:prstGeom prst="rect">
             <a:avLst/>
@@ -1002,7 +1004,7 @@
                 <a:spcPct val="100000"/>
               </a:lnSpc>
             </a:pPr>
-            <a:fld id="{67134A1D-8568-4015-9741-D081CDB0DEF3}" type="slidenum">
+            <a:fld id="{9256621A-D4EA-4518-910F-550191D5AC37}" type="slidenum">
               <a:rPr b="0" lang="en-GB" sz="1200" spc="-1" strike="noStrike">
                 <a:solidFill>
                   <a:srgbClr val="000000"/>
@@ -1054,7 +1056,7 @@
       </p:grpSpPr>
       <p:sp>
         <p:nvSpPr>
-          <p:cNvPr id="207" name="PlaceHolder 1"/>
+          <p:cNvPr id="213" name="PlaceHolder 1"/>
           <p:cNvSpPr>
             <a:spLocks noGrp="1"/>
           </p:cNvSpPr>
@@ -1065,7 +1067,7 @@
         <p:spPr>
           <a:xfrm>
             <a:off x="685800" y="4343400"/>
-            <a:ext cx="5485320" cy="4113720"/>
+            <a:ext cx="5484960" cy="4113360"/>
           </a:xfrm>
           <a:prstGeom prst="rect">
             <a:avLst/>
@@ -1090,14 +1092,14 @@
       </p:sp>
       <p:sp>
         <p:nvSpPr>
-          <p:cNvPr id="208" name="CustomShape 2"/>
+          <p:cNvPr id="214" name="CustomShape 2"/>
           <p:cNvSpPr/>
           <p:nvPr/>
         </p:nvSpPr>
         <p:spPr>
           <a:xfrm>
             <a:off x="3884760" y="8685360"/>
-            <a:ext cx="2970720" cy="456120"/>
+            <a:ext cx="2970360" cy="455760"/>
           </a:xfrm>
           <a:prstGeom prst="rect">
             <a:avLst/>
@@ -1121,7 +1123,7 @@
                 <a:spcPct val="100000"/>
               </a:lnSpc>
             </a:pPr>
-            <a:fld id="{15FF50AA-0505-4A44-A853-415325F80FFF}" type="slidenum">
+            <a:fld id="{2E80CB2D-10D3-4069-BED1-044B38B71B2C}" type="slidenum">
               <a:rPr b="0" lang="en-GB" sz="1200" spc="-1" strike="noStrike">
                 <a:solidFill>
                   <a:srgbClr val="000000"/>
@@ -1173,7 +1175,7 @@
       </p:grpSpPr>
       <p:sp>
         <p:nvSpPr>
-          <p:cNvPr id="209" name="PlaceHolder 1"/>
+          <p:cNvPr id="215" name="PlaceHolder 1"/>
           <p:cNvSpPr>
             <a:spLocks noGrp="1"/>
           </p:cNvSpPr>
@@ -1184,7 +1186,7 @@
         <p:spPr>
           <a:xfrm>
             <a:off x="685800" y="4343400"/>
-            <a:ext cx="5485320" cy="4113720"/>
+            <a:ext cx="5484960" cy="4113360"/>
           </a:xfrm>
           <a:prstGeom prst="rect">
             <a:avLst/>
@@ -1209,14 +1211,14 @@
       </p:sp>
       <p:sp>
         <p:nvSpPr>
-          <p:cNvPr id="210" name="CustomShape 2"/>
+          <p:cNvPr id="216" name="CustomShape 2"/>
           <p:cNvSpPr/>
           <p:nvPr/>
         </p:nvSpPr>
         <p:spPr>
           <a:xfrm>
             <a:off x="3884760" y="8685360"/>
-            <a:ext cx="2970720" cy="456120"/>
+            <a:ext cx="2970360" cy="455760"/>
           </a:xfrm>
           <a:prstGeom prst="rect">
             <a:avLst/>
@@ -1240,7 +1242,7 @@
                 <a:spcPct val="100000"/>
               </a:lnSpc>
             </a:pPr>
-            <a:fld id="{68739173-4064-4204-8DD6-716DA147A0BF}" type="slidenum">
+            <a:fld id="{E3EE60E2-2027-4449-ACB5-0E3753564EA0}" type="slidenum">
               <a:rPr b="0" lang="en-GB" sz="1200" spc="-1" strike="noStrike">
                 <a:solidFill>
                   <a:srgbClr val="000000"/>
@@ -1292,7 +1294,7 @@
       </p:grpSpPr>
       <p:sp>
         <p:nvSpPr>
-          <p:cNvPr id="211" name="PlaceHolder 1"/>
+          <p:cNvPr id="217" name="PlaceHolder 1"/>
           <p:cNvSpPr>
             <a:spLocks noGrp="1"/>
           </p:cNvSpPr>
@@ -1303,7 +1305,7 @@
         <p:spPr>
           <a:xfrm>
             <a:off x="685800" y="4343400"/>
-            <a:ext cx="5485320" cy="4113720"/>
+            <a:ext cx="5484960" cy="4113360"/>
           </a:xfrm>
           <a:prstGeom prst="rect">
             <a:avLst/>
@@ -1328,14 +1330,14 @@
       </p:sp>
       <p:sp>
         <p:nvSpPr>
-          <p:cNvPr id="212" name="CustomShape 2"/>
+          <p:cNvPr id="218" name="CustomShape 2"/>
           <p:cNvSpPr/>
           <p:nvPr/>
         </p:nvSpPr>
         <p:spPr>
           <a:xfrm>
             <a:off x="3884760" y="8685360"/>
-            <a:ext cx="2970720" cy="456120"/>
+            <a:ext cx="2970360" cy="455760"/>
           </a:xfrm>
           <a:prstGeom prst="rect">
             <a:avLst/>
@@ -1359,7 +1361,7 @@
                 <a:spcPct val="100000"/>
               </a:lnSpc>
             </a:pPr>
-            <a:fld id="{AAF78130-A2EF-4AD1-94D4-A21849257A63}" type="slidenum">
+            <a:fld id="{C948D868-C45B-402B-AEBC-6E36C776B0C8}" type="slidenum">
               <a:rPr b="0" lang="en-GB" sz="1200" spc="-1" strike="noStrike">
                 <a:solidFill>
                   <a:srgbClr val="000000"/>
@@ -1411,7 +1413,7 @@
       </p:grpSpPr>
       <p:sp>
         <p:nvSpPr>
-          <p:cNvPr id="213" name="PlaceHolder 1"/>
+          <p:cNvPr id="219" name="PlaceHolder 1"/>
           <p:cNvSpPr>
             <a:spLocks noGrp="1"/>
           </p:cNvSpPr>
@@ -1422,7 +1424,7 @@
         <p:spPr>
           <a:xfrm>
             <a:off x="685800" y="4343400"/>
-            <a:ext cx="5485320" cy="4113720"/>
+            <a:ext cx="5484960" cy="4113360"/>
           </a:xfrm>
           <a:prstGeom prst="rect">
             <a:avLst/>
@@ -1447,14 +1449,14 @@
       </p:sp>
       <p:sp>
         <p:nvSpPr>
-          <p:cNvPr id="214" name="CustomShape 2"/>
+          <p:cNvPr id="220" name="CustomShape 2"/>
           <p:cNvSpPr/>
           <p:nvPr/>
         </p:nvSpPr>
         <p:spPr>
           <a:xfrm>
             <a:off x="3884760" y="8685360"/>
-            <a:ext cx="2970720" cy="456120"/>
+            <a:ext cx="2970360" cy="455760"/>
           </a:xfrm>
           <a:prstGeom prst="rect">
             <a:avLst/>
@@ -1478,7 +1480,7 @@
                 <a:spcPct val="100000"/>
               </a:lnSpc>
             </a:pPr>
-            <a:fld id="{F2598774-3FDE-4EE9-B464-3F099E77FABB}" type="slidenum">
+            <a:fld id="{60CBA85D-3C5B-448B-A6A7-974CC6A1C584}" type="slidenum">
               <a:rPr b="0" lang="en-GB" sz="1200" spc="-1" strike="noStrike">
                 <a:solidFill>
                   <a:srgbClr val="000000"/>
@@ -1530,7 +1532,7 @@
       </p:grpSpPr>
       <p:sp>
         <p:nvSpPr>
-          <p:cNvPr id="179" name="PlaceHolder 1"/>
+          <p:cNvPr id="185" name="PlaceHolder 1"/>
           <p:cNvSpPr>
             <a:spLocks noGrp="1"/>
           </p:cNvSpPr>
@@ -1541,7 +1543,7 @@
         <p:spPr>
           <a:xfrm>
             <a:off x="685800" y="4343400"/>
-            <a:ext cx="5485320" cy="4113720"/>
+            <a:ext cx="5484960" cy="4113360"/>
           </a:xfrm>
           <a:prstGeom prst="rect">
             <a:avLst/>
@@ -1566,14 +1568,14 @@
       </p:sp>
       <p:sp>
         <p:nvSpPr>
-          <p:cNvPr id="180" name="CustomShape 2"/>
+          <p:cNvPr id="186" name="CustomShape 2"/>
           <p:cNvSpPr/>
           <p:nvPr/>
         </p:nvSpPr>
         <p:spPr>
           <a:xfrm>
             <a:off x="3884760" y="8685360"/>
-            <a:ext cx="2970720" cy="456120"/>
+            <a:ext cx="2970360" cy="455760"/>
           </a:xfrm>
           <a:prstGeom prst="rect">
             <a:avLst/>
@@ -1597,7 +1599,7 @@
                 <a:spcPct val="100000"/>
               </a:lnSpc>
             </a:pPr>
-            <a:fld id="{E1DFFD9A-BF6E-4879-94FF-B2EE2BA07935}" type="slidenum">
+            <a:fld id="{FE7666B1-F27E-46A3-98DC-3BF2659D867C}" type="slidenum">
               <a:rPr b="0" lang="en-GB" sz="1200" spc="-1" strike="noStrike">
                 <a:solidFill>
                   <a:srgbClr val="000000"/>
@@ -1649,7 +1651,7 @@
       </p:grpSpPr>
       <p:sp>
         <p:nvSpPr>
-          <p:cNvPr id="215" name="PlaceHolder 1"/>
+          <p:cNvPr id="221" name="PlaceHolder 1"/>
           <p:cNvSpPr>
             <a:spLocks noGrp="1"/>
           </p:cNvSpPr>
@@ -1660,7 +1662,7 @@
         <p:spPr>
           <a:xfrm>
             <a:off x="685800" y="4343400"/>
-            <a:ext cx="5485320" cy="4113720"/>
+            <a:ext cx="5484960" cy="4113360"/>
           </a:xfrm>
           <a:prstGeom prst="rect">
             <a:avLst/>
@@ -1685,14 +1687,14 @@
       </p:sp>
       <p:sp>
         <p:nvSpPr>
-          <p:cNvPr id="216" name="CustomShape 2"/>
+          <p:cNvPr id="222" name="CustomShape 2"/>
           <p:cNvSpPr/>
           <p:nvPr/>
         </p:nvSpPr>
         <p:spPr>
           <a:xfrm>
             <a:off x="3884760" y="8685360"/>
-            <a:ext cx="2970720" cy="456120"/>
+            <a:ext cx="2970360" cy="455760"/>
           </a:xfrm>
           <a:prstGeom prst="rect">
             <a:avLst/>
@@ -1716,7 +1718,7 @@
                 <a:spcPct val="100000"/>
               </a:lnSpc>
             </a:pPr>
-            <a:fld id="{748C0193-2208-499B-BF5D-EA435475A808}" type="slidenum">
+            <a:fld id="{274AD8A2-DA05-4892-8D07-A977DCC38B4C}" type="slidenum">
               <a:rPr b="0" lang="en-GB" sz="1200" spc="-1" strike="noStrike">
                 <a:solidFill>
                   <a:srgbClr val="000000"/>
@@ -1768,7 +1770,7 @@
       </p:grpSpPr>
       <p:sp>
         <p:nvSpPr>
-          <p:cNvPr id="217" name="PlaceHolder 1"/>
+          <p:cNvPr id="223" name="PlaceHolder 1"/>
           <p:cNvSpPr>
             <a:spLocks noGrp="1"/>
           </p:cNvSpPr>
@@ -1779,7 +1781,7 @@
         <p:spPr>
           <a:xfrm>
             <a:off x="685800" y="4343400"/>
-            <a:ext cx="5485320" cy="4113720"/>
+            <a:ext cx="5484960" cy="4113360"/>
           </a:xfrm>
           <a:prstGeom prst="rect">
             <a:avLst/>
@@ -1804,14 +1806,14 @@
       </p:sp>
       <p:sp>
         <p:nvSpPr>
-          <p:cNvPr id="218" name="CustomShape 2"/>
+          <p:cNvPr id="224" name="CustomShape 2"/>
           <p:cNvSpPr/>
           <p:nvPr/>
         </p:nvSpPr>
         <p:spPr>
           <a:xfrm>
             <a:off x="3884760" y="8685360"/>
-            <a:ext cx="2970720" cy="456120"/>
+            <a:ext cx="2970360" cy="455760"/>
           </a:xfrm>
           <a:prstGeom prst="rect">
             <a:avLst/>
@@ -1835,7 +1837,7 @@
                 <a:spcPct val="100000"/>
               </a:lnSpc>
             </a:pPr>
-            <a:fld id="{EE6721AF-A725-405F-95F0-49641096D604}" type="slidenum">
+            <a:fld id="{35585397-6AF3-4CD4-A2EE-9A76B8CC62A9}" type="slidenum">
               <a:rPr b="0" lang="en-GB" sz="1200" spc="-1" strike="noStrike">
                 <a:solidFill>
                   <a:srgbClr val="000000"/>
@@ -1887,7 +1889,7 @@
       </p:grpSpPr>
       <p:sp>
         <p:nvSpPr>
-          <p:cNvPr id="219" name="PlaceHolder 1"/>
+          <p:cNvPr id="225" name="PlaceHolder 1"/>
           <p:cNvSpPr>
             <a:spLocks noGrp="1"/>
           </p:cNvSpPr>
@@ -1898,7 +1900,7 @@
         <p:spPr>
           <a:xfrm>
             <a:off x="685800" y="4343400"/>
-            <a:ext cx="5485320" cy="4113720"/>
+            <a:ext cx="5484960" cy="4113360"/>
           </a:xfrm>
           <a:prstGeom prst="rect">
             <a:avLst/>
@@ -1923,14 +1925,14 @@
       </p:sp>
       <p:sp>
         <p:nvSpPr>
-          <p:cNvPr id="220" name="CustomShape 2"/>
+          <p:cNvPr id="226" name="CustomShape 2"/>
           <p:cNvSpPr/>
           <p:nvPr/>
         </p:nvSpPr>
         <p:spPr>
           <a:xfrm>
             <a:off x="3884760" y="8685360"/>
-            <a:ext cx="2970720" cy="456120"/>
+            <a:ext cx="2970360" cy="455760"/>
           </a:xfrm>
           <a:prstGeom prst="rect">
             <a:avLst/>
@@ -1954,7 +1956,7 @@
                 <a:spcPct val="100000"/>
               </a:lnSpc>
             </a:pPr>
-            <a:fld id="{0AFD3EFE-4B69-46F3-9A09-8F8BB4FD180C}" type="slidenum">
+            <a:fld id="{49CC7E21-AA2C-462F-BA3B-45FDD01DC8CD}" type="slidenum">
               <a:rPr b="0" lang="en-GB" sz="1200" spc="-1" strike="noStrike">
                 <a:solidFill>
                   <a:srgbClr val="000000"/>
@@ -2006,7 +2008,7 @@
       </p:grpSpPr>
       <p:sp>
         <p:nvSpPr>
-          <p:cNvPr id="221" name="PlaceHolder 1"/>
+          <p:cNvPr id="227" name="PlaceHolder 1"/>
           <p:cNvSpPr>
             <a:spLocks noGrp="1"/>
           </p:cNvSpPr>
@@ -2017,7 +2019,7 @@
         <p:spPr>
           <a:xfrm>
             <a:off x="685800" y="4343400"/>
-            <a:ext cx="5485320" cy="4113720"/>
+            <a:ext cx="5484960" cy="4113360"/>
           </a:xfrm>
           <a:prstGeom prst="rect">
             <a:avLst/>
@@ -2042,14 +2044,14 @@
       </p:sp>
       <p:sp>
         <p:nvSpPr>
-          <p:cNvPr id="222" name="CustomShape 2"/>
+          <p:cNvPr id="228" name="CustomShape 2"/>
           <p:cNvSpPr/>
           <p:nvPr/>
         </p:nvSpPr>
         <p:spPr>
           <a:xfrm>
             <a:off x="3884760" y="8685360"/>
-            <a:ext cx="2970720" cy="456120"/>
+            <a:ext cx="2970360" cy="455760"/>
           </a:xfrm>
           <a:prstGeom prst="rect">
             <a:avLst/>
@@ -2073,7 +2075,7 @@
                 <a:spcPct val="100000"/>
               </a:lnSpc>
             </a:pPr>
-            <a:fld id="{FAC95520-CABD-40BE-B9A0-83FAFB59412D}" type="slidenum">
+            <a:fld id="{F2A13E13-0C88-4A06-BF47-C6A454F79A25}" type="slidenum">
               <a:rPr b="0" lang="en-GB" sz="1200" spc="-1" strike="noStrike">
                 <a:solidFill>
                   <a:srgbClr val="000000"/>
@@ -2125,7 +2127,7 @@
       </p:grpSpPr>
       <p:sp>
         <p:nvSpPr>
-          <p:cNvPr id="223" name="PlaceHolder 1"/>
+          <p:cNvPr id="229" name="PlaceHolder 1"/>
           <p:cNvSpPr>
             <a:spLocks noGrp="1"/>
           </p:cNvSpPr>
@@ -2136,7 +2138,7 @@
         <p:spPr>
           <a:xfrm>
             <a:off x="685800" y="4343400"/>
-            <a:ext cx="5485320" cy="4113720"/>
+            <a:ext cx="5484960" cy="4113360"/>
           </a:xfrm>
           <a:prstGeom prst="rect">
             <a:avLst/>
@@ -2161,14 +2163,14 @@
       </p:sp>
       <p:sp>
         <p:nvSpPr>
-          <p:cNvPr id="224" name="CustomShape 2"/>
+          <p:cNvPr id="230" name="CustomShape 2"/>
           <p:cNvSpPr/>
           <p:nvPr/>
         </p:nvSpPr>
         <p:spPr>
           <a:xfrm>
             <a:off x="3884760" y="8685360"/>
-            <a:ext cx="2970720" cy="456120"/>
+            <a:ext cx="2970360" cy="455760"/>
           </a:xfrm>
           <a:prstGeom prst="rect">
             <a:avLst/>
@@ -2192,7 +2194,7 @@
                 <a:spcPct val="100000"/>
               </a:lnSpc>
             </a:pPr>
-            <a:fld id="{C68F9084-D9DA-4508-9E94-0C366C23CEC8}" type="slidenum">
+            <a:fld id="{BADC230C-F7AF-4906-B1AB-6E4E2A7724A6}" type="slidenum">
               <a:rPr b="0" lang="en-GB" sz="1200" spc="-1" strike="noStrike">
                 <a:solidFill>
                   <a:srgbClr val="000000"/>
@@ -2244,7 +2246,7 @@
       </p:grpSpPr>
       <p:sp>
         <p:nvSpPr>
-          <p:cNvPr id="225" name="PlaceHolder 1"/>
+          <p:cNvPr id="231" name="PlaceHolder 1"/>
           <p:cNvSpPr>
             <a:spLocks noGrp="1"/>
           </p:cNvSpPr>
@@ -2255,7 +2257,7 @@
         <p:spPr>
           <a:xfrm>
             <a:off x="685800" y="4343400"/>
-            <a:ext cx="5485320" cy="4113720"/>
+            <a:ext cx="5484960" cy="4113360"/>
           </a:xfrm>
           <a:prstGeom prst="rect">
             <a:avLst/>
@@ -2280,14 +2282,14 @@
       </p:sp>
       <p:sp>
         <p:nvSpPr>
-          <p:cNvPr id="226" name="CustomShape 2"/>
+          <p:cNvPr id="232" name="CustomShape 2"/>
           <p:cNvSpPr/>
           <p:nvPr/>
         </p:nvSpPr>
         <p:spPr>
           <a:xfrm>
             <a:off x="3884760" y="8685360"/>
-            <a:ext cx="2970720" cy="456120"/>
+            <a:ext cx="2970360" cy="455760"/>
           </a:xfrm>
           <a:prstGeom prst="rect">
             <a:avLst/>
@@ -2311,7 +2313,7 @@
                 <a:spcPct val="100000"/>
               </a:lnSpc>
             </a:pPr>
-            <a:fld id="{4067949F-7CC2-4C77-BA0C-4376599CB1B4}" type="slidenum">
+            <a:fld id="{DC7CAA30-F855-43E4-AED1-A438A7113736}" type="slidenum">
               <a:rPr b="0" lang="en-GB" sz="1200" spc="-1" strike="noStrike">
                 <a:solidFill>
                   <a:srgbClr val="000000"/>
@@ -2363,7 +2365,7 @@
       </p:grpSpPr>
       <p:sp>
         <p:nvSpPr>
-          <p:cNvPr id="227" name="PlaceHolder 1"/>
+          <p:cNvPr id="233" name="PlaceHolder 1"/>
           <p:cNvSpPr>
             <a:spLocks noGrp="1"/>
           </p:cNvSpPr>
@@ -2374,7 +2376,7 @@
         <p:spPr>
           <a:xfrm>
             <a:off x="685800" y="4343400"/>
-            <a:ext cx="5485320" cy="4113720"/>
+            <a:ext cx="5484960" cy="4113360"/>
           </a:xfrm>
           <a:prstGeom prst="rect">
             <a:avLst/>
@@ -2399,14 +2401,14 @@
       </p:sp>
       <p:sp>
         <p:nvSpPr>
-          <p:cNvPr id="228" name="CustomShape 2"/>
+          <p:cNvPr id="234" name="CustomShape 2"/>
           <p:cNvSpPr/>
           <p:nvPr/>
         </p:nvSpPr>
         <p:spPr>
           <a:xfrm>
             <a:off x="3884760" y="8685360"/>
-            <a:ext cx="2970720" cy="456120"/>
+            <a:ext cx="2970360" cy="455760"/>
           </a:xfrm>
           <a:prstGeom prst="rect">
             <a:avLst/>
@@ -2430,7 +2432,7 @@
                 <a:spcPct val="100000"/>
               </a:lnSpc>
             </a:pPr>
-            <a:fld id="{3258E035-8187-41FE-96A2-DF64401F50FF}" type="slidenum">
+            <a:fld id="{2CFA5AE8-59E2-4DEC-A626-51CA46741976}" type="slidenum">
               <a:rPr b="0" lang="en-GB" sz="1200" spc="-1" strike="noStrike">
                 <a:solidFill>
                   <a:srgbClr val="000000"/>
@@ -2482,7 +2484,7 @@
       </p:grpSpPr>
       <p:sp>
         <p:nvSpPr>
-          <p:cNvPr id="229" name="PlaceHolder 1"/>
+          <p:cNvPr id="235" name="PlaceHolder 1"/>
           <p:cNvSpPr>
             <a:spLocks noGrp="1"/>
           </p:cNvSpPr>
@@ -2493,7 +2495,7 @@
         <p:spPr>
           <a:xfrm>
             <a:off x="685800" y="4343400"/>
-            <a:ext cx="5485320" cy="4113720"/>
+            <a:ext cx="5484960" cy="4113360"/>
           </a:xfrm>
           <a:prstGeom prst="rect">
             <a:avLst/>
@@ -2518,14 +2520,14 @@
       </p:sp>
       <p:sp>
         <p:nvSpPr>
-          <p:cNvPr id="230" name="CustomShape 2"/>
+          <p:cNvPr id="236" name="CustomShape 2"/>
           <p:cNvSpPr/>
           <p:nvPr/>
         </p:nvSpPr>
         <p:spPr>
           <a:xfrm>
             <a:off x="3884760" y="8685360"/>
-            <a:ext cx="2970720" cy="456120"/>
+            <a:ext cx="2970360" cy="455760"/>
           </a:xfrm>
           <a:prstGeom prst="rect">
             <a:avLst/>
@@ -2549,7 +2551,7 @@
                 <a:spcPct val="100000"/>
               </a:lnSpc>
             </a:pPr>
-            <a:fld id="{08478B33-A941-4CFB-A64D-D83DF5C21F14}" type="slidenum">
+            <a:fld id="{DF7D8EB4-52AB-46F1-A46F-F248F778B34C}" type="slidenum">
               <a:rPr b="0" lang="en-GB" sz="1200" spc="-1" strike="noStrike">
                 <a:solidFill>
                   <a:srgbClr val="000000"/>
@@ -2601,7 +2603,7 @@
       </p:grpSpPr>
       <p:sp>
         <p:nvSpPr>
-          <p:cNvPr id="231" name="PlaceHolder 1"/>
+          <p:cNvPr id="237" name="PlaceHolder 1"/>
           <p:cNvSpPr>
             <a:spLocks noGrp="1"/>
           </p:cNvSpPr>
@@ -2612,7 +2614,7 @@
         <p:spPr>
           <a:xfrm>
             <a:off x="685800" y="4343400"/>
-            <a:ext cx="5485320" cy="4113720"/>
+            <a:ext cx="5484960" cy="4113360"/>
           </a:xfrm>
           <a:prstGeom prst="rect">
             <a:avLst/>
@@ -2637,14 +2639,14 @@
       </p:sp>
       <p:sp>
         <p:nvSpPr>
-          <p:cNvPr id="232" name="CustomShape 2"/>
+          <p:cNvPr id="238" name="CustomShape 2"/>
           <p:cNvSpPr/>
           <p:nvPr/>
         </p:nvSpPr>
         <p:spPr>
           <a:xfrm>
             <a:off x="3884760" y="8685360"/>
-            <a:ext cx="2970720" cy="456120"/>
+            <a:ext cx="2970360" cy="455760"/>
           </a:xfrm>
           <a:prstGeom prst="rect">
             <a:avLst/>
@@ -2668,7 +2670,7 @@
                 <a:spcPct val="100000"/>
               </a:lnSpc>
             </a:pPr>
-            <a:fld id="{69475261-F1E0-4BF9-BD58-75FB3D1DACFD}" type="slidenum">
+            <a:fld id="{49C4440C-F805-4198-98C9-3D2D487DCAE7}" type="slidenum">
               <a:rPr b="0" lang="en-GB" sz="1200" spc="-1" strike="noStrike">
                 <a:solidFill>
                   <a:srgbClr val="000000"/>
@@ -2720,7 +2722,7 @@
       </p:grpSpPr>
       <p:sp>
         <p:nvSpPr>
-          <p:cNvPr id="233" name="PlaceHolder 1"/>
+          <p:cNvPr id="239" name="PlaceHolder 1"/>
           <p:cNvSpPr>
             <a:spLocks noGrp="1"/>
           </p:cNvSpPr>
@@ -2731,7 +2733,7 @@
         <p:spPr>
           <a:xfrm>
             <a:off x="685800" y="4343400"/>
-            <a:ext cx="5485320" cy="4113720"/>
+            <a:ext cx="5484960" cy="4113360"/>
           </a:xfrm>
           <a:prstGeom prst="rect">
             <a:avLst/>
@@ -2756,14 +2758,14 @@
       </p:sp>
       <p:sp>
         <p:nvSpPr>
-          <p:cNvPr id="234" name="CustomShape 2"/>
+          <p:cNvPr id="240" name="CustomShape 2"/>
           <p:cNvSpPr/>
           <p:nvPr/>
         </p:nvSpPr>
         <p:spPr>
           <a:xfrm>
             <a:off x="3884760" y="8685360"/>
-            <a:ext cx="2970720" cy="456120"/>
+            <a:ext cx="2970360" cy="455760"/>
           </a:xfrm>
           <a:prstGeom prst="rect">
             <a:avLst/>
@@ -2787,7 +2789,7 @@
                 <a:spcPct val="100000"/>
               </a:lnSpc>
             </a:pPr>
-            <a:fld id="{22204B77-F4E1-48C6-92BD-DFAFC8D8B7CE}" type="slidenum">
+            <a:fld id="{DD2C2F67-BA1E-43C0-8858-0FCE05EF55AA}" type="slidenum">
               <a:rPr b="0" lang="en-GB" sz="1200" spc="-1" strike="noStrike">
                 <a:solidFill>
                   <a:srgbClr val="000000"/>
@@ -2839,7 +2841,7 @@
       </p:grpSpPr>
       <p:sp>
         <p:nvSpPr>
-          <p:cNvPr id="181" name="PlaceHolder 1"/>
+          <p:cNvPr id="187" name="PlaceHolder 1"/>
           <p:cNvSpPr>
             <a:spLocks noGrp="1"/>
           </p:cNvSpPr>
@@ -2850,7 +2852,7 @@
         <p:spPr>
           <a:xfrm>
             <a:off x="685800" y="4343400"/>
-            <a:ext cx="5485320" cy="4113720"/>
+            <a:ext cx="5484960" cy="4113360"/>
           </a:xfrm>
           <a:prstGeom prst="rect">
             <a:avLst/>
@@ -2875,14 +2877,14 @@
       </p:sp>
       <p:sp>
         <p:nvSpPr>
-          <p:cNvPr id="182" name="CustomShape 2"/>
+          <p:cNvPr id="188" name="CustomShape 2"/>
           <p:cNvSpPr/>
           <p:nvPr/>
         </p:nvSpPr>
         <p:spPr>
           <a:xfrm>
             <a:off x="3884760" y="8685360"/>
-            <a:ext cx="2970720" cy="456120"/>
+            <a:ext cx="2970360" cy="455760"/>
           </a:xfrm>
           <a:prstGeom prst="rect">
             <a:avLst/>
@@ -2906,7 +2908,7 @@
                 <a:spcPct val="100000"/>
               </a:lnSpc>
             </a:pPr>
-            <a:fld id="{B800A574-2FDB-4C32-A155-BA9DF9CA1029}" type="slidenum">
+            <a:fld id="{EB80CCE8-610B-4F66-B080-F498F839AA4D}" type="slidenum">
               <a:rPr b="0" lang="en-GB" sz="1200" spc="-1" strike="noStrike">
                 <a:solidFill>
                   <a:srgbClr val="000000"/>
@@ -2958,7 +2960,7 @@
       </p:grpSpPr>
       <p:sp>
         <p:nvSpPr>
-          <p:cNvPr id="235" name="PlaceHolder 1"/>
+          <p:cNvPr id="241" name="PlaceHolder 1"/>
           <p:cNvSpPr>
             <a:spLocks noGrp="1"/>
           </p:cNvSpPr>
@@ -2969,7 +2971,7 @@
         <p:spPr>
           <a:xfrm>
             <a:off x="685800" y="4343400"/>
-            <a:ext cx="5485320" cy="4113720"/>
+            <a:ext cx="5484960" cy="4113360"/>
           </a:xfrm>
           <a:prstGeom prst="rect">
             <a:avLst/>
@@ -2994,14 +2996,14 @@
       </p:sp>
       <p:sp>
         <p:nvSpPr>
-          <p:cNvPr id="236" name="CustomShape 2"/>
+          <p:cNvPr id="242" name="CustomShape 2"/>
           <p:cNvSpPr/>
           <p:nvPr/>
         </p:nvSpPr>
         <p:spPr>
           <a:xfrm>
             <a:off x="3884760" y="8685360"/>
-            <a:ext cx="2970720" cy="456120"/>
+            <a:ext cx="2970360" cy="455760"/>
           </a:xfrm>
           <a:prstGeom prst="rect">
             <a:avLst/>
@@ -3025,7 +3027,7 @@
                 <a:spcPct val="100000"/>
               </a:lnSpc>
             </a:pPr>
-            <a:fld id="{34C3EBA4-5292-4A47-A0BE-FB0CFC914655}" type="slidenum">
+            <a:fld id="{C3260CB4-5D6C-48FB-8DBF-D11629ABD8F6}" type="slidenum">
               <a:rPr b="0" lang="en-GB" sz="1200" spc="-1" strike="noStrike">
                 <a:solidFill>
                   <a:srgbClr val="000000"/>
@@ -3038,6 +3040,244 @@
                 <a:latin typeface="Calibri"/>
               </a:rPr>
               <a:t>1</a:t>
+            </a:fld>
+            <a:endParaRPr b="0" lang="en-GB" sz="1800" spc="-1" strike="noStrike">
+              <a:solidFill>
+                <a:srgbClr val="000000"/>
+              </a:solidFill>
+              <a:uFill>
+                <a:solidFill>
+                  <a:srgbClr val="ffffff"/>
+                </a:solidFill>
+              </a:uFill>
+              <a:latin typeface="Arial"/>
+            </a:endParaRPr>
+          </a:p>
+        </p:txBody>
+      </p:sp>
+    </p:spTree>
+  </p:cSld>
+</p:notes>
+</file>
+
+<file path=ppt/notesSlides/notesSlide31.xml><?xml version="1.0" encoding="utf-8"?>
+<p:notes xmlns:a="http://schemas.openxmlformats.org/drawingml/2006/main" xmlns:p="http://schemas.openxmlformats.org/presentationml/2006/main" xmlns:r="http://schemas.openxmlformats.org/officeDocument/2006/relationships" xmlns:p14="http://schemas.microsoft.com/office/powerpoint/2010/main" xmlns:p15="http://schemas.microsoft.com/office/powerpoint/2012/main" xmlns:mc="http://schemas.openxmlformats.org/markup-compatibility/2006">
+  <p:cSld>
+    <p:spTree>
+      <p:nvGrpSpPr>
+        <p:cNvPr id="1" name=""/>
+        <p:cNvGrpSpPr/>
+        <p:nvPr/>
+      </p:nvGrpSpPr>
+      <p:grpSpPr>
+        <a:xfrm>
+          <a:off x="0" y="0"/>
+          <a:ext cx="0" cy="0"/>
+          <a:chOff x="0" y="0"/>
+          <a:chExt cx="0" cy="0"/>
+        </a:xfrm>
+      </p:grpSpPr>
+      <p:sp>
+        <p:nvSpPr>
+          <p:cNvPr id="243" name="PlaceHolder 1"/>
+          <p:cNvSpPr>
+            <a:spLocks noGrp="1"/>
+          </p:cNvSpPr>
+          <p:nvPr>
+            <p:ph type="body"/>
+          </p:nvPr>
+        </p:nvSpPr>
+        <p:spPr>
+          <a:xfrm>
+            <a:off x="685800" y="4343400"/>
+            <a:ext cx="5484960" cy="4113360"/>
+          </a:xfrm>
+          <a:prstGeom prst="rect">
+            <a:avLst/>
+          </a:prstGeom>
+        </p:spPr>
+        <p:txBody>
+          <a:bodyPr lIns="0" rIns="0" tIns="0" bIns="0"/>
+          <a:p>
+            <a:endParaRPr b="0" lang="en-GB" sz="2000" spc="-1" strike="noStrike">
+              <a:solidFill>
+                <a:srgbClr val="000000"/>
+              </a:solidFill>
+              <a:uFill>
+                <a:solidFill>
+                  <a:srgbClr val="ffffff"/>
+                </a:solidFill>
+              </a:uFill>
+              <a:latin typeface="Arial"/>
+            </a:endParaRPr>
+          </a:p>
+        </p:txBody>
+      </p:sp>
+      <p:sp>
+        <p:nvSpPr>
+          <p:cNvPr id="244" name="CustomShape 2"/>
+          <p:cNvSpPr/>
+          <p:nvPr/>
+        </p:nvSpPr>
+        <p:spPr>
+          <a:xfrm>
+            <a:off x="3884760" y="8685360"/>
+            <a:ext cx="2970360" cy="455760"/>
+          </a:xfrm>
+          <a:prstGeom prst="rect">
+            <a:avLst/>
+          </a:prstGeom>
+          <a:noFill/>
+          <a:ln>
+            <a:noFill/>
+          </a:ln>
+        </p:spPr>
+        <p:style>
+          <a:lnRef idx="0"/>
+          <a:fillRef idx="0"/>
+          <a:effectRef idx="0"/>
+          <a:fontRef idx="minor"/>
+        </p:style>
+        <p:txBody>
+          <a:bodyPr lIns="90000" rIns="90000" tIns="45000" bIns="45000" anchor="b"/>
+          <a:p>
+            <a:pPr algn="r">
+              <a:lnSpc>
+                <a:spcPct val="100000"/>
+              </a:lnSpc>
+            </a:pPr>
+            <a:fld id="{9E11AEA4-2877-4861-879B-6F71BD92E18D}" type="slidenum">
+              <a:rPr b="0" lang="en-GB" sz="1200" spc="-1" strike="noStrike">
+                <a:solidFill>
+                  <a:srgbClr val="000000"/>
+                </a:solidFill>
+                <a:uFill>
+                  <a:solidFill>
+                    <a:srgbClr val="ffffff"/>
+                  </a:solidFill>
+                </a:uFill>
+                <a:latin typeface="Calibri"/>
+              </a:rPr>
+              <a:t>&lt;number&gt;</a:t>
+            </a:fld>
+            <a:endParaRPr b="0" lang="en-GB" sz="1800" spc="-1" strike="noStrike">
+              <a:solidFill>
+                <a:srgbClr val="000000"/>
+              </a:solidFill>
+              <a:uFill>
+                <a:solidFill>
+                  <a:srgbClr val="ffffff"/>
+                </a:solidFill>
+              </a:uFill>
+              <a:latin typeface="Arial"/>
+            </a:endParaRPr>
+          </a:p>
+        </p:txBody>
+      </p:sp>
+    </p:spTree>
+  </p:cSld>
+</p:notes>
+</file>
+
+<file path=ppt/notesSlides/notesSlide32.xml><?xml version="1.0" encoding="utf-8"?>
+<p:notes xmlns:a="http://schemas.openxmlformats.org/drawingml/2006/main" xmlns:p="http://schemas.openxmlformats.org/presentationml/2006/main" xmlns:r="http://schemas.openxmlformats.org/officeDocument/2006/relationships" xmlns:p14="http://schemas.microsoft.com/office/powerpoint/2010/main" xmlns:p15="http://schemas.microsoft.com/office/powerpoint/2012/main" xmlns:mc="http://schemas.openxmlformats.org/markup-compatibility/2006">
+  <p:cSld>
+    <p:spTree>
+      <p:nvGrpSpPr>
+        <p:cNvPr id="1" name=""/>
+        <p:cNvGrpSpPr/>
+        <p:nvPr/>
+      </p:nvGrpSpPr>
+      <p:grpSpPr>
+        <a:xfrm>
+          <a:off x="0" y="0"/>
+          <a:ext cx="0" cy="0"/>
+          <a:chOff x="0" y="0"/>
+          <a:chExt cx="0" cy="0"/>
+        </a:xfrm>
+      </p:grpSpPr>
+      <p:sp>
+        <p:nvSpPr>
+          <p:cNvPr id="245" name="PlaceHolder 1"/>
+          <p:cNvSpPr>
+            <a:spLocks noGrp="1"/>
+          </p:cNvSpPr>
+          <p:nvPr>
+            <p:ph type="body"/>
+          </p:nvPr>
+        </p:nvSpPr>
+        <p:spPr>
+          <a:xfrm>
+            <a:off x="685800" y="4343400"/>
+            <a:ext cx="5484960" cy="4113360"/>
+          </a:xfrm>
+          <a:prstGeom prst="rect">
+            <a:avLst/>
+          </a:prstGeom>
+        </p:spPr>
+        <p:txBody>
+          <a:bodyPr lIns="0" rIns="0" tIns="0" bIns="0"/>
+          <a:p>
+            <a:endParaRPr b="0" lang="en-GB" sz="2000" spc="-1" strike="noStrike">
+              <a:solidFill>
+                <a:srgbClr val="000000"/>
+              </a:solidFill>
+              <a:uFill>
+                <a:solidFill>
+                  <a:srgbClr val="ffffff"/>
+                </a:solidFill>
+              </a:uFill>
+              <a:latin typeface="Arial"/>
+            </a:endParaRPr>
+          </a:p>
+        </p:txBody>
+      </p:sp>
+      <p:sp>
+        <p:nvSpPr>
+          <p:cNvPr id="246" name="CustomShape 2"/>
+          <p:cNvSpPr/>
+          <p:nvPr/>
+        </p:nvSpPr>
+        <p:spPr>
+          <a:xfrm>
+            <a:off x="3884760" y="8685360"/>
+            <a:ext cx="2970360" cy="455760"/>
+          </a:xfrm>
+          <a:prstGeom prst="rect">
+            <a:avLst/>
+          </a:prstGeom>
+          <a:noFill/>
+          <a:ln>
+            <a:noFill/>
+          </a:ln>
+        </p:spPr>
+        <p:style>
+          <a:lnRef idx="0"/>
+          <a:fillRef idx="0"/>
+          <a:effectRef idx="0"/>
+          <a:fontRef idx="minor"/>
+        </p:style>
+        <p:txBody>
+          <a:bodyPr lIns="90000" rIns="90000" tIns="45000" bIns="45000" anchor="b"/>
+          <a:p>
+            <a:pPr algn="r">
+              <a:lnSpc>
+                <a:spcPct val="100000"/>
+              </a:lnSpc>
+            </a:pPr>
+            <a:fld id="{3904CABF-A554-4EBE-BD95-C383814C8FE2}" type="slidenum">
+              <a:rPr b="0" lang="en-GB" sz="1200" spc="-1" strike="noStrike">
+                <a:solidFill>
+                  <a:srgbClr val="000000"/>
+                </a:solidFill>
+                <a:uFill>
+                  <a:solidFill>
+                    <a:srgbClr val="ffffff"/>
+                  </a:solidFill>
+                </a:uFill>
+                <a:latin typeface="Calibri"/>
+              </a:rPr>
+              <a:t>&lt;number&gt;</a:t>
             </a:fld>
             <a:endParaRPr b="0" lang="en-GB" sz="1800" spc="-1" strike="noStrike">
               <a:solidFill>
@@ -3077,7 +3317,7 @@
       </p:grpSpPr>
       <p:sp>
         <p:nvSpPr>
-          <p:cNvPr id="183" name="PlaceHolder 1"/>
+          <p:cNvPr id="189" name="PlaceHolder 1"/>
           <p:cNvSpPr>
             <a:spLocks noGrp="1"/>
           </p:cNvSpPr>
@@ -3088,7 +3328,7 @@
         <p:spPr>
           <a:xfrm>
             <a:off x="685800" y="4343400"/>
-            <a:ext cx="5485320" cy="4113720"/>
+            <a:ext cx="5484960" cy="4113360"/>
           </a:xfrm>
           <a:prstGeom prst="rect">
             <a:avLst/>
@@ -3113,14 +3353,14 @@
       </p:sp>
       <p:sp>
         <p:nvSpPr>
-          <p:cNvPr id="184" name="CustomShape 2"/>
+          <p:cNvPr id="190" name="CustomShape 2"/>
           <p:cNvSpPr/>
           <p:nvPr/>
         </p:nvSpPr>
         <p:spPr>
           <a:xfrm>
             <a:off x="3884760" y="8685360"/>
-            <a:ext cx="2970720" cy="456120"/>
+            <a:ext cx="2970360" cy="455760"/>
           </a:xfrm>
           <a:prstGeom prst="rect">
             <a:avLst/>
@@ -3144,7 +3384,7 @@
                 <a:spcPct val="100000"/>
               </a:lnSpc>
             </a:pPr>
-            <a:fld id="{C457F252-1205-4778-B854-202FA6831C92}" type="slidenum">
+            <a:fld id="{9FFC1EE8-F3E7-451D-93BD-0396F26AA686}" type="slidenum">
               <a:rPr b="0" lang="en-GB" sz="1200" spc="-1" strike="noStrike">
                 <a:solidFill>
                   <a:srgbClr val="000000"/>
@@ -3196,7 +3436,7 @@
       </p:grpSpPr>
       <p:sp>
         <p:nvSpPr>
-          <p:cNvPr id="185" name="PlaceHolder 1"/>
+          <p:cNvPr id="191" name="PlaceHolder 1"/>
           <p:cNvSpPr>
             <a:spLocks noGrp="1"/>
           </p:cNvSpPr>
@@ -3207,7 +3447,7 @@
         <p:spPr>
           <a:xfrm>
             <a:off x="685800" y="4343400"/>
-            <a:ext cx="5485320" cy="4113720"/>
+            <a:ext cx="5484960" cy="4113360"/>
           </a:xfrm>
           <a:prstGeom prst="rect">
             <a:avLst/>
@@ -3232,14 +3472,14 @@
       </p:sp>
       <p:sp>
         <p:nvSpPr>
-          <p:cNvPr id="186" name="CustomShape 2"/>
+          <p:cNvPr id="192" name="CustomShape 2"/>
           <p:cNvSpPr/>
           <p:nvPr/>
         </p:nvSpPr>
         <p:spPr>
           <a:xfrm>
             <a:off x="3884760" y="8685360"/>
-            <a:ext cx="2970720" cy="456120"/>
+            <a:ext cx="2970360" cy="455760"/>
           </a:xfrm>
           <a:prstGeom prst="rect">
             <a:avLst/>
@@ -3263,7 +3503,7 @@
                 <a:spcPct val="100000"/>
               </a:lnSpc>
             </a:pPr>
-            <a:fld id="{E3FD9BE1-F2E8-429F-B83C-881D6B0948D4}" type="slidenum">
+            <a:fld id="{BD42377A-6C8B-4694-8139-00C0F381D8D2}" type="slidenum">
               <a:rPr b="0" lang="en-GB" sz="1200" spc="-1" strike="noStrike">
                 <a:solidFill>
                   <a:srgbClr val="000000"/>
@@ -3315,7 +3555,7 @@
       </p:grpSpPr>
       <p:sp>
         <p:nvSpPr>
-          <p:cNvPr id="187" name="PlaceHolder 1"/>
+          <p:cNvPr id="193" name="PlaceHolder 1"/>
           <p:cNvSpPr>
             <a:spLocks noGrp="1"/>
           </p:cNvSpPr>
@@ -3326,7 +3566,7 @@
         <p:spPr>
           <a:xfrm>
             <a:off x="685800" y="4343400"/>
-            <a:ext cx="5485320" cy="4113720"/>
+            <a:ext cx="5484960" cy="4113360"/>
           </a:xfrm>
           <a:prstGeom prst="rect">
             <a:avLst/>
@@ -3351,14 +3591,14 @@
       </p:sp>
       <p:sp>
         <p:nvSpPr>
-          <p:cNvPr id="188" name="CustomShape 2"/>
+          <p:cNvPr id="194" name="CustomShape 2"/>
           <p:cNvSpPr/>
           <p:nvPr/>
         </p:nvSpPr>
         <p:spPr>
           <a:xfrm>
             <a:off x="3884760" y="8685360"/>
-            <a:ext cx="2970720" cy="456120"/>
+            <a:ext cx="2970360" cy="455760"/>
           </a:xfrm>
           <a:prstGeom prst="rect">
             <a:avLst/>
@@ -3382,7 +3622,7 @@
                 <a:spcPct val="100000"/>
               </a:lnSpc>
             </a:pPr>
-            <a:fld id="{D3C40CD2-A436-4470-927F-B18C12EDE4B4}" type="slidenum">
+            <a:fld id="{5C445103-CAF1-451C-A05F-1464493EDFE5}" type="slidenum">
               <a:rPr b="0" lang="en-GB" sz="1200" spc="-1" strike="noStrike">
                 <a:solidFill>
                   <a:srgbClr val="000000"/>
@@ -3434,7 +3674,7 @@
       </p:grpSpPr>
       <p:sp>
         <p:nvSpPr>
-          <p:cNvPr id="189" name="PlaceHolder 1"/>
+          <p:cNvPr id="195" name="PlaceHolder 1"/>
           <p:cNvSpPr>
             <a:spLocks noGrp="1"/>
           </p:cNvSpPr>
@@ -3445,7 +3685,7 @@
         <p:spPr>
           <a:xfrm>
             <a:off x="685800" y="4343400"/>
-            <a:ext cx="5485320" cy="4113720"/>
+            <a:ext cx="5484960" cy="4113360"/>
           </a:xfrm>
           <a:prstGeom prst="rect">
             <a:avLst/>
@@ -3470,14 +3710,14 @@
       </p:sp>
       <p:sp>
         <p:nvSpPr>
-          <p:cNvPr id="190" name="CustomShape 2"/>
+          <p:cNvPr id="196" name="CustomShape 2"/>
           <p:cNvSpPr/>
           <p:nvPr/>
         </p:nvSpPr>
         <p:spPr>
           <a:xfrm>
             <a:off x="3884760" y="8685360"/>
-            <a:ext cx="2970720" cy="456120"/>
+            <a:ext cx="2970360" cy="455760"/>
           </a:xfrm>
           <a:prstGeom prst="rect">
             <a:avLst/>
@@ -3501,7 +3741,7 @@
                 <a:spcPct val="100000"/>
               </a:lnSpc>
             </a:pPr>
-            <a:fld id="{28A1E3FB-F78C-460B-B9A9-361AE528A672}" type="slidenum">
+            <a:fld id="{FA911D2A-9D8E-44AA-9CB4-EDA41C7C7EC1}" type="slidenum">
               <a:rPr b="0" lang="en-GB" sz="1200" spc="-1" strike="noStrike">
                 <a:solidFill>
                   <a:srgbClr val="000000"/>
@@ -3553,7 +3793,7 @@
       </p:grpSpPr>
       <p:sp>
         <p:nvSpPr>
-          <p:cNvPr id="191" name="PlaceHolder 1"/>
+          <p:cNvPr id="197" name="PlaceHolder 1"/>
           <p:cNvSpPr>
             <a:spLocks noGrp="1"/>
           </p:cNvSpPr>
@@ -3564,7 +3804,7 @@
         <p:spPr>
           <a:xfrm>
             <a:off x="685800" y="4343400"/>
-            <a:ext cx="5485320" cy="4113720"/>
+            <a:ext cx="5484960" cy="4113360"/>
           </a:xfrm>
           <a:prstGeom prst="rect">
             <a:avLst/>
@@ -3589,14 +3829,14 @@
       </p:sp>
       <p:sp>
         <p:nvSpPr>
-          <p:cNvPr id="192" name="CustomShape 2"/>
+          <p:cNvPr id="198" name="CustomShape 2"/>
           <p:cNvSpPr/>
           <p:nvPr/>
         </p:nvSpPr>
         <p:spPr>
           <a:xfrm>
             <a:off x="3884760" y="8685360"/>
-            <a:ext cx="2970720" cy="456120"/>
+            <a:ext cx="2970360" cy="455760"/>
           </a:xfrm>
           <a:prstGeom prst="rect">
             <a:avLst/>
@@ -3620,7 +3860,7 @@
                 <a:spcPct val="100000"/>
               </a:lnSpc>
             </a:pPr>
-            <a:fld id="{92B2F456-EC4C-484D-993B-34527A77FFD5}" type="slidenum">
+            <a:fld id="{642F3839-D37F-41C2-A227-9C5DDB840D05}" type="slidenum">
               <a:rPr b="0" lang="en-GB" sz="1200" spc="-1" strike="noStrike">
                 <a:solidFill>
                   <a:srgbClr val="000000"/>
@@ -3672,7 +3912,7 @@
       </p:grpSpPr>
       <p:sp>
         <p:nvSpPr>
-          <p:cNvPr id="193" name="PlaceHolder 1"/>
+          <p:cNvPr id="199" name="PlaceHolder 1"/>
           <p:cNvSpPr>
             <a:spLocks noGrp="1"/>
           </p:cNvSpPr>
@@ -3683,7 +3923,7 @@
         <p:spPr>
           <a:xfrm>
             <a:off x="685800" y="4343400"/>
-            <a:ext cx="5485320" cy="4113720"/>
+            <a:ext cx="5484960" cy="4113360"/>
           </a:xfrm>
           <a:prstGeom prst="rect">
             <a:avLst/>
@@ -3708,14 +3948,14 @@
       </p:sp>
       <p:sp>
         <p:nvSpPr>
-          <p:cNvPr id="194" name="CustomShape 2"/>
+          <p:cNvPr id="200" name="CustomShape 2"/>
           <p:cNvSpPr/>
           <p:nvPr/>
         </p:nvSpPr>
         <p:spPr>
           <a:xfrm>
             <a:off x="3884760" y="8685360"/>
-            <a:ext cx="2970720" cy="456120"/>
+            <a:ext cx="2970360" cy="455760"/>
           </a:xfrm>
           <a:prstGeom prst="rect">
             <a:avLst/>
@@ -3739,7 +3979,7 @@
                 <a:spcPct val="100000"/>
               </a:lnSpc>
             </a:pPr>
-            <a:fld id="{73BFF0D8-6F6E-4C7A-8128-82A1BF029917}" type="slidenum">
+            <a:fld id="{A558D1B1-5399-49FA-9B02-8FFA3DF71850}" type="slidenum">
               <a:rPr b="0" lang="en-GB" sz="1200" spc="-1" strike="noStrike">
                 <a:solidFill>
                   <a:srgbClr val="000000"/>
@@ -6760,7 +7000,7 @@
         <p:spPr>
           <a:xfrm>
             <a:off x="31680" y="6059520"/>
-            <a:ext cx="1522800" cy="406800"/>
+            <a:ext cx="1522440" cy="406440"/>
           </a:xfrm>
           <a:prstGeom prst="rect">
             <a:avLst/>
@@ -6783,7 +7023,7 @@
         <p:spPr>
           <a:xfrm>
             <a:off x="7731000" y="6129360"/>
-            <a:ext cx="1308600" cy="336960"/>
+            <a:ext cx="1308240" cy="336600"/>
           </a:xfrm>
           <a:prstGeom prst="rect">
             <a:avLst/>
@@ -6806,7 +7046,7 @@
         <p:spPr>
           <a:xfrm>
             <a:off x="6211800" y="6116760"/>
-            <a:ext cx="1475280" cy="349920"/>
+            <a:ext cx="1474920" cy="349560"/>
           </a:xfrm>
           <a:prstGeom prst="rect">
             <a:avLst/>
@@ -6825,7 +7065,7 @@
         <p:spPr>
           <a:xfrm>
             <a:off x="-155520" y="5869080"/>
-            <a:ext cx="183240" cy="368640"/>
+            <a:ext cx="182880" cy="368280"/>
           </a:xfrm>
           <a:prstGeom prst="rect">
             <a:avLst/>
@@ -6855,7 +7095,7 @@
         <p:spPr>
           <a:xfrm>
             <a:off x="0" y="0"/>
-            <a:ext cx="3067560" cy="870480"/>
+            <a:ext cx="3067200" cy="870120"/>
           </a:xfrm>
           <a:prstGeom prst="rect">
             <a:avLst/>
@@ -6879,7 +7119,7 @@
         <p:spPr>
           <a:xfrm>
             <a:off x="2998800" y="-33480"/>
-            <a:ext cx="1229400" cy="945000"/>
+            <a:ext cx="1229040" cy="944640"/>
           </a:xfrm>
           <a:prstGeom prst="rect">
             <a:avLst/>
@@ -6903,7 +7143,7 @@
         <p:spPr>
           <a:xfrm>
             <a:off x="2852640" y="0"/>
-            <a:ext cx="157680" cy="870480"/>
+            <a:ext cx="157320" cy="870120"/>
           </a:xfrm>
           <a:prstGeom prst="rect">
             <a:avLst/>
@@ -6926,7 +7166,7 @@
         <p:spPr>
           <a:xfrm>
             <a:off x="457200" y="273600"/>
-            <a:ext cx="8228880" cy="1144440"/>
+            <a:ext cx="8229240" cy="1144800"/>
           </a:xfrm>
           <a:prstGeom prst="rect">
             <a:avLst/>
@@ -6936,6 +7176,20 @@
           <a:bodyPr lIns="0" rIns="0" tIns="0" bIns="0" anchor="ctr"/>
           <a:p>
             <a:pPr algn="ctr"/>
+            <a:r>
+              <a:rPr b="0" lang="en-GB" sz="4400" spc="-1" strike="noStrike">
+                <a:solidFill>
+                  <a:srgbClr val="000000"/>
+                </a:solidFill>
+                <a:uFill>
+                  <a:solidFill>
+                    <a:srgbClr val="ffffff"/>
+                  </a:solidFill>
+                </a:uFill>
+                <a:latin typeface="Arial"/>
+              </a:rPr>
+              <a:t>Click to edit the title text format</a:t>
+            </a:r>
             <a:endParaRPr b="0" lang="en-GB" sz="4400" spc="-1" strike="noStrike">
               <a:solidFill>
                 <a:srgbClr val="000000"/>
@@ -6963,7 +7217,7 @@
         <p:spPr>
           <a:xfrm>
             <a:off x="457200" y="1604520"/>
-            <a:ext cx="8228880" cy="3976920"/>
+            <a:ext cx="8229240" cy="3977280"/>
           </a:xfrm>
           <a:prstGeom prst="rect">
             <a:avLst/>
@@ -6981,7 +7235,7 @@
               <a:buChar char=""/>
             </a:pPr>
             <a:r>
-              <a:rPr b="0" lang="en-GB" sz="1800" spc="-1" strike="noStrike">
+              <a:rPr b="0" lang="en-GB" sz="3200" spc="-1" strike="noStrike">
                 <a:solidFill>
                   <a:srgbClr val="000000"/>
                 </a:solidFill>
@@ -6994,7 +7248,7 @@
               </a:rPr>
               <a:t>Click to edit the outline text format</a:t>
             </a:r>
-            <a:endParaRPr b="0" lang="en-GB" sz="1800" spc="-1" strike="noStrike">
+            <a:endParaRPr b="0" lang="en-GB" sz="3200" spc="-1" strike="noStrike">
               <a:solidFill>
                 <a:srgbClr val="000000"/>
               </a:solidFill>
@@ -7016,7 +7270,7 @@
               <a:buChar char=""/>
             </a:pPr>
             <a:r>
-              <a:rPr b="0" lang="en-GB" sz="1800" spc="-1" strike="noStrike">
+              <a:rPr b="0" lang="en-GB" sz="2800" spc="-1" strike="noStrike">
                 <a:solidFill>
                   <a:srgbClr val="000000"/>
                 </a:solidFill>
@@ -7029,7 +7283,7 @@
               </a:rPr>
               <a:t>Second Outline Level</a:t>
             </a:r>
-            <a:endParaRPr b="0" lang="en-GB" sz="1800" spc="-1" strike="noStrike">
+            <a:endParaRPr b="0" lang="en-GB" sz="2800" spc="-1" strike="noStrike">
               <a:solidFill>
                 <a:srgbClr val="000000"/>
               </a:solidFill>
@@ -7051,7 +7305,7 @@
               <a:buChar char=""/>
             </a:pPr>
             <a:r>
-              <a:rPr b="0" lang="en-GB" sz="1800" spc="-1" strike="noStrike">
+              <a:rPr b="0" lang="en-GB" sz="2400" spc="-1" strike="noStrike">
                 <a:solidFill>
                   <a:srgbClr val="000000"/>
                 </a:solidFill>
@@ -7064,7 +7318,7 @@
               </a:rPr>
               <a:t>Third Outline Level</a:t>
             </a:r>
-            <a:endParaRPr b="0" lang="en-GB" sz="1800" spc="-1" strike="noStrike">
+            <a:endParaRPr b="0" lang="en-GB" sz="2400" spc="-1" strike="noStrike">
               <a:solidFill>
                 <a:srgbClr val="000000"/>
               </a:solidFill>
@@ -7086,7 +7340,7 @@
               <a:buChar char=""/>
             </a:pPr>
             <a:r>
-              <a:rPr b="0" lang="en-GB" sz="1800" spc="-1" strike="noStrike">
+              <a:rPr b="0" lang="en-GB" sz="2000" spc="-1" strike="noStrike">
                 <a:solidFill>
                   <a:srgbClr val="000000"/>
                 </a:solidFill>
@@ -7099,7 +7353,7 @@
               </a:rPr>
               <a:t>Fourth Outline Level</a:t>
             </a:r>
-            <a:endParaRPr b="0" lang="en-GB" sz="1800" spc="-1" strike="noStrike">
+            <a:endParaRPr b="0" lang="en-GB" sz="2000" spc="-1" strike="noStrike">
               <a:solidFill>
                 <a:srgbClr val="000000"/>
               </a:solidFill>
@@ -7121,7 +7375,7 @@
               <a:buChar char=""/>
             </a:pPr>
             <a:r>
-              <a:rPr b="0" lang="en-GB" sz="1800" spc="-1" strike="noStrike">
+              <a:rPr b="0" lang="en-GB" sz="2000" spc="-1" strike="noStrike">
                 <a:solidFill>
                   <a:srgbClr val="000000"/>
                 </a:solidFill>
@@ -7134,7 +7388,7 @@
               </a:rPr>
               <a:t>Fifth Outline Level</a:t>
             </a:r>
-            <a:endParaRPr b="0" lang="en-GB" sz="1800" spc="-1" strike="noStrike">
+            <a:endParaRPr b="0" lang="en-GB" sz="2000" spc="-1" strike="noStrike">
               <a:solidFill>
                 <a:srgbClr val="000000"/>
               </a:solidFill>
@@ -7156,7 +7410,7 @@
               <a:buChar char=""/>
             </a:pPr>
             <a:r>
-              <a:rPr b="0" lang="en-GB" sz="1800" spc="-1" strike="noStrike">
+              <a:rPr b="0" lang="en-GB" sz="2000" spc="-1" strike="noStrike">
                 <a:solidFill>
                   <a:srgbClr val="000000"/>
                 </a:solidFill>
@@ -7169,7 +7423,7 @@
               </a:rPr>
               <a:t>Sixth Outline Level</a:t>
             </a:r>
-            <a:endParaRPr b="0" lang="en-GB" sz="1800" spc="-1" strike="noStrike">
+            <a:endParaRPr b="0" lang="en-GB" sz="2000" spc="-1" strike="noStrike">
               <a:solidFill>
                 <a:srgbClr val="000000"/>
               </a:solidFill>
@@ -7191,7 +7445,7 @@
               <a:buChar char=""/>
             </a:pPr>
             <a:r>
-              <a:rPr b="0" lang="en-GB" sz="1800" spc="-1" strike="noStrike">
+              <a:rPr b="0" lang="en-GB" sz="2000" spc="-1" strike="noStrike">
                 <a:solidFill>
                   <a:srgbClr val="000000"/>
                 </a:solidFill>
@@ -7204,7 +7458,7 @@
               </a:rPr>
               <a:t>Seventh Outline Level</a:t>
             </a:r>
-            <a:endParaRPr b="0" lang="en-GB" sz="1800" spc="-1" strike="noStrike">
+            <a:endParaRPr b="0" lang="en-GB" sz="2000" spc="-1" strike="noStrike">
               <a:solidFill>
                 <a:srgbClr val="000000"/>
               </a:solidFill>
@@ -7278,7 +7532,7 @@
         <p:spPr>
           <a:xfrm>
             <a:off x="31680" y="6059520"/>
-            <a:ext cx="1522800" cy="406800"/>
+            <a:ext cx="1522440" cy="406440"/>
           </a:xfrm>
           <a:prstGeom prst="rect">
             <a:avLst/>
@@ -7301,7 +7555,7 @@
         <p:spPr>
           <a:xfrm>
             <a:off x="7731000" y="6129360"/>
-            <a:ext cx="1308600" cy="336960"/>
+            <a:ext cx="1308240" cy="336600"/>
           </a:xfrm>
           <a:prstGeom prst="rect">
             <a:avLst/>
@@ -7324,7 +7578,7 @@
         <p:spPr>
           <a:xfrm>
             <a:off x="6211800" y="6116760"/>
-            <a:ext cx="1475280" cy="349920"/>
+            <a:ext cx="1474920" cy="349560"/>
           </a:xfrm>
           <a:prstGeom prst="rect">
             <a:avLst/>
@@ -7343,7 +7597,7 @@
         <p:spPr>
           <a:xfrm>
             <a:off x="-155520" y="5869080"/>
-            <a:ext cx="183240" cy="368640"/>
+            <a:ext cx="182880" cy="368280"/>
           </a:xfrm>
           <a:prstGeom prst="rect">
             <a:avLst/>
@@ -7724,8 +7978,8 @@
         </p:nvSpPr>
         <p:spPr>
           <a:xfrm>
-            <a:off x="343080" y="3327480"/>
-            <a:ext cx="7771320" cy="860760"/>
+            <a:off x="811080" y="1635480"/>
+            <a:ext cx="7770960" cy="860400"/>
           </a:xfrm>
           <a:prstGeom prst="rect">
             <a:avLst/>
@@ -7786,8 +8040,8 @@
         </p:nvSpPr>
         <p:spPr>
           <a:xfrm>
-            <a:off x="343080" y="4203720"/>
-            <a:ext cx="6856920" cy="549720"/>
+            <a:off x="883080" y="2619720"/>
+            <a:ext cx="6856560" cy="549360"/>
           </a:xfrm>
           <a:prstGeom prst="rect">
             <a:avLst/>
@@ -7848,8 +8102,8 @@
         </p:nvSpPr>
         <p:spPr>
           <a:xfrm>
-            <a:off x="343080" y="4754520"/>
-            <a:ext cx="8620560" cy="1265760"/>
+            <a:off x="919080" y="3566520"/>
+            <a:ext cx="8620200" cy="1265400"/>
           </a:xfrm>
           <a:prstGeom prst="rect">
             <a:avLst/>
@@ -7868,7 +8122,7 @@
         <p:txBody>
           <a:bodyPr lIns="90000" rIns="90000" tIns="45000" bIns="45000"/>
           <a:p>
-            <a:pPr marL="343080" indent="-342000">
+            <a:pPr marL="343080" indent="-341640">
               <a:lnSpc>
                 <a:spcPct val="100000"/>
               </a:lnSpc>
@@ -7901,7 +8155,7 @@
             </a:endParaRPr>
           </a:p>
           <a:p>
-            <a:pPr marL="343080" indent="-342000">
+            <a:pPr marL="343080" indent="-341640">
               <a:lnSpc>
                 <a:spcPct val="100000"/>
               </a:lnSpc>
@@ -7919,7 +8173,7 @@
             </a:endParaRPr>
           </a:p>
           <a:p>
-            <a:pPr marL="343080" indent="-342000">
+            <a:pPr marL="343080" indent="-341640">
               <a:lnSpc>
                 <a:spcPct val="100000"/>
               </a:lnSpc>
@@ -7937,7 +8191,7 @@
                 <a:latin typeface="Calibri"/>
                 <a:ea typeface="DejaVu Sans"/>
               </a:rPr>
-              <a:t>Ag Stephens, Stephen Pascoe, Tommy Godfrey and Andy Heaps.</a:t>
+              <a:t>Ag Stephens, Stephen Pascoe, Tommy Godfrey and Andy Heaps</a:t>
             </a:r>
             <a:endParaRPr b="0" lang="en-GB" sz="1800" spc="-1" strike="noStrike">
               <a:solidFill>
@@ -8011,7 +8265,7 @@
         <p:spPr>
           <a:xfrm>
             <a:off x="376200" y="380880"/>
-            <a:ext cx="8417520" cy="879840"/>
+            <a:ext cx="8417160" cy="879480"/>
           </a:xfrm>
           <a:prstGeom prst="rect">
             <a:avLst/>
@@ -8073,7 +8327,7 @@
         <p:spPr>
           <a:xfrm>
             <a:off x="376200" y="1374840"/>
-            <a:ext cx="8417520" cy="4350240"/>
+            <a:ext cx="8417160" cy="4349880"/>
           </a:xfrm>
           <a:prstGeom prst="rect">
             <a:avLst/>
@@ -8092,7 +8346,7 @@
         <p:txBody>
           <a:bodyPr lIns="90000" rIns="90000" tIns="45000" bIns="45000"/>
           <a:p>
-            <a:pPr marL="228600" indent="-227520">
+            <a:pPr marL="228600" indent="-227160">
               <a:lnSpc>
                 <a:spcPct val="100000"/>
               </a:lnSpc>
@@ -8196,7 +8450,7 @@
             </a:endParaRPr>
           </a:p>
           <a:p>
-            <a:pPr marL="228600" indent="-227520">
+            <a:pPr marL="228600" indent="-227160">
               <a:lnSpc>
                 <a:spcPct val="100000"/>
               </a:lnSpc>
@@ -8234,7 +8488,7 @@
             </a:endParaRPr>
           </a:p>
           <a:p>
-            <a:pPr lvl="1" marL="685800" indent="-227520">
+            <a:pPr lvl="1" marL="685800" indent="-227160">
               <a:lnSpc>
                 <a:spcPct val="100000"/>
               </a:lnSpc>
@@ -8287,7 +8541,7 @@
             </a:endParaRPr>
           </a:p>
           <a:p>
-            <a:pPr lvl="1" marL="685800" indent="-227520">
+            <a:pPr lvl="1" marL="685800" indent="-227160">
               <a:lnSpc>
                 <a:spcPct val="100000"/>
               </a:lnSpc>
@@ -8340,7 +8594,7 @@
             </a:endParaRPr>
           </a:p>
           <a:p>
-            <a:pPr lvl="1" marL="685800" indent="-227520">
+            <a:pPr lvl="1" marL="685800" indent="-227160">
               <a:lnSpc>
                 <a:spcPct val="100000"/>
               </a:lnSpc>
@@ -8628,7 +8882,7 @@
         <p:spPr>
           <a:xfrm>
             <a:off x="376200" y="380880"/>
-            <a:ext cx="8417520" cy="879840"/>
+            <a:ext cx="8417160" cy="879480"/>
           </a:xfrm>
           <a:prstGeom prst="rect">
             <a:avLst/>
@@ -8735,7 +8989,7 @@
         <p:spPr>
           <a:xfrm>
             <a:off x="376200" y="1374840"/>
-            <a:ext cx="8417520" cy="4350240"/>
+            <a:ext cx="8417160" cy="4349880"/>
           </a:xfrm>
           <a:prstGeom prst="rect">
             <a:avLst/>
@@ -8754,7 +9008,7 @@
         <p:txBody>
           <a:bodyPr lIns="90000" rIns="90000" tIns="45000" bIns="45000"/>
           <a:p>
-            <a:pPr marL="228600" indent="-227520">
+            <a:pPr marL="228600" indent="-227160">
               <a:lnSpc>
                 <a:spcPct val="100000"/>
               </a:lnSpc>
@@ -9005,7 +9259,7 @@
             </a:endParaRPr>
           </a:p>
           <a:p>
-            <a:pPr marL="228600" indent="-227520">
+            <a:pPr marL="228600" indent="-227160">
               <a:lnSpc>
                 <a:spcPct val="100000"/>
               </a:lnSpc>
@@ -9336,7 +9590,7 @@
         <p:spPr>
           <a:xfrm>
             <a:off x="376200" y="200880"/>
-            <a:ext cx="8417520" cy="879840"/>
+            <a:ext cx="8417160" cy="879480"/>
           </a:xfrm>
           <a:prstGeom prst="rect">
             <a:avLst/>
@@ -9398,7 +9652,7 @@
         <p:spPr>
           <a:xfrm>
             <a:off x="457200" y="909360"/>
-            <a:ext cx="8228520" cy="4462920"/>
+            <a:ext cx="8228160" cy="4462560"/>
           </a:xfrm>
           <a:prstGeom prst="rect">
             <a:avLst/>
@@ -9902,7 +10156,7 @@
         <p:spPr>
           <a:xfrm>
             <a:off x="4513320" y="2736000"/>
-            <a:ext cx="4484160" cy="3383640"/>
+            <a:ext cx="4483800" cy="3383280"/>
           </a:xfrm>
           <a:prstGeom prst="rect">
             <a:avLst/>
@@ -9970,7 +10224,7 @@
         <p:spPr>
           <a:xfrm>
             <a:off x="376200" y="380880"/>
-            <a:ext cx="8417520" cy="879840"/>
+            <a:ext cx="8417160" cy="879480"/>
           </a:xfrm>
           <a:prstGeom prst="rect">
             <a:avLst/>
@@ -10032,7 +10286,7 @@
         <p:spPr>
           <a:xfrm>
             <a:off x="457200" y="1341360"/>
-            <a:ext cx="8228520" cy="4462920"/>
+            <a:ext cx="8228160" cy="4462560"/>
           </a:xfrm>
           <a:prstGeom prst="rect">
             <a:avLst/>
@@ -10403,7 +10657,7 @@
         <p:spPr>
           <a:xfrm>
             <a:off x="504000" y="4280400"/>
-            <a:ext cx="6623640" cy="1119240"/>
+            <a:ext cx="6623280" cy="1118880"/>
           </a:xfrm>
           <a:prstGeom prst="rect">
             <a:avLst/>
@@ -10647,7 +10901,7 @@
         <p:spPr>
           <a:xfrm>
             <a:off x="376200" y="380880"/>
-            <a:ext cx="8417520" cy="879840"/>
+            <a:ext cx="8417160" cy="879480"/>
           </a:xfrm>
           <a:prstGeom prst="rect">
             <a:avLst/>
@@ -10709,7 +10963,7 @@
         <p:spPr>
           <a:xfrm>
             <a:off x="457200" y="1341360"/>
-            <a:ext cx="8228520" cy="4462920"/>
+            <a:ext cx="8228160" cy="4462560"/>
           </a:xfrm>
           <a:prstGeom prst="rect">
             <a:avLst/>
@@ -11057,7 +11311,7 @@
         <p:spPr>
           <a:xfrm>
             <a:off x="4104000" y="2564280"/>
-            <a:ext cx="4585320" cy="3483360"/>
+            <a:ext cx="4584960" cy="3483000"/>
           </a:xfrm>
           <a:prstGeom prst="rect">
             <a:avLst/>
@@ -11301,7 +11555,7 @@
         <p:spPr>
           <a:xfrm>
             <a:off x="376200" y="380880"/>
-            <a:ext cx="8417520" cy="879840"/>
+            <a:ext cx="8417160" cy="879480"/>
           </a:xfrm>
           <a:prstGeom prst="rect">
             <a:avLst/>
@@ -11363,7 +11617,7 @@
         <p:spPr>
           <a:xfrm>
             <a:off x="457200" y="1341360"/>
-            <a:ext cx="8866800" cy="4462920"/>
+            <a:ext cx="8866440" cy="4462560"/>
           </a:xfrm>
           <a:prstGeom prst="rect">
             <a:avLst/>
@@ -12008,7 +12262,7 @@
         <p:spPr>
           <a:xfrm>
             <a:off x="376200" y="380880"/>
-            <a:ext cx="8417520" cy="879840"/>
+            <a:ext cx="8417160" cy="879480"/>
           </a:xfrm>
           <a:prstGeom prst="rect">
             <a:avLst/>
@@ -12070,7 +12324,7 @@
         <p:spPr>
           <a:xfrm>
             <a:off x="457200" y="1341360"/>
-            <a:ext cx="8866800" cy="4462920"/>
+            <a:ext cx="8866440" cy="4462560"/>
           </a:xfrm>
           <a:prstGeom prst="rect">
             <a:avLst/>
@@ -12412,7 +12666,7 @@
         <p:spPr>
           <a:xfrm>
             <a:off x="3862440" y="3010680"/>
-            <a:ext cx="4633200" cy="2964960"/>
+            <a:ext cx="4632840" cy="2964600"/>
           </a:xfrm>
           <a:prstGeom prst="rect">
             <a:avLst/>
@@ -12480,7 +12734,7 @@
         <p:spPr>
           <a:xfrm>
             <a:off x="457200" y="-27000"/>
-            <a:ext cx="8228520" cy="1141920"/>
+            <a:ext cx="8228160" cy="1141560"/>
           </a:xfrm>
           <a:prstGeom prst="rect">
             <a:avLst/>
@@ -12542,7 +12796,7 @@
         <p:spPr>
           <a:xfrm>
             <a:off x="395280" y="1304280"/>
-            <a:ext cx="8290440" cy="5688360"/>
+            <a:ext cx="8290080" cy="5688000"/>
           </a:xfrm>
           <a:prstGeom prst="rect">
             <a:avLst/>
@@ -13171,7 +13425,7 @@
         <p:spPr>
           <a:xfrm>
             <a:off x="5254920" y="1510200"/>
-            <a:ext cx="3240720" cy="1369440"/>
+            <a:ext cx="3240360" cy="1369080"/>
           </a:xfrm>
           <a:prstGeom prst="rect">
             <a:avLst/>
@@ -13345,7 +13599,7 @@
         <p:spPr>
           <a:xfrm>
             <a:off x="376200" y="380880"/>
-            <a:ext cx="8417520" cy="879840"/>
+            <a:ext cx="8417160" cy="879480"/>
           </a:xfrm>
           <a:prstGeom prst="rect">
             <a:avLst/>
@@ -13407,7 +13661,7 @@
         <p:spPr>
           <a:xfrm>
             <a:off x="457200" y="1341360"/>
-            <a:ext cx="8866800" cy="4462920"/>
+            <a:ext cx="8866440" cy="4462560"/>
           </a:xfrm>
           <a:prstGeom prst="rect">
             <a:avLst/>
@@ -13572,7 +13826,7 @@
         <p:spPr>
           <a:xfrm>
             <a:off x="4103640" y="2572920"/>
-            <a:ext cx="4392000" cy="3330720"/>
+            <a:ext cx="4391640" cy="3330360"/>
           </a:xfrm>
           <a:prstGeom prst="rect">
             <a:avLst/>
@@ -13640,7 +13894,7 @@
         <p:spPr>
           <a:xfrm>
             <a:off x="376200" y="380880"/>
-            <a:ext cx="8417520" cy="879840"/>
+            <a:ext cx="8417160" cy="879480"/>
           </a:xfrm>
           <a:prstGeom prst="rect">
             <a:avLst/>
@@ -13702,7 +13956,7 @@
         <p:spPr>
           <a:xfrm>
             <a:off x="457200" y="1341360"/>
-            <a:ext cx="8866800" cy="4462920"/>
+            <a:ext cx="8866440" cy="4462560"/>
           </a:xfrm>
           <a:prstGeom prst="rect">
             <a:avLst/>
@@ -13900,7 +14154,7 @@
         <p:spPr>
           <a:xfrm>
             <a:off x="4092120" y="2631960"/>
-            <a:ext cx="4331520" cy="3343680"/>
+            <a:ext cx="4331160" cy="3343320"/>
           </a:xfrm>
           <a:prstGeom prst="rect">
             <a:avLst/>
@@ -13968,7 +14222,7 @@
         <p:spPr>
           <a:xfrm>
             <a:off x="376200" y="380880"/>
-            <a:ext cx="8417520" cy="879840"/>
+            <a:ext cx="8417160" cy="879480"/>
           </a:xfrm>
           <a:prstGeom prst="rect">
             <a:avLst/>
@@ -14030,7 +14284,7 @@
         <p:spPr>
           <a:xfrm>
             <a:off x="457200" y="1413000"/>
-            <a:ext cx="8228520" cy="4524840"/>
+            <a:ext cx="8228160" cy="4524480"/>
           </a:xfrm>
           <a:prstGeom prst="rect">
             <a:avLst/>
@@ -14126,7 +14380,7 @@
         <p:spPr>
           <a:xfrm>
             <a:off x="1258920" y="4581360"/>
-            <a:ext cx="6542640" cy="1323000"/>
+            <a:ext cx="6542280" cy="1322640"/>
           </a:xfrm>
           <a:prstGeom prst="rect">
             <a:avLst/>
@@ -14194,7 +14448,7 @@
         <p:spPr>
           <a:xfrm>
             <a:off x="376200" y="380880"/>
-            <a:ext cx="8417520" cy="879840"/>
+            <a:ext cx="8417160" cy="879480"/>
           </a:xfrm>
           <a:prstGeom prst="rect">
             <a:avLst/>
@@ -14256,7 +14510,7 @@
         <p:spPr>
           <a:xfrm>
             <a:off x="457200" y="1341360"/>
-            <a:ext cx="8577720" cy="4462920"/>
+            <a:ext cx="8577360" cy="4462560"/>
           </a:xfrm>
           <a:prstGeom prst="rect">
             <a:avLst/>
@@ -14487,7 +14741,7 @@
         <p:spPr>
           <a:xfrm>
             <a:off x="4155840" y="2808000"/>
-            <a:ext cx="4267800" cy="3239640"/>
+            <a:ext cx="4267440" cy="3239280"/>
           </a:xfrm>
           <a:prstGeom prst="rect">
             <a:avLst/>
@@ -14555,7 +14809,7 @@
         <p:spPr>
           <a:xfrm>
             <a:off x="376200" y="380880"/>
-            <a:ext cx="8417520" cy="879840"/>
+            <a:ext cx="8417160" cy="879480"/>
           </a:xfrm>
           <a:prstGeom prst="rect">
             <a:avLst/>
@@ -14617,7 +14871,7 @@
         <p:spPr>
           <a:xfrm>
             <a:off x="457200" y="1341360"/>
-            <a:ext cx="8866800" cy="4462920"/>
+            <a:ext cx="8866440" cy="4462560"/>
           </a:xfrm>
           <a:prstGeom prst="rect">
             <a:avLst/>
@@ -14782,7 +15036,7 @@
         <p:spPr>
           <a:xfrm>
             <a:off x="4044240" y="2664000"/>
-            <a:ext cx="4379400" cy="3274560"/>
+            <a:ext cx="4379040" cy="3274200"/>
           </a:xfrm>
           <a:prstGeom prst="rect">
             <a:avLst/>
@@ -14850,7 +15104,7 @@
         <p:spPr>
           <a:xfrm>
             <a:off x="395280" y="115920"/>
-            <a:ext cx="8228520" cy="1141920"/>
+            <a:ext cx="8228160" cy="1141560"/>
           </a:xfrm>
           <a:prstGeom prst="rect">
             <a:avLst/>
@@ -14927,7 +15181,7 @@
         <p:spPr>
           <a:xfrm>
             <a:off x="324000" y="1125360"/>
-            <a:ext cx="8433360" cy="4524840"/>
+            <a:ext cx="8433000" cy="4524480"/>
           </a:xfrm>
           <a:prstGeom prst="rect">
             <a:avLst/>
@@ -14946,7 +15200,7 @@
         <p:txBody>
           <a:bodyPr lIns="90000" rIns="90000" tIns="45000" bIns="45000"/>
           <a:p>
-            <a:pPr marL="228600" indent="-227520">
+            <a:pPr marL="228600" indent="-227160">
               <a:lnSpc>
                 <a:spcPct val="100000"/>
               </a:lnSpc>
@@ -15000,7 +15254,7 @@
             </a:endParaRPr>
           </a:p>
           <a:p>
-            <a:pPr marL="228600" indent="-227520">
+            <a:pPr marL="228600" indent="-227160">
               <a:lnSpc>
                 <a:spcPct val="100000"/>
               </a:lnSpc>
@@ -15053,7 +15307,7 @@
             </a:endParaRPr>
           </a:p>
           <a:p>
-            <a:pPr marL="228600" indent="-227520">
+            <a:pPr marL="228600" indent="-227160">
               <a:lnSpc>
                 <a:spcPct val="100000"/>
               </a:lnSpc>
@@ -15278,7 +15532,7 @@
         <p:spPr>
           <a:xfrm>
             <a:off x="376200" y="380880"/>
-            <a:ext cx="8417520" cy="879840"/>
+            <a:ext cx="8417160" cy="879480"/>
           </a:xfrm>
           <a:prstGeom prst="rect">
             <a:avLst/>
@@ -15355,7 +15609,7 @@
         <p:spPr>
           <a:xfrm>
             <a:off x="457200" y="1125360"/>
-            <a:ext cx="8866800" cy="4462920"/>
+            <a:ext cx="8866440" cy="4462560"/>
           </a:xfrm>
           <a:prstGeom prst="rect">
             <a:avLst/>
@@ -15670,7 +15924,7 @@
         <p:spPr>
           <a:xfrm>
             <a:off x="576000" y="3432600"/>
-            <a:ext cx="4731840" cy="2399040"/>
+            <a:ext cx="4731480" cy="2398680"/>
           </a:xfrm>
           <a:prstGeom prst="rect">
             <a:avLst/>
@@ -15689,7 +15943,7 @@
         <p:spPr>
           <a:xfrm>
             <a:off x="5472000" y="4248000"/>
-            <a:ext cx="3383640" cy="791640"/>
+            <a:ext cx="3383280" cy="791280"/>
           </a:xfrm>
           <a:prstGeom prst="rect">
             <a:avLst/>
@@ -15719,6 +15973,7 @@
                   </a:solidFill>
                 </a:uFill>
                 <a:latin typeface="Arial"/>
+                <a:ea typeface="DejaVu Sans"/>
                 <a:hlinkClick r:id="rId2"/>
               </a:rPr>
               <a:t>https://scitools.org.uk/cartopy/docs/latest/gallery/index.html</a:t>
@@ -15808,7 +16063,7 @@
         <p:spPr>
           <a:xfrm>
             <a:off x="376200" y="380880"/>
-            <a:ext cx="8417520" cy="879840"/>
+            <a:ext cx="8417160" cy="879480"/>
           </a:xfrm>
           <a:prstGeom prst="rect">
             <a:avLst/>
@@ -15845,7 +16100,7 @@
                 <a:latin typeface="Calibri"/>
                 <a:ea typeface="DejaVu Sans"/>
               </a:rPr>
-              <a:t>Plotting maps – and data</a:t>
+              <a:t>Plotting data on maps</a:t>
             </a:r>
             <a:endParaRPr b="0" lang="en-GB" sz="1800" spc="-1" strike="noStrike">
               <a:solidFill>
@@ -15870,7 +16125,7 @@
         <p:spPr>
           <a:xfrm>
             <a:off x="457200" y="1053360"/>
-            <a:ext cx="8074440" cy="4462920"/>
+            <a:ext cx="8074080" cy="4462560"/>
           </a:xfrm>
           <a:prstGeom prst="rect">
             <a:avLst/>
@@ -15922,7 +16177,7 @@
                 <a:latin typeface="Calibri"/>
                 <a:ea typeface="DejaVu Sans"/>
               </a:rPr>
-              <a:t>24 lines of code </a:t>
+              <a:t>31 lines of code </a:t>
             </a:r>
             <a:r>
               <a:rPr b="0" lang="en-GB" sz="1800" spc="-1" strike="noStrike">
@@ -15965,8 +16220,8 @@
         </p:blipFill>
         <p:spPr>
           <a:xfrm>
-            <a:off x="1701000" y="1739520"/>
-            <a:ext cx="5210640" cy="4064760"/>
+            <a:off x="1298160" y="1758600"/>
+            <a:ext cx="6333840" cy="3857400"/>
           </a:xfrm>
           <a:prstGeom prst="rect">
             <a:avLst/>
@@ -16034,7 +16289,7 @@
         <p:spPr>
           <a:xfrm>
             <a:off x="376200" y="380880"/>
-            <a:ext cx="8417520" cy="879840"/>
+            <a:ext cx="8417160" cy="879480"/>
           </a:xfrm>
           <a:prstGeom prst="rect">
             <a:avLst/>
@@ -16050,42 +16305,6 @@
           <a:effectRef idx="0"/>
           <a:fontRef idx="minor"/>
         </p:style>
-        <p:txBody>
-          <a:bodyPr lIns="90000" rIns="90000" tIns="45000" bIns="45000" anchor="ctr"/>
-          <a:p>
-            <a:pPr algn="ctr">
-              <a:lnSpc>
-                <a:spcPct val="90000"/>
-              </a:lnSpc>
-            </a:pPr>
-            <a:r>
-              <a:rPr b="1" lang="en-GB" sz="3200" spc="-1" strike="noStrike">
-                <a:solidFill>
-                  <a:srgbClr val="000000"/>
-                </a:solidFill>
-                <a:uFill>
-                  <a:solidFill>
-                    <a:srgbClr val="ffffff"/>
-                  </a:solidFill>
-                </a:uFill>
-                <a:latin typeface="Calibri"/>
-                <a:ea typeface="DejaVu Sans"/>
-              </a:rPr>
-              <a:t>Useful features: Markers</a:t>
-            </a:r>
-            <a:endParaRPr b="0" lang="en-GB" sz="1800" spc="-1" strike="noStrike">
-              <a:solidFill>
-                <a:srgbClr val="000000"/>
-              </a:solidFill>
-              <a:uFill>
-                <a:solidFill>
-                  <a:srgbClr val="ffffff"/>
-                </a:solidFill>
-              </a:uFill>
-              <a:latin typeface="Arial"/>
-            </a:endParaRPr>
-          </a:p>
-        </p:txBody>
       </p:sp>
       <p:sp>
         <p:nvSpPr>
@@ -16095,8 +16314,8 @@
         </p:nvSpPr>
         <p:spPr>
           <a:xfrm>
-            <a:off x="376200" y="1374840"/>
-            <a:ext cx="8417520" cy="4350240"/>
+            <a:off x="457200" y="1053360"/>
+            <a:ext cx="8074080" cy="4462560"/>
           </a:xfrm>
           <a:prstGeom prst="rect">
             <a:avLst/>
@@ -16112,128 +16331,828 @@
           <a:effectRef idx="0"/>
           <a:fontRef idx="minor"/>
         </p:style>
-        <p:txBody>
-          <a:bodyPr lIns="90000" rIns="90000" tIns="45000" bIns="45000"/>
-          <a:p>
-            <a:pPr>
-              <a:lnSpc>
-                <a:spcPct val="100000"/>
-              </a:lnSpc>
-            </a:pPr>
-            <a:r>
-              <a:rPr b="0" lang="en-GB" sz="1800" spc="-1" strike="noStrike" u="sng">
-                <a:solidFill>
-                  <a:srgbClr val="0000ff"/>
-                </a:solidFill>
-                <a:uFill>
-                  <a:solidFill>
-                    <a:srgbClr val="ffffff"/>
-                  </a:solidFill>
-                </a:uFill>
-                <a:latin typeface="Calibri"/>
-                <a:ea typeface="DejaVu Sans"/>
-                <a:hlinkClick r:id="rId1"/>
-              </a:rPr>
-              <a:t>https://matplotlib.org/examples/lines_bars_and_markers/marker_reference.html</a:t>
-            </a:r>
-            <a:endParaRPr b="0" lang="en-GB" sz="1800" spc="-1" strike="noStrike">
-              <a:solidFill>
-                <a:srgbClr val="000000"/>
-              </a:solidFill>
-              <a:uFill>
-                <a:solidFill>
-                  <a:srgbClr val="ffffff"/>
-                </a:solidFill>
-              </a:uFill>
-              <a:latin typeface="Arial"/>
-            </a:endParaRPr>
-          </a:p>
-          <a:p>
-            <a:pPr>
-              <a:lnSpc>
-                <a:spcPct val="100000"/>
-              </a:lnSpc>
-            </a:pPr>
-            <a:endParaRPr b="0" lang="en-GB" sz="1800" spc="-1" strike="noStrike">
-              <a:solidFill>
-                <a:srgbClr val="000000"/>
-              </a:solidFill>
-              <a:uFill>
-                <a:solidFill>
-                  <a:srgbClr val="ffffff"/>
-                </a:solidFill>
-              </a:uFill>
-              <a:latin typeface="Arial"/>
-            </a:endParaRPr>
-          </a:p>
-          <a:p>
-            <a:pPr>
-              <a:lnSpc>
-                <a:spcPct val="100000"/>
-              </a:lnSpc>
-            </a:pPr>
-            <a:endParaRPr b="0" lang="en-GB" sz="1800" spc="-1" strike="noStrike">
-              <a:solidFill>
-                <a:srgbClr val="000000"/>
-              </a:solidFill>
-              <a:uFill>
-                <a:solidFill>
-                  <a:srgbClr val="ffffff"/>
-                </a:solidFill>
-              </a:uFill>
-              <a:latin typeface="Arial"/>
-            </a:endParaRPr>
-          </a:p>
-        </p:txBody>
       </p:sp>
-      <p:pic>
-        <p:nvPicPr>
-          <p:cNvPr id="160" name="Picture 1" descr=""/>
-          <p:cNvPicPr/>
+      <p:sp>
+        <p:nvSpPr>
+          <p:cNvPr id="160" name="TextShape 3"/>
+          <p:cNvSpPr txBox="1"/>
           <p:nvPr/>
-        </p:nvPicPr>
-        <p:blipFill>
-          <a:blip r:embed="rId2"/>
-          <a:srcRect l="1432" t="0" r="6936" b="14103"/>
-          <a:stretch/>
-        </p:blipFill>
-        <p:spPr>
-          <a:xfrm>
-            <a:off x="58680" y="1844640"/>
-            <a:ext cx="4505760" cy="3454920"/>
-          </a:xfrm>
-          <a:prstGeom prst="rect">
-            <a:avLst/>
-          </a:prstGeom>
+        </p:nvSpPr>
+        <p:spPr>
+          <a:xfrm>
+            <a:off x="453960" y="488880"/>
+            <a:ext cx="8258040" cy="5019120"/>
+          </a:xfrm>
+          <a:prstGeom prst="rect">
+            <a:avLst/>
+          </a:prstGeom>
+          <a:noFill/>
           <a:ln>
             <a:noFill/>
           </a:ln>
         </p:spPr>
-      </p:pic>
-      <p:pic>
-        <p:nvPicPr>
-          <p:cNvPr id="161" name="Picture 2" descr=""/>
-          <p:cNvPicPr/>
-          <p:nvPr/>
-        </p:nvPicPr>
-        <p:blipFill>
-          <a:blip r:embed="rId3"/>
-          <a:srcRect l="1317" t="0" r="7044" b="13255"/>
-          <a:stretch/>
-        </p:blipFill>
-        <p:spPr>
-          <a:xfrm>
-            <a:off x="4565520" y="1838160"/>
-            <a:ext cx="4469400" cy="3461400"/>
-          </a:xfrm>
-          <a:prstGeom prst="rect">
-            <a:avLst/>
-          </a:prstGeom>
-          <a:ln>
-            <a:noFill/>
-          </a:ln>
-        </p:spPr>
-      </p:pic>
+        <p:txBody>
+          <a:bodyPr lIns="90000" rIns="90000" tIns="45000" bIns="45000"/>
+          <a:p>
+            <a:r>
+              <a:rPr b="1" lang="en-GB" sz="1400" spc="-1" strike="noStrike">
+                <a:solidFill>
+                  <a:srgbClr val="000000"/>
+                </a:solidFill>
+                <a:uFill>
+                  <a:solidFill>
+                    <a:srgbClr val="ffffff"/>
+                  </a:solidFill>
+                </a:uFill>
+                <a:latin typeface="Courier New"/>
+              </a:rPr>
+              <a:t>Plotting data on maps – code 1/2</a:t>
+            </a:r>
+            <a:endParaRPr b="0" lang="en-GB" sz="1000" spc="-1" strike="noStrike">
+              <a:solidFill>
+                <a:srgbClr val="000000"/>
+              </a:solidFill>
+              <a:uFill>
+                <a:solidFill>
+                  <a:srgbClr val="ffffff"/>
+                </a:solidFill>
+              </a:uFill>
+              <a:latin typeface="Courier New"/>
+              <a:ea typeface="Courier New"/>
+            </a:endParaRPr>
+          </a:p>
+          <a:p>
+            <a:endParaRPr b="0" lang="en-GB" sz="1000" spc="-1" strike="noStrike">
+              <a:solidFill>
+                <a:srgbClr val="000000"/>
+              </a:solidFill>
+              <a:uFill>
+                <a:solidFill>
+                  <a:srgbClr val="ffffff"/>
+                </a:solidFill>
+              </a:uFill>
+              <a:latin typeface="Courier New"/>
+              <a:ea typeface="Courier New"/>
+            </a:endParaRPr>
+          </a:p>
+          <a:p>
+            <a:r>
+              <a:rPr b="0" lang="en-GB" sz="1100" spc="-1" strike="noStrike">
+                <a:solidFill>
+                  <a:srgbClr val="000000"/>
+                </a:solidFill>
+                <a:uFill>
+                  <a:solidFill>
+                    <a:srgbClr val="ffffff"/>
+                  </a:solidFill>
+                </a:uFill>
+                <a:latin typeface="Courier New"/>
+              </a:rPr>
+              <a:t># import libraries</a:t>
+            </a:r>
+            <a:endParaRPr b="0" lang="en-GB" sz="1000" spc="-1" strike="noStrike">
+              <a:solidFill>
+                <a:srgbClr val="000000"/>
+              </a:solidFill>
+              <a:uFill>
+                <a:solidFill>
+                  <a:srgbClr val="ffffff"/>
+                </a:solidFill>
+              </a:uFill>
+              <a:latin typeface="Courier New"/>
+              <a:ea typeface="Courier New"/>
+            </a:endParaRPr>
+          </a:p>
+          <a:p>
+            <a:r>
+              <a:rPr b="0" lang="en-GB" sz="1100" spc="-1" strike="noStrike">
+                <a:solidFill>
+                  <a:srgbClr val="000000"/>
+                </a:solidFill>
+                <a:uFill>
+                  <a:solidFill>
+                    <a:srgbClr val="ffffff"/>
+                  </a:solidFill>
+                </a:uFill>
+                <a:latin typeface="Courier New"/>
+              </a:rPr>
+              <a:t>import matplotlib.pyplot as plt</a:t>
+            </a:r>
+            <a:endParaRPr b="0" lang="en-GB" sz="1000" spc="-1" strike="noStrike">
+              <a:solidFill>
+                <a:srgbClr val="000000"/>
+              </a:solidFill>
+              <a:uFill>
+                <a:solidFill>
+                  <a:srgbClr val="ffffff"/>
+                </a:solidFill>
+              </a:uFill>
+              <a:latin typeface="Courier New"/>
+              <a:ea typeface="Courier New"/>
+            </a:endParaRPr>
+          </a:p>
+          <a:p>
+            <a:r>
+              <a:rPr b="0" lang="en-GB" sz="1100" spc="-1" strike="noStrike">
+                <a:solidFill>
+                  <a:srgbClr val="000000"/>
+                </a:solidFill>
+                <a:uFill>
+                  <a:solidFill>
+                    <a:srgbClr val="ffffff"/>
+                  </a:solidFill>
+                </a:uFill>
+                <a:latin typeface="Courier New"/>
+              </a:rPr>
+              <a:t>import cartopy</a:t>
+            </a:r>
+            <a:endParaRPr b="0" lang="en-GB" sz="1000" spc="-1" strike="noStrike">
+              <a:solidFill>
+                <a:srgbClr val="000000"/>
+              </a:solidFill>
+              <a:uFill>
+                <a:solidFill>
+                  <a:srgbClr val="ffffff"/>
+                </a:solidFill>
+              </a:uFill>
+              <a:latin typeface="Courier New"/>
+              <a:ea typeface="Courier New"/>
+            </a:endParaRPr>
+          </a:p>
+          <a:p>
+            <a:r>
+              <a:rPr b="0" lang="en-GB" sz="1100" spc="-1" strike="noStrike">
+                <a:solidFill>
+                  <a:srgbClr val="000000"/>
+                </a:solidFill>
+                <a:uFill>
+                  <a:solidFill>
+                    <a:srgbClr val="ffffff"/>
+                  </a:solidFill>
+                </a:uFill>
+                <a:latin typeface="Courier New"/>
+              </a:rPr>
+              <a:t>import cartopy.crs as ccrs</a:t>
+            </a:r>
+            <a:endParaRPr b="0" lang="en-GB" sz="1000" spc="-1" strike="noStrike">
+              <a:solidFill>
+                <a:srgbClr val="000000"/>
+              </a:solidFill>
+              <a:uFill>
+                <a:solidFill>
+                  <a:srgbClr val="ffffff"/>
+                </a:solidFill>
+              </a:uFill>
+              <a:latin typeface="Courier New"/>
+              <a:ea typeface="Courier New"/>
+            </a:endParaRPr>
+          </a:p>
+          <a:p>
+            <a:r>
+              <a:rPr b="0" lang="en-GB" sz="1100" spc="-1" strike="noStrike">
+                <a:solidFill>
+                  <a:srgbClr val="000000"/>
+                </a:solidFill>
+                <a:uFill>
+                  <a:solidFill>
+                    <a:srgbClr val="ffffff"/>
+                  </a:solidFill>
+                </a:uFill>
+                <a:latin typeface="Courier New"/>
+              </a:rPr>
+              <a:t>import cartopy.util as cartopy_util</a:t>
+            </a:r>
+            <a:endParaRPr b="0" lang="en-GB" sz="1000" spc="-1" strike="noStrike">
+              <a:solidFill>
+                <a:srgbClr val="000000"/>
+              </a:solidFill>
+              <a:uFill>
+                <a:solidFill>
+                  <a:srgbClr val="ffffff"/>
+                </a:solidFill>
+              </a:uFill>
+              <a:latin typeface="Courier New"/>
+              <a:ea typeface="Courier New"/>
+            </a:endParaRPr>
+          </a:p>
+          <a:p>
+            <a:r>
+              <a:rPr b="0" lang="en-GB" sz="1100" spc="-1" strike="noStrike">
+                <a:solidFill>
+                  <a:srgbClr val="000000"/>
+                </a:solidFill>
+                <a:uFill>
+                  <a:solidFill>
+                    <a:srgbClr val="ffffff"/>
+                  </a:solidFill>
+                </a:uFill>
+                <a:latin typeface="Courier New"/>
+              </a:rPr>
+              <a:t>import numpy as np</a:t>
+            </a:r>
+            <a:endParaRPr b="0" lang="en-GB" sz="1000" spc="-1" strike="noStrike">
+              <a:solidFill>
+                <a:srgbClr val="000000"/>
+              </a:solidFill>
+              <a:uFill>
+                <a:solidFill>
+                  <a:srgbClr val="ffffff"/>
+                </a:solidFill>
+              </a:uFill>
+              <a:latin typeface="Courier New"/>
+              <a:ea typeface="Courier New"/>
+            </a:endParaRPr>
+          </a:p>
+          <a:p>
+            <a:r>
+              <a:rPr b="0" lang="en-GB" sz="1100" spc="-1" strike="noStrike">
+                <a:solidFill>
+                  <a:srgbClr val="000000"/>
+                </a:solidFill>
+                <a:uFill>
+                  <a:solidFill>
+                    <a:srgbClr val="ffffff"/>
+                  </a:solidFill>
+                </a:uFill>
+                <a:latin typeface="Courier New"/>
+              </a:rPr>
+              <a:t>from netCDF4 import Dataset as ncfile</a:t>
+            </a:r>
+            <a:endParaRPr b="0" lang="en-GB" sz="1000" spc="-1" strike="noStrike">
+              <a:solidFill>
+                <a:srgbClr val="000000"/>
+              </a:solidFill>
+              <a:uFill>
+                <a:solidFill>
+                  <a:srgbClr val="ffffff"/>
+                </a:solidFill>
+              </a:uFill>
+              <a:latin typeface="Courier New"/>
+              <a:ea typeface="Courier New"/>
+            </a:endParaRPr>
+          </a:p>
+          <a:p>
+            <a:endParaRPr b="0" lang="en-GB" sz="1000" spc="-1" strike="noStrike">
+              <a:solidFill>
+                <a:srgbClr val="000000"/>
+              </a:solidFill>
+              <a:uFill>
+                <a:solidFill>
+                  <a:srgbClr val="ffffff"/>
+                </a:solidFill>
+              </a:uFill>
+              <a:latin typeface="Courier New"/>
+              <a:ea typeface="Courier New"/>
+            </a:endParaRPr>
+          </a:p>
+          <a:p>
+            <a:r>
+              <a:rPr b="0" lang="en-GB" sz="1100" spc="-1" strike="noStrike">
+                <a:solidFill>
+                  <a:srgbClr val="000000"/>
+                </a:solidFill>
+                <a:uFill>
+                  <a:solidFill>
+                    <a:srgbClr val="ffffff"/>
+                  </a:solidFill>
+                </a:uFill>
+                <a:latin typeface="Courier New"/>
+              </a:rPr>
+              <a:t># read in data</a:t>
+            </a:r>
+            <a:endParaRPr b="0" lang="en-GB" sz="1000" spc="-1" strike="noStrike">
+              <a:solidFill>
+                <a:srgbClr val="000000"/>
+              </a:solidFill>
+              <a:uFill>
+                <a:solidFill>
+                  <a:srgbClr val="ffffff"/>
+                </a:solidFill>
+              </a:uFill>
+              <a:latin typeface="Courier New"/>
+              <a:ea typeface="Courier New"/>
+            </a:endParaRPr>
+          </a:p>
+          <a:p>
+            <a:r>
+              <a:rPr b="0" lang="en-GB" sz="1100" spc="-1" strike="noStrike">
+                <a:solidFill>
+                  <a:srgbClr val="000000"/>
+                </a:solidFill>
+                <a:uFill>
+                  <a:solidFill>
+                    <a:srgbClr val="ffffff"/>
+                  </a:solidFill>
+                </a:uFill>
+                <a:latin typeface="Courier New"/>
+              </a:rPr>
+              <a:t>nc = ncfile('/home/andy/gdata.nc')</a:t>
+            </a:r>
+            <a:endParaRPr b="0" lang="en-GB" sz="1000" spc="-1" strike="noStrike">
+              <a:solidFill>
+                <a:srgbClr val="000000"/>
+              </a:solidFill>
+              <a:uFill>
+                <a:solidFill>
+                  <a:srgbClr val="ffffff"/>
+                </a:solidFill>
+              </a:uFill>
+              <a:latin typeface="Courier New"/>
+              <a:ea typeface="Courier New"/>
+            </a:endParaRPr>
+          </a:p>
+          <a:p>
+            <a:r>
+              <a:rPr b="0" lang="en-GB" sz="1100" spc="-1" strike="noStrike">
+                <a:solidFill>
+                  <a:srgbClr val="000000"/>
+                </a:solidFill>
+                <a:uFill>
+                  <a:solidFill>
+                    <a:srgbClr val="ffffff"/>
+                  </a:solidFill>
+                </a:uFill>
+                <a:latin typeface="Courier New"/>
+              </a:rPr>
+              <a:t>lons=nc.variables['lon'][:]</a:t>
+            </a:r>
+            <a:endParaRPr b="0" lang="en-GB" sz="1000" spc="-1" strike="noStrike">
+              <a:solidFill>
+                <a:srgbClr val="000000"/>
+              </a:solidFill>
+              <a:uFill>
+                <a:solidFill>
+                  <a:srgbClr val="ffffff"/>
+                </a:solidFill>
+              </a:uFill>
+              <a:latin typeface="Courier New"/>
+              <a:ea typeface="Courier New"/>
+            </a:endParaRPr>
+          </a:p>
+          <a:p>
+            <a:r>
+              <a:rPr b="0" lang="en-GB" sz="1100" spc="-1" strike="noStrike">
+                <a:solidFill>
+                  <a:srgbClr val="000000"/>
+                </a:solidFill>
+                <a:uFill>
+                  <a:solidFill>
+                    <a:srgbClr val="ffffff"/>
+                  </a:solidFill>
+                </a:uFill>
+                <a:latin typeface="Courier New"/>
+              </a:rPr>
+              <a:t>lats=nc.variables['lat'][:]</a:t>
+            </a:r>
+            <a:endParaRPr b="0" lang="en-GB" sz="1000" spc="-1" strike="noStrike">
+              <a:solidFill>
+                <a:srgbClr val="000000"/>
+              </a:solidFill>
+              <a:uFill>
+                <a:solidFill>
+                  <a:srgbClr val="ffffff"/>
+                </a:solidFill>
+              </a:uFill>
+              <a:latin typeface="Courier New"/>
+              <a:ea typeface="Courier New"/>
+            </a:endParaRPr>
+          </a:p>
+          <a:p>
+            <a:r>
+              <a:rPr b="0" lang="en-GB" sz="1100" spc="-1" strike="noStrike">
+                <a:solidFill>
+                  <a:srgbClr val="000000"/>
+                </a:solidFill>
+                <a:uFill>
+                  <a:solidFill>
+                    <a:srgbClr val="ffffff"/>
+                  </a:solidFill>
+                </a:uFill>
+                <a:latin typeface="Courier New"/>
+              </a:rPr>
+              <a:t>field=nc.variables['temp'][0,:,:]</a:t>
+            </a:r>
+            <a:endParaRPr b="0" lang="en-GB" sz="1000" spc="-1" strike="noStrike">
+              <a:solidFill>
+                <a:srgbClr val="000000"/>
+              </a:solidFill>
+              <a:uFill>
+                <a:solidFill>
+                  <a:srgbClr val="ffffff"/>
+                </a:solidFill>
+              </a:uFill>
+              <a:latin typeface="Courier New"/>
+              <a:ea typeface="Courier New"/>
+            </a:endParaRPr>
+          </a:p>
+          <a:p>
+            <a:endParaRPr b="0" lang="en-GB" sz="1000" spc="-1" strike="noStrike">
+              <a:solidFill>
+                <a:srgbClr val="000000"/>
+              </a:solidFill>
+              <a:uFill>
+                <a:solidFill>
+                  <a:srgbClr val="ffffff"/>
+                </a:solidFill>
+              </a:uFill>
+              <a:latin typeface="Courier New"/>
+              <a:ea typeface="Courier New"/>
+            </a:endParaRPr>
+          </a:p>
+          <a:p>
+            <a:r>
+              <a:rPr b="0" lang="en-GB" sz="1100" spc="-1" strike="noStrike">
+                <a:solidFill>
+                  <a:srgbClr val="000000"/>
+                </a:solidFill>
+                <a:uFill>
+                  <a:solidFill>
+                    <a:srgbClr val="ffffff"/>
+                  </a:solidFill>
+                </a:uFill>
+                <a:latin typeface="Courier New"/>
+              </a:rPr>
+              <a:t># add cyclic point</a:t>
+            </a:r>
+            <a:endParaRPr b="0" lang="en-GB" sz="1000" spc="-1" strike="noStrike">
+              <a:solidFill>
+                <a:srgbClr val="000000"/>
+              </a:solidFill>
+              <a:uFill>
+                <a:solidFill>
+                  <a:srgbClr val="ffffff"/>
+                </a:solidFill>
+              </a:uFill>
+              <a:latin typeface="Courier New"/>
+              <a:ea typeface="Courier New"/>
+            </a:endParaRPr>
+          </a:p>
+          <a:p>
+            <a:r>
+              <a:rPr b="0" lang="en-GB" sz="1100" spc="-1" strike="noStrike">
+                <a:solidFill>
+                  <a:srgbClr val="000000"/>
+                </a:solidFill>
+                <a:uFill>
+                  <a:solidFill>
+                    <a:srgbClr val="ffffff"/>
+                  </a:solidFill>
+                </a:uFill>
+                <a:latin typeface="Courier New"/>
+              </a:rPr>
+              <a:t>lonrange = np.max(lons)-np.min(lons)</a:t>
+            </a:r>
+            <a:endParaRPr b="0" lang="en-GB" sz="1000" spc="-1" strike="noStrike">
+              <a:solidFill>
+                <a:srgbClr val="000000"/>
+              </a:solidFill>
+              <a:uFill>
+                <a:solidFill>
+                  <a:srgbClr val="ffffff"/>
+                </a:solidFill>
+              </a:uFill>
+              <a:latin typeface="Courier New"/>
+              <a:ea typeface="Courier New"/>
+            </a:endParaRPr>
+          </a:p>
+          <a:p>
+            <a:r>
+              <a:rPr b="0" lang="en-GB" sz="1100" spc="-1" strike="noStrike">
+                <a:solidFill>
+                  <a:srgbClr val="000000"/>
+                </a:solidFill>
+                <a:uFill>
+                  <a:solidFill>
+                    <a:srgbClr val="ffffff"/>
+                  </a:solidFill>
+                </a:uFill>
+                <a:latin typeface="Courier New"/>
+              </a:rPr>
+              <a:t>if lonrange &lt;= 360:</a:t>
+            </a:r>
+            <a:endParaRPr b="0" lang="en-GB" sz="1000" spc="-1" strike="noStrike">
+              <a:solidFill>
+                <a:srgbClr val="000000"/>
+              </a:solidFill>
+              <a:uFill>
+                <a:solidFill>
+                  <a:srgbClr val="ffffff"/>
+                </a:solidFill>
+              </a:uFill>
+              <a:latin typeface="Courier New"/>
+              <a:ea typeface="Courier New"/>
+            </a:endParaRPr>
+          </a:p>
+          <a:p>
+            <a:r>
+              <a:rPr b="0" lang="en-GB" sz="1100" spc="-1" strike="noStrike">
+                <a:solidFill>
+                  <a:srgbClr val="000000"/>
+                </a:solidFill>
+                <a:uFill>
+                  <a:solidFill>
+                    <a:srgbClr val="ffffff"/>
+                  </a:solidFill>
+                </a:uFill>
+                <a:latin typeface="Courier New"/>
+              </a:rPr>
+              <a:t>    </a:t>
+            </a:r>
+            <a:r>
+              <a:rPr b="0" lang="en-GB" sz="1100" spc="-1" strike="noStrike">
+                <a:solidFill>
+                  <a:srgbClr val="000000"/>
+                </a:solidFill>
+                <a:uFill>
+                  <a:solidFill>
+                    <a:srgbClr val="ffffff"/>
+                  </a:solidFill>
+                </a:uFill>
+                <a:latin typeface="Courier New"/>
+              </a:rPr>
+              <a:t>field, lons = cartopy_util.add_cyclic_point(field, lons)</a:t>
+            </a:r>
+            <a:endParaRPr b="0" lang="en-GB" sz="1000" spc="-1" strike="noStrike">
+              <a:solidFill>
+                <a:srgbClr val="000000"/>
+              </a:solidFill>
+              <a:uFill>
+                <a:solidFill>
+                  <a:srgbClr val="ffffff"/>
+                </a:solidFill>
+              </a:uFill>
+              <a:latin typeface="Courier New"/>
+              <a:ea typeface="Courier New"/>
+            </a:endParaRPr>
+          </a:p>
+          <a:p>
+            <a:endParaRPr b="0" lang="en-GB" sz="1000" spc="-1" strike="noStrike">
+              <a:solidFill>
+                <a:srgbClr val="000000"/>
+              </a:solidFill>
+              <a:uFill>
+                <a:solidFill>
+                  <a:srgbClr val="ffffff"/>
+                </a:solidFill>
+              </a:uFill>
+              <a:latin typeface="Courier New"/>
+              <a:ea typeface="Courier New"/>
+            </a:endParaRPr>
+          </a:p>
+          <a:p>
+            <a:r>
+              <a:rPr b="0" lang="en-GB" sz="1100" spc="-1" strike="noStrike">
+                <a:solidFill>
+                  <a:srgbClr val="000000"/>
+                </a:solidFill>
+                <a:uFill>
+                  <a:solidFill>
+                    <a:srgbClr val="ffffff"/>
+                  </a:solidFill>
+                </a:uFill>
+                <a:latin typeface="Courier New"/>
+              </a:rPr>
+              <a:t># open a figure</a:t>
+            </a:r>
+            <a:endParaRPr b="0" lang="en-GB" sz="1000" spc="-1" strike="noStrike">
+              <a:solidFill>
+                <a:srgbClr val="000000"/>
+              </a:solidFill>
+              <a:uFill>
+                <a:solidFill>
+                  <a:srgbClr val="ffffff"/>
+                </a:solidFill>
+              </a:uFill>
+              <a:latin typeface="Courier New"/>
+              <a:ea typeface="Courier New"/>
+            </a:endParaRPr>
+          </a:p>
+          <a:p>
+            <a:r>
+              <a:rPr b="0" lang="en-GB" sz="1100" spc="-1" strike="noStrike">
+                <a:solidFill>
+                  <a:srgbClr val="000000"/>
+                </a:solidFill>
+                <a:uFill>
+                  <a:solidFill>
+                    <a:srgbClr val="ffffff"/>
+                  </a:solidFill>
+                </a:uFill>
+                <a:latin typeface="Courier New"/>
+              </a:rPr>
+              <a:t>plot=plt.figure(figsize=(11, 8))</a:t>
+            </a:r>
+            <a:endParaRPr b="0" lang="en-GB" sz="1000" spc="-1" strike="noStrike">
+              <a:solidFill>
+                <a:srgbClr val="000000"/>
+              </a:solidFill>
+              <a:uFill>
+                <a:solidFill>
+                  <a:srgbClr val="ffffff"/>
+                </a:solidFill>
+              </a:uFill>
+              <a:latin typeface="Courier New"/>
+              <a:ea typeface="Courier New"/>
+            </a:endParaRPr>
+          </a:p>
+          <a:p>
+            <a:endParaRPr b="0" lang="en-GB" sz="1000" spc="-1" strike="noStrike">
+              <a:solidFill>
+                <a:srgbClr val="000000"/>
+              </a:solidFill>
+              <a:uFill>
+                <a:solidFill>
+                  <a:srgbClr val="ffffff"/>
+                </a:solidFill>
+              </a:uFill>
+              <a:latin typeface="Courier New"/>
+              <a:ea typeface="Courier New"/>
+            </a:endParaRPr>
+          </a:p>
+          <a:p>
+            <a:r>
+              <a:rPr b="0" lang="en-GB" sz="1100" spc="-1" strike="noStrike">
+                <a:solidFill>
+                  <a:srgbClr val="000000"/>
+                </a:solidFill>
+                <a:uFill>
+                  <a:solidFill>
+                    <a:srgbClr val="ffffff"/>
+                  </a:solidFill>
+                </a:uFill>
+                <a:latin typeface="Courier New"/>
+              </a:rPr>
+              <a:t># set plot limits</a:t>
+            </a:r>
+            <a:endParaRPr b="0" lang="en-GB" sz="1000" spc="-1" strike="noStrike">
+              <a:solidFill>
+                <a:srgbClr val="000000"/>
+              </a:solidFill>
+              <a:uFill>
+                <a:solidFill>
+                  <a:srgbClr val="ffffff"/>
+                </a:solidFill>
+              </a:uFill>
+              <a:latin typeface="Courier New"/>
+              <a:ea typeface="Courier New"/>
+            </a:endParaRPr>
+          </a:p>
+          <a:p>
+            <a:r>
+              <a:rPr b="0" lang="en-GB" sz="1100" spc="-1" strike="noStrike">
+                <a:solidFill>
+                  <a:srgbClr val="000000"/>
+                </a:solidFill>
+                <a:uFill>
+                  <a:solidFill>
+                    <a:srgbClr val="ffffff"/>
+                  </a:solidFill>
+                </a:uFill>
+                <a:latin typeface="Courier New"/>
+              </a:rPr>
+              <a:t>lonmin=0</a:t>
+            </a:r>
+            <a:endParaRPr b="0" lang="en-GB" sz="1000" spc="-1" strike="noStrike">
+              <a:solidFill>
+                <a:srgbClr val="000000"/>
+              </a:solidFill>
+              <a:uFill>
+                <a:solidFill>
+                  <a:srgbClr val="ffffff"/>
+                </a:solidFill>
+              </a:uFill>
+              <a:latin typeface="Courier New"/>
+              <a:ea typeface="Courier New"/>
+            </a:endParaRPr>
+          </a:p>
+          <a:p>
+            <a:r>
+              <a:rPr b="0" lang="en-GB" sz="1100" spc="-1" strike="noStrike">
+                <a:solidFill>
+                  <a:srgbClr val="000000"/>
+                </a:solidFill>
+                <a:uFill>
+                  <a:solidFill>
+                    <a:srgbClr val="ffffff"/>
+                  </a:solidFill>
+                </a:uFill>
+                <a:latin typeface="Courier New"/>
+              </a:rPr>
+              <a:t>lonmax=360</a:t>
+            </a:r>
+            <a:endParaRPr b="0" lang="en-GB" sz="1000" spc="-1" strike="noStrike">
+              <a:solidFill>
+                <a:srgbClr val="000000"/>
+              </a:solidFill>
+              <a:uFill>
+                <a:solidFill>
+                  <a:srgbClr val="ffffff"/>
+                </a:solidFill>
+              </a:uFill>
+              <a:latin typeface="Courier New"/>
+              <a:ea typeface="Courier New"/>
+            </a:endParaRPr>
+          </a:p>
+          <a:p>
+            <a:r>
+              <a:rPr b="0" lang="en-GB" sz="1100" spc="-1" strike="noStrike">
+                <a:solidFill>
+                  <a:srgbClr val="000000"/>
+                </a:solidFill>
+                <a:uFill>
+                  <a:solidFill>
+                    <a:srgbClr val="ffffff"/>
+                  </a:solidFill>
+                </a:uFill>
+                <a:latin typeface="Courier New"/>
+              </a:rPr>
+              <a:t>latmin=-90</a:t>
+            </a:r>
+            <a:endParaRPr b="0" lang="en-GB" sz="1000" spc="-1" strike="noStrike">
+              <a:solidFill>
+                <a:srgbClr val="000000"/>
+              </a:solidFill>
+              <a:uFill>
+                <a:solidFill>
+                  <a:srgbClr val="ffffff"/>
+                </a:solidFill>
+              </a:uFill>
+              <a:latin typeface="Courier New"/>
+              <a:ea typeface="Courier New"/>
+            </a:endParaRPr>
+          </a:p>
+          <a:p>
+            <a:r>
+              <a:rPr b="0" lang="en-GB" sz="1100" spc="-1" strike="noStrike">
+                <a:solidFill>
+                  <a:srgbClr val="000000"/>
+                </a:solidFill>
+                <a:uFill>
+                  <a:solidFill>
+                    <a:srgbClr val="ffffff"/>
+                  </a:solidFill>
+                </a:uFill>
+                <a:latin typeface="Courier New"/>
+              </a:rPr>
+              <a:t>latmax=90</a:t>
+            </a:r>
+            <a:endParaRPr b="0" lang="en-GB" sz="1000" spc="-1" strike="noStrike">
+              <a:solidFill>
+                <a:srgbClr val="000000"/>
+              </a:solidFill>
+              <a:uFill>
+                <a:solidFill>
+                  <a:srgbClr val="ffffff"/>
+                </a:solidFill>
+              </a:uFill>
+              <a:latin typeface="Courier New"/>
+              <a:ea typeface="Courier New"/>
+            </a:endParaRPr>
+          </a:p>
+          <a:p>
+            <a:r>
+              <a:rPr b="0" lang="en-GB" sz="1100" spc="-1" strike="noStrike">
+                <a:solidFill>
+                  <a:srgbClr val="000000"/>
+                </a:solidFill>
+                <a:uFill>
+                  <a:solidFill>
+                    <a:srgbClr val="ffffff"/>
+                  </a:solidFill>
+                </a:uFill>
+                <a:latin typeface="Courier New"/>
+              </a:rPr>
+              <a:t>lon_0=(lonmax-lonmin)/2.0+lonmin</a:t>
+            </a:r>
+            <a:endParaRPr b="0" lang="en-GB" sz="1000" spc="-1" strike="noStrike">
+              <a:solidFill>
+                <a:srgbClr val="000000"/>
+              </a:solidFill>
+              <a:uFill>
+                <a:solidFill>
+                  <a:srgbClr val="ffffff"/>
+                </a:solidFill>
+              </a:uFill>
+              <a:latin typeface="Courier New"/>
+              <a:ea typeface="Courier New"/>
+            </a:endParaRPr>
+          </a:p>
+          <a:p>
+            <a:endParaRPr b="0" lang="en-GB" sz="1000" spc="-1" strike="noStrike">
+              <a:solidFill>
+                <a:srgbClr val="000000"/>
+              </a:solidFill>
+              <a:uFill>
+                <a:solidFill>
+                  <a:srgbClr val="ffffff"/>
+                </a:solidFill>
+              </a:uFill>
+              <a:latin typeface="Courier New"/>
+              <a:ea typeface="Courier New"/>
+            </a:endParaRPr>
+          </a:p>
+        </p:txBody>
+      </p:sp>
     </p:spTree>
   </p:cSld>
   <p:timing>
@@ -16285,14 +17204,14 @@
       </p:grpSpPr>
       <p:sp>
         <p:nvSpPr>
-          <p:cNvPr id="162" name="CustomShape 1"/>
+          <p:cNvPr id="161" name="CustomShape 1"/>
           <p:cNvSpPr/>
           <p:nvPr/>
         </p:nvSpPr>
         <p:spPr>
           <a:xfrm>
             <a:off x="376200" y="380880"/>
-            <a:ext cx="8417520" cy="879840"/>
+            <a:ext cx="8417160" cy="879480"/>
           </a:xfrm>
           <a:prstGeom prst="rect">
             <a:avLst/>
@@ -16308,53 +17227,17 @@
           <a:effectRef idx="0"/>
           <a:fontRef idx="minor"/>
         </p:style>
-        <p:txBody>
-          <a:bodyPr lIns="90000" rIns="90000" tIns="45000" bIns="45000" anchor="ctr"/>
-          <a:p>
-            <a:pPr algn="ctr">
-              <a:lnSpc>
-                <a:spcPct val="90000"/>
-              </a:lnSpc>
-            </a:pPr>
-            <a:r>
-              <a:rPr b="1" lang="en-GB" sz="3200" spc="-1" strike="noStrike">
-                <a:solidFill>
-                  <a:srgbClr val="000000"/>
-                </a:solidFill>
-                <a:uFill>
-                  <a:solidFill>
-                    <a:srgbClr val="ffffff"/>
-                  </a:solidFill>
-                </a:uFill>
-                <a:latin typeface="Calibri"/>
-                <a:ea typeface="DejaVu Sans"/>
-              </a:rPr>
-              <a:t>Useful features: Scatter plots</a:t>
-            </a:r>
-            <a:endParaRPr b="0" lang="en-GB" sz="1800" spc="-1" strike="noStrike">
-              <a:solidFill>
-                <a:srgbClr val="000000"/>
-              </a:solidFill>
-              <a:uFill>
-                <a:solidFill>
-                  <a:srgbClr val="ffffff"/>
-                </a:solidFill>
-              </a:uFill>
-              <a:latin typeface="Arial"/>
-            </a:endParaRPr>
-          </a:p>
-        </p:txBody>
       </p:sp>
       <p:sp>
         <p:nvSpPr>
-          <p:cNvPr id="163" name="CustomShape 2"/>
+          <p:cNvPr id="162" name="CustomShape 2"/>
           <p:cNvSpPr/>
           <p:nvPr/>
         </p:nvSpPr>
         <p:spPr>
           <a:xfrm>
-            <a:off x="376200" y="1374840"/>
-            <a:ext cx="8417520" cy="4350240"/>
+            <a:off x="457200" y="1053360"/>
+            <a:ext cx="8074080" cy="4462560"/>
           </a:xfrm>
           <a:prstGeom prst="rect">
             <a:avLst/>
@@ -16370,86 +17253,618 @@
           <a:effectRef idx="0"/>
           <a:fontRef idx="minor"/>
         </p:style>
-        <p:txBody>
-          <a:bodyPr lIns="90000" rIns="90000" tIns="45000" bIns="45000"/>
-          <a:p>
-            <a:pPr>
-              <a:lnSpc>
-                <a:spcPct val="100000"/>
-              </a:lnSpc>
-            </a:pPr>
-            <a:r>
-              <a:rPr b="0" lang="en-GB" sz="1800" spc="-1" strike="noStrike" u="sng">
-                <a:solidFill>
-                  <a:srgbClr val="0000ff"/>
-                </a:solidFill>
-                <a:uFill>
-                  <a:solidFill>
-                    <a:srgbClr val="ffffff"/>
-                  </a:solidFill>
-                </a:uFill>
-                <a:latin typeface="Calibri"/>
-                <a:ea typeface="DejaVu Sans"/>
-                <a:hlinkClick r:id="rId1"/>
-              </a:rPr>
-              <a:t>https://matplotlib.org/examples/shapes_and_collections/scatter_demo.html</a:t>
-            </a:r>
-            <a:endParaRPr b="0" lang="en-GB" sz="1800" spc="-1" strike="noStrike">
-              <a:solidFill>
-                <a:srgbClr val="000000"/>
-              </a:solidFill>
-              <a:uFill>
-                <a:solidFill>
-                  <a:srgbClr val="ffffff"/>
-                </a:solidFill>
-              </a:uFill>
-              <a:latin typeface="Arial"/>
-            </a:endParaRPr>
-          </a:p>
-          <a:p>
-            <a:pPr>
-              <a:lnSpc>
-                <a:spcPct val="100000"/>
-              </a:lnSpc>
-            </a:pPr>
-            <a:endParaRPr b="0" lang="en-GB" sz="1800" spc="-1" strike="noStrike">
-              <a:solidFill>
-                <a:srgbClr val="000000"/>
-              </a:solidFill>
-              <a:uFill>
-                <a:solidFill>
-                  <a:srgbClr val="ffffff"/>
-                </a:solidFill>
-              </a:uFill>
-              <a:latin typeface="Arial"/>
-            </a:endParaRPr>
-          </a:p>
-        </p:txBody>
       </p:sp>
-      <p:pic>
-        <p:nvPicPr>
-          <p:cNvPr id="164" name="Picture 1" descr=""/>
-          <p:cNvPicPr/>
+      <p:sp>
+        <p:nvSpPr>
+          <p:cNvPr id="163" name="TextShape 3"/>
+          <p:cNvSpPr txBox="1"/>
           <p:nvPr/>
-        </p:nvPicPr>
-        <p:blipFill>
-          <a:blip r:embed="rId2"/>
-          <a:srcRect l="4180" t="6255" r="4180" b="2747"/>
-          <a:stretch/>
-        </p:blipFill>
-        <p:spPr>
-          <a:xfrm>
-            <a:off x="1547640" y="1700280"/>
-            <a:ext cx="5399640" cy="4386600"/>
-          </a:xfrm>
-          <a:prstGeom prst="rect">
-            <a:avLst/>
-          </a:prstGeom>
+        </p:nvSpPr>
+        <p:spPr>
+          <a:xfrm>
+            <a:off x="453960" y="380880"/>
+            <a:ext cx="8258040" cy="4372200"/>
+          </a:xfrm>
+          <a:prstGeom prst="rect">
+            <a:avLst/>
+          </a:prstGeom>
+          <a:noFill/>
           <a:ln>
             <a:noFill/>
           </a:ln>
         </p:spPr>
-      </p:pic>
+        <p:txBody>
+          <a:bodyPr lIns="90000" rIns="90000" tIns="45000" bIns="45000"/>
+          <a:p>
+            <a:endParaRPr b="0" lang="en-GB" sz="1000" spc="-1" strike="noStrike">
+              <a:solidFill>
+                <a:srgbClr val="000000"/>
+              </a:solidFill>
+              <a:uFill>
+                <a:solidFill>
+                  <a:srgbClr val="ffffff"/>
+                </a:solidFill>
+              </a:uFill>
+              <a:latin typeface="Courier New"/>
+              <a:ea typeface="Courier New"/>
+            </a:endParaRPr>
+          </a:p>
+          <a:p>
+            <a:r>
+              <a:rPr b="1" lang="en-GB" sz="1400" spc="-1" strike="noStrike">
+                <a:solidFill>
+                  <a:srgbClr val="000000"/>
+                </a:solidFill>
+                <a:uFill>
+                  <a:solidFill>
+                    <a:srgbClr val="ffffff"/>
+                  </a:solidFill>
+                </a:uFill>
+                <a:latin typeface="Courier New"/>
+              </a:rPr>
+              <a:t>Plotting data on maps – code 2/2</a:t>
+            </a:r>
+            <a:endParaRPr b="0" lang="en-GB" sz="1000" spc="-1" strike="noStrike">
+              <a:solidFill>
+                <a:srgbClr val="000000"/>
+              </a:solidFill>
+              <a:uFill>
+                <a:solidFill>
+                  <a:srgbClr val="ffffff"/>
+                </a:solidFill>
+              </a:uFill>
+              <a:latin typeface="Courier New"/>
+              <a:ea typeface="Courier New"/>
+            </a:endParaRPr>
+          </a:p>
+          <a:p>
+            <a:endParaRPr b="0" lang="en-GB" sz="1000" spc="-1" strike="noStrike">
+              <a:solidFill>
+                <a:srgbClr val="000000"/>
+              </a:solidFill>
+              <a:uFill>
+                <a:solidFill>
+                  <a:srgbClr val="ffffff"/>
+                </a:solidFill>
+              </a:uFill>
+              <a:latin typeface="Courier New"/>
+              <a:ea typeface="Courier New"/>
+            </a:endParaRPr>
+          </a:p>
+          <a:p>
+            <a:r>
+              <a:rPr b="0" lang="en-GB" sz="1300" spc="-1" strike="noStrike">
+                <a:solidFill>
+                  <a:srgbClr val="000000"/>
+                </a:solidFill>
+                <a:uFill>
+                  <a:solidFill>
+                    <a:srgbClr val="ffffff"/>
+                  </a:solidFill>
+                </a:uFill>
+                <a:latin typeface="Courier New"/>
+              </a:rPr>
+              <a:t># set the map</a:t>
+            </a:r>
+            <a:endParaRPr b="0" lang="en-GB" sz="1000" spc="-1" strike="noStrike">
+              <a:solidFill>
+                <a:srgbClr val="000000"/>
+              </a:solidFill>
+              <a:uFill>
+                <a:solidFill>
+                  <a:srgbClr val="ffffff"/>
+                </a:solidFill>
+              </a:uFill>
+              <a:latin typeface="Courier New"/>
+              <a:ea typeface="Courier New"/>
+            </a:endParaRPr>
+          </a:p>
+          <a:p>
+            <a:r>
+              <a:rPr b="0" lang="en-GB" sz="1300" spc="-1" strike="noStrike">
+                <a:solidFill>
+                  <a:srgbClr val="000000"/>
+                </a:solidFill>
+                <a:uFill>
+                  <a:solidFill>
+                    <a:srgbClr val="ffffff"/>
+                  </a:solidFill>
+                </a:uFill>
+                <a:latin typeface="Courier New"/>
+              </a:rPr>
+              <a:t>proj=ccrs.PlateCarree(central_longitude=lon_0)</a:t>
+            </a:r>
+            <a:endParaRPr b="0" lang="en-GB" sz="1000" spc="-1" strike="noStrike">
+              <a:solidFill>
+                <a:srgbClr val="000000"/>
+              </a:solidFill>
+              <a:uFill>
+                <a:solidFill>
+                  <a:srgbClr val="ffffff"/>
+                </a:solidFill>
+              </a:uFill>
+              <a:latin typeface="Courier New"/>
+              <a:ea typeface="Courier New"/>
+            </a:endParaRPr>
+          </a:p>
+          <a:p>
+            <a:r>
+              <a:rPr b="0" lang="en-GB" sz="1300" spc="-1" strike="noStrike">
+                <a:solidFill>
+                  <a:srgbClr val="000000"/>
+                </a:solidFill>
+                <a:uFill>
+                  <a:solidFill>
+                    <a:srgbClr val="ffffff"/>
+                  </a:solidFill>
+                </a:uFill>
+                <a:latin typeface="Courier New"/>
+              </a:rPr>
+              <a:t>mymap = plot.add_subplot(1,1,1, projection=proj)</a:t>
+            </a:r>
+            <a:endParaRPr b="0" lang="en-GB" sz="1000" spc="-1" strike="noStrike">
+              <a:solidFill>
+                <a:srgbClr val="000000"/>
+              </a:solidFill>
+              <a:uFill>
+                <a:solidFill>
+                  <a:srgbClr val="ffffff"/>
+                </a:solidFill>
+              </a:uFill>
+              <a:latin typeface="Courier New"/>
+              <a:ea typeface="Courier New"/>
+            </a:endParaRPr>
+          </a:p>
+          <a:p>
+            <a:r>
+              <a:rPr b="0" lang="en-GB" sz="1300" spc="-1" strike="noStrike">
+                <a:solidFill>
+                  <a:srgbClr val="000000"/>
+                </a:solidFill>
+                <a:uFill>
+                  <a:solidFill>
+                    <a:srgbClr val="ffffff"/>
+                  </a:solidFill>
+                </a:uFill>
+                <a:latin typeface="Courier New"/>
+              </a:rPr>
+              <a:t>mymap.set_extent((lonmin, lonmax, latmin, latmax), crs=proj)</a:t>
+            </a:r>
+            <a:endParaRPr b="0" lang="en-GB" sz="1000" spc="-1" strike="noStrike">
+              <a:solidFill>
+                <a:srgbClr val="000000"/>
+              </a:solidFill>
+              <a:uFill>
+                <a:solidFill>
+                  <a:srgbClr val="ffffff"/>
+                </a:solidFill>
+              </a:uFill>
+              <a:latin typeface="Courier New"/>
+              <a:ea typeface="Courier New"/>
+            </a:endParaRPr>
+          </a:p>
+          <a:p>
+            <a:endParaRPr b="0" lang="en-GB" sz="1000" spc="-1" strike="noStrike">
+              <a:solidFill>
+                <a:srgbClr val="000000"/>
+              </a:solidFill>
+              <a:uFill>
+                <a:solidFill>
+                  <a:srgbClr val="ffffff"/>
+                </a:solidFill>
+              </a:uFill>
+              <a:latin typeface="Courier New"/>
+              <a:ea typeface="Courier New"/>
+            </a:endParaRPr>
+          </a:p>
+          <a:p>
+            <a:r>
+              <a:rPr b="0" lang="en-GB" sz="1100" spc="-1" strike="noStrike">
+                <a:solidFill>
+                  <a:srgbClr val="000000"/>
+                </a:solidFill>
+                <a:uFill>
+                  <a:solidFill>
+                    <a:srgbClr val="ffffff"/>
+                  </a:solidFill>
+                </a:uFill>
+                <a:latin typeface="Courier New"/>
+              </a:rPr>
+              <a:t># contour the data</a:t>
+            </a:r>
+            <a:endParaRPr b="0" lang="en-GB" sz="1000" spc="-1" strike="noStrike">
+              <a:solidFill>
+                <a:srgbClr val="000000"/>
+              </a:solidFill>
+              <a:uFill>
+                <a:solidFill>
+                  <a:srgbClr val="ffffff"/>
+                </a:solidFill>
+              </a:uFill>
+              <a:latin typeface="Courier New"/>
+              <a:ea typeface="Courier New"/>
+            </a:endParaRPr>
+          </a:p>
+          <a:p>
+            <a:r>
+              <a:rPr b="0" lang="en-GB" sz="1100" spc="-1" strike="noStrike">
+                <a:solidFill>
+                  <a:srgbClr val="000000"/>
+                </a:solidFill>
+                <a:uFill>
+                  <a:solidFill>
+                    <a:srgbClr val="ffffff"/>
+                  </a:solidFill>
+                </a:uFill>
+                <a:latin typeface="Courier New"/>
+              </a:rPr>
+              <a:t>clevs=np.arange(-32, 32, 4) # levels</a:t>
+            </a:r>
+            <a:endParaRPr b="0" lang="en-GB" sz="1000" spc="-1" strike="noStrike">
+              <a:solidFill>
+                <a:srgbClr val="000000"/>
+              </a:solidFill>
+              <a:uFill>
+                <a:solidFill>
+                  <a:srgbClr val="ffffff"/>
+                </a:solidFill>
+              </a:uFill>
+              <a:latin typeface="Courier New"/>
+              <a:ea typeface="Courier New"/>
+            </a:endParaRPr>
+          </a:p>
+          <a:p>
+            <a:r>
+              <a:rPr b="0" lang="en-GB" sz="1100" spc="-1" strike="noStrike">
+                <a:solidFill>
+                  <a:srgbClr val="000000"/>
+                </a:solidFill>
+                <a:uFill>
+                  <a:solidFill>
+                    <a:srgbClr val="ffffff"/>
+                  </a:solidFill>
+                </a:uFill>
+                <a:latin typeface="Courier New"/>
+              </a:rPr>
+              <a:t>cs = mymap.contourf(lons, lats, field, clevs,extend='both', transform=ccrs.PlateCarree(), cmap='bwr')</a:t>
+            </a:r>
+            <a:endParaRPr b="0" lang="en-GB" sz="1000" spc="-1" strike="noStrike">
+              <a:solidFill>
+                <a:srgbClr val="000000"/>
+              </a:solidFill>
+              <a:uFill>
+                <a:solidFill>
+                  <a:srgbClr val="ffffff"/>
+                </a:solidFill>
+              </a:uFill>
+              <a:latin typeface="Courier New"/>
+              <a:ea typeface="Courier New"/>
+            </a:endParaRPr>
+          </a:p>
+          <a:p>
+            <a:r>
+              <a:rPr b="0" lang="en-GB" sz="1100" spc="-1" strike="noStrike">
+                <a:solidFill>
+                  <a:srgbClr val="000000"/>
+                </a:solidFill>
+                <a:uFill>
+                  <a:solidFill>
+                    <a:srgbClr val="ffffff"/>
+                  </a:solidFill>
+                </a:uFill>
+                <a:latin typeface="Courier New"/>
+              </a:rPr>
+              <a:t>cb = plot.colorbar(cs, orientation='horizontal', aspect=75, pad=0.08, ticks=clevs)</a:t>
+            </a:r>
+            <a:endParaRPr b="0" lang="en-GB" sz="1000" spc="-1" strike="noStrike">
+              <a:solidFill>
+                <a:srgbClr val="000000"/>
+              </a:solidFill>
+              <a:uFill>
+                <a:solidFill>
+                  <a:srgbClr val="ffffff"/>
+                </a:solidFill>
+              </a:uFill>
+              <a:latin typeface="Courier New"/>
+              <a:ea typeface="Courier New"/>
+            </a:endParaRPr>
+          </a:p>
+          <a:p>
+            <a:r>
+              <a:rPr b="0" lang="en-GB" sz="1100" spc="-1" strike="noStrike">
+                <a:solidFill>
+                  <a:srgbClr val="000000"/>
+                </a:solidFill>
+                <a:uFill>
+                  <a:solidFill>
+                    <a:srgbClr val="ffffff"/>
+                  </a:solidFill>
+                </a:uFill>
+                <a:latin typeface="Courier New"/>
+              </a:rPr>
+              <a:t>cs = mymap.contour(lons, lats, field, clevs, colors='k', linestyles='solid', transform=ccrs.PlateCarree())</a:t>
+            </a:r>
+            <a:endParaRPr b="0" lang="en-GB" sz="1000" spc="-1" strike="noStrike">
+              <a:solidFill>
+                <a:srgbClr val="000000"/>
+              </a:solidFill>
+              <a:uFill>
+                <a:solidFill>
+                  <a:srgbClr val="ffffff"/>
+                </a:solidFill>
+              </a:uFill>
+              <a:latin typeface="Courier New"/>
+              <a:ea typeface="Courier New"/>
+            </a:endParaRPr>
+          </a:p>
+          <a:p>
+            <a:r>
+              <a:rPr b="0" lang="en-GB" sz="1100" spc="-1" strike="noStrike">
+                <a:solidFill>
+                  <a:srgbClr val="000000"/>
+                </a:solidFill>
+                <a:uFill>
+                  <a:solidFill>
+                    <a:srgbClr val="ffffff"/>
+                  </a:solidFill>
+                </a:uFill>
+                <a:latin typeface="Courier New"/>
+              </a:rPr>
+              <a:t>plt.clabel(cs, fmt = '%d', colors = 'k', fontsize=11) </a:t>
+            </a:r>
+            <a:endParaRPr b="0" lang="en-GB" sz="1000" spc="-1" strike="noStrike">
+              <a:solidFill>
+                <a:srgbClr val="000000"/>
+              </a:solidFill>
+              <a:uFill>
+                <a:solidFill>
+                  <a:srgbClr val="ffffff"/>
+                </a:solidFill>
+              </a:uFill>
+              <a:latin typeface="Courier New"/>
+              <a:ea typeface="Courier New"/>
+            </a:endParaRPr>
+          </a:p>
+          <a:p>
+            <a:endParaRPr b="0" lang="en-GB" sz="1000" spc="-1" strike="noStrike">
+              <a:solidFill>
+                <a:srgbClr val="000000"/>
+              </a:solidFill>
+              <a:uFill>
+                <a:solidFill>
+                  <a:srgbClr val="ffffff"/>
+                </a:solidFill>
+              </a:uFill>
+              <a:latin typeface="Courier New"/>
+              <a:ea typeface="Courier New"/>
+            </a:endParaRPr>
+          </a:p>
+          <a:p>
+            <a:r>
+              <a:rPr b="0" lang="en-GB" sz="1100" spc="-1" strike="noStrike">
+                <a:solidFill>
+                  <a:srgbClr val="000000"/>
+                </a:solidFill>
+                <a:uFill>
+                  <a:solidFill>
+                    <a:srgbClr val="ffffff"/>
+                  </a:solidFill>
+                </a:uFill>
+                <a:latin typeface="Courier New"/>
+              </a:rPr>
+              <a:t># axes</a:t>
+            </a:r>
+            <a:endParaRPr b="0" lang="en-GB" sz="1000" spc="-1" strike="noStrike">
+              <a:solidFill>
+                <a:srgbClr val="000000"/>
+              </a:solidFill>
+              <a:uFill>
+                <a:solidFill>
+                  <a:srgbClr val="ffffff"/>
+                </a:solidFill>
+              </a:uFill>
+              <a:latin typeface="Courier New"/>
+              <a:ea typeface="Courier New"/>
+            </a:endParaRPr>
+          </a:p>
+          <a:p>
+            <a:r>
+              <a:rPr b="0" lang="en-GB" sz="1100" spc="-1" strike="noStrike">
+                <a:solidFill>
+                  <a:srgbClr val="000000"/>
+                </a:solidFill>
+                <a:uFill>
+                  <a:solidFill>
+                    <a:srgbClr val="ffffff"/>
+                  </a:solidFill>
+                </a:uFill>
+                <a:latin typeface="Courier New"/>
+              </a:rPr>
+              <a:t>mymap.set_xticks(np.arange(-180, 181, 60), crs=proj)</a:t>
+            </a:r>
+            <a:endParaRPr b="0" lang="en-GB" sz="1000" spc="-1" strike="noStrike">
+              <a:solidFill>
+                <a:srgbClr val="000000"/>
+              </a:solidFill>
+              <a:uFill>
+                <a:solidFill>
+                  <a:srgbClr val="ffffff"/>
+                </a:solidFill>
+              </a:uFill>
+              <a:latin typeface="Courier New"/>
+              <a:ea typeface="Courier New"/>
+            </a:endParaRPr>
+          </a:p>
+          <a:p>
+            <a:r>
+              <a:rPr b="0" lang="en-GB" sz="1100" spc="-1" strike="noStrike">
+                <a:solidFill>
+                  <a:srgbClr val="000000"/>
+                </a:solidFill>
+                <a:uFill>
+                  <a:solidFill>
+                    <a:srgbClr val="ffffff"/>
+                  </a:solidFill>
+                </a:uFill>
+                <a:latin typeface="Courier New"/>
+              </a:rPr>
+              <a:t>mymap.set_yticks(np.arange(-90, 91, 30))</a:t>
+            </a:r>
+            <a:endParaRPr b="0" lang="en-GB" sz="1000" spc="-1" strike="noStrike">
+              <a:solidFill>
+                <a:srgbClr val="000000"/>
+              </a:solidFill>
+              <a:uFill>
+                <a:solidFill>
+                  <a:srgbClr val="ffffff"/>
+                </a:solidFill>
+              </a:uFill>
+              <a:latin typeface="Courier New"/>
+              <a:ea typeface="Courier New"/>
+            </a:endParaRPr>
+          </a:p>
+          <a:p>
+            <a:endParaRPr b="0" lang="en-GB" sz="1000" spc="-1" strike="noStrike">
+              <a:solidFill>
+                <a:srgbClr val="000000"/>
+              </a:solidFill>
+              <a:uFill>
+                <a:solidFill>
+                  <a:srgbClr val="ffffff"/>
+                </a:solidFill>
+              </a:uFill>
+              <a:latin typeface="Courier New"/>
+              <a:ea typeface="Courier New"/>
+            </a:endParaRPr>
+          </a:p>
+          <a:p>
+            <a:r>
+              <a:rPr b="0" lang="en-GB" sz="1100" spc="-1" strike="noStrike">
+                <a:solidFill>
+                  <a:srgbClr val="000000"/>
+                </a:solidFill>
+                <a:uFill>
+                  <a:solidFill>
+                    <a:srgbClr val="ffffff"/>
+                  </a:solidFill>
+                </a:uFill>
+                <a:latin typeface="Courier New"/>
+              </a:rPr>
+              <a:t># coastlines</a:t>
+            </a:r>
+            <a:endParaRPr b="0" lang="en-GB" sz="1000" spc="-1" strike="noStrike">
+              <a:solidFill>
+                <a:srgbClr val="000000"/>
+              </a:solidFill>
+              <a:uFill>
+                <a:solidFill>
+                  <a:srgbClr val="ffffff"/>
+                </a:solidFill>
+              </a:uFill>
+              <a:latin typeface="Courier New"/>
+              <a:ea typeface="Courier New"/>
+            </a:endParaRPr>
+          </a:p>
+          <a:p>
+            <a:r>
+              <a:rPr b="0" lang="en-GB" sz="1100" spc="-1" strike="noStrike">
+                <a:solidFill>
+                  <a:srgbClr val="000000"/>
+                </a:solidFill>
+                <a:uFill>
+                  <a:solidFill>
+                    <a:srgbClr val="ffffff"/>
+                  </a:solidFill>
+                </a:uFill>
+                <a:latin typeface="Courier New"/>
+              </a:rPr>
+              <a:t>mymap.coastlines(resolution='110m')</a:t>
+            </a:r>
+            <a:endParaRPr b="0" lang="en-GB" sz="1000" spc="-1" strike="noStrike">
+              <a:solidFill>
+                <a:srgbClr val="000000"/>
+              </a:solidFill>
+              <a:uFill>
+                <a:solidFill>
+                  <a:srgbClr val="ffffff"/>
+                </a:solidFill>
+              </a:uFill>
+              <a:latin typeface="Courier New"/>
+              <a:ea typeface="Courier New"/>
+            </a:endParaRPr>
+          </a:p>
+          <a:p>
+            <a:endParaRPr b="0" lang="en-GB" sz="1000" spc="-1" strike="noStrike">
+              <a:solidFill>
+                <a:srgbClr val="000000"/>
+              </a:solidFill>
+              <a:uFill>
+                <a:solidFill>
+                  <a:srgbClr val="ffffff"/>
+                </a:solidFill>
+              </a:uFill>
+              <a:latin typeface="Courier New"/>
+              <a:ea typeface="Courier New"/>
+            </a:endParaRPr>
+          </a:p>
+          <a:p>
+            <a:r>
+              <a:rPr b="0" lang="en-GB" sz="1100" spc="-1" strike="noStrike">
+                <a:solidFill>
+                  <a:srgbClr val="000000"/>
+                </a:solidFill>
+                <a:uFill>
+                  <a:solidFill>
+                    <a:srgbClr val="ffffff"/>
+                  </a:solidFill>
+                </a:uFill>
+                <a:latin typeface="Courier New"/>
+              </a:rPr>
+              <a:t># plot title</a:t>
+            </a:r>
+            <a:endParaRPr b="0" lang="en-GB" sz="1000" spc="-1" strike="noStrike">
+              <a:solidFill>
+                <a:srgbClr val="000000"/>
+              </a:solidFill>
+              <a:uFill>
+                <a:solidFill>
+                  <a:srgbClr val="ffffff"/>
+                </a:solidFill>
+              </a:uFill>
+              <a:latin typeface="Courier New"/>
+              <a:ea typeface="Courier New"/>
+            </a:endParaRPr>
+          </a:p>
+          <a:p>
+            <a:r>
+              <a:rPr b="0" lang="en-GB" sz="1100" spc="-1" strike="noStrike">
+                <a:solidFill>
+                  <a:srgbClr val="000000"/>
+                </a:solidFill>
+                <a:uFill>
+                  <a:solidFill>
+                    <a:srgbClr val="ffffff"/>
+                  </a:solidFill>
+                </a:uFill>
+                <a:latin typeface="Courier New"/>
+              </a:rPr>
+              <a:t>title = plt.title('Temperature in degrees Celsius', y=1.03)</a:t>
+            </a:r>
+            <a:endParaRPr b="0" lang="en-GB" sz="1000" spc="-1" strike="noStrike">
+              <a:solidFill>
+                <a:srgbClr val="000000"/>
+              </a:solidFill>
+              <a:uFill>
+                <a:solidFill>
+                  <a:srgbClr val="ffffff"/>
+                </a:solidFill>
+              </a:uFill>
+              <a:latin typeface="Courier New"/>
+              <a:ea typeface="Courier New"/>
+            </a:endParaRPr>
+          </a:p>
+        </p:txBody>
+      </p:sp>
     </p:spTree>
   </p:cSld>
   <p:timing>
@@ -16501,14 +17916,14 @@
       </p:grpSpPr>
       <p:sp>
         <p:nvSpPr>
-          <p:cNvPr id="165" name="CustomShape 1"/>
+          <p:cNvPr id="164" name="CustomShape 1"/>
           <p:cNvSpPr/>
           <p:nvPr/>
         </p:nvSpPr>
         <p:spPr>
           <a:xfrm>
             <a:off x="376200" y="380880"/>
-            <a:ext cx="8417520" cy="879840"/>
+            <a:ext cx="8417160" cy="879480"/>
           </a:xfrm>
           <a:prstGeom prst="rect">
             <a:avLst/>
@@ -16545,7 +17960,7 @@
                 <a:latin typeface="Calibri"/>
                 <a:ea typeface="DejaVu Sans"/>
               </a:rPr>
-              <a:t>Useful features: Interpolation</a:t>
+              <a:t>Useful features: Markers</a:t>
             </a:r>
             <a:endParaRPr b="0" lang="en-GB" sz="1800" spc="-1" strike="noStrike">
               <a:solidFill>
@@ -16563,14 +17978,14 @@
       </p:sp>
       <p:sp>
         <p:nvSpPr>
-          <p:cNvPr id="166" name="CustomShape 2"/>
+          <p:cNvPr id="165" name="CustomShape 2"/>
           <p:cNvSpPr/>
           <p:nvPr/>
         </p:nvSpPr>
         <p:spPr>
           <a:xfrm>
             <a:off x="376200" y="1374840"/>
-            <a:ext cx="8417520" cy="4350240"/>
+            <a:ext cx="8417160" cy="4349880"/>
           </a:xfrm>
           <a:prstGeom prst="rect">
             <a:avLst/>
@@ -16595,7 +18010,7 @@
               </a:lnSpc>
             </a:pPr>
             <a:r>
-              <a:rPr b="0" lang="en-GB" sz="1600" spc="-1" strike="noStrike" u="sng">
+              <a:rPr b="0" lang="en-GB" sz="1800" spc="-1" strike="noStrike" u="sng">
                 <a:solidFill>
                   <a:srgbClr val="0000ff"/>
                 </a:solidFill>
@@ -16608,7 +18023,7 @@
                 <a:ea typeface="DejaVu Sans"/>
                 <a:hlinkClick r:id="rId1"/>
               </a:rPr>
-              <a:t>https://matplotlib.org/examples/images_contours_and_fields/interpolation_methods.html</a:t>
+              <a:t>https://matplotlib.org/examples/lines_bars_and_markers/marker_reference.html</a:t>
             </a:r>
             <a:endParaRPr b="0" lang="en-GB" sz="1800" spc="-1" strike="noStrike">
               <a:solidFill>
@@ -16662,19 +18077,43 @@
       </p:sp>
       <p:pic>
         <p:nvPicPr>
-          <p:cNvPr id="167" name="Picture 1" descr=""/>
+          <p:cNvPr id="166" name="Picture 1" descr=""/>
           <p:cNvPicPr/>
           <p:nvPr/>
         </p:nvPicPr>
         <p:blipFill>
           <a:blip r:embed="rId2"/>
-          <a:srcRect l="11414" t="7474" r="8264" b="7474"/>
+          <a:srcRect l="1432" t="0" r="6936" b="14103"/>
           <a:stretch/>
         </p:blipFill>
         <p:spPr>
           <a:xfrm>
-            <a:off x="390600" y="1700280"/>
-            <a:ext cx="8141040" cy="4310640"/>
+            <a:off x="58680" y="1844640"/>
+            <a:ext cx="4505400" cy="3454560"/>
+          </a:xfrm>
+          <a:prstGeom prst="rect">
+            <a:avLst/>
+          </a:prstGeom>
+          <a:ln>
+            <a:noFill/>
+          </a:ln>
+        </p:spPr>
+      </p:pic>
+      <p:pic>
+        <p:nvPicPr>
+          <p:cNvPr id="167" name="Picture 2" descr=""/>
+          <p:cNvPicPr/>
+          <p:nvPr/>
+        </p:nvPicPr>
+        <p:blipFill>
+          <a:blip r:embed="rId3"/>
+          <a:srcRect l="1317" t="0" r="7044" b="13255"/>
+          <a:stretch/>
+        </p:blipFill>
+        <p:spPr>
+          <a:xfrm>
+            <a:off x="4565520" y="1838160"/>
+            <a:ext cx="4469040" cy="3461040"/>
           </a:xfrm>
           <a:prstGeom prst="rect">
             <a:avLst/>
@@ -16741,8 +18180,8 @@
         </p:nvSpPr>
         <p:spPr>
           <a:xfrm>
-            <a:off x="376200" y="260280"/>
-            <a:ext cx="8417520" cy="879840"/>
+            <a:off x="376200" y="380880"/>
+            <a:ext cx="8417160" cy="879480"/>
           </a:xfrm>
           <a:prstGeom prst="rect">
             <a:avLst/>
@@ -16779,7 +18218,7 @@
                 <a:latin typeface="Calibri"/>
                 <a:ea typeface="DejaVu Sans"/>
               </a:rPr>
-              <a:t>Useful features: quiver and stream plot</a:t>
+              <a:t>Useful features: Scatter plots</a:t>
             </a:r>
             <a:endParaRPr b="0" lang="en-GB" sz="1800" spc="-1" strike="noStrike">
               <a:solidFill>
@@ -16803,8 +18242,8 @@
         </p:nvSpPr>
         <p:spPr>
           <a:xfrm>
-            <a:off x="457200" y="764640"/>
-            <a:ext cx="8228520" cy="891360"/>
+            <a:off x="376200" y="1374840"/>
+            <a:ext cx="8417160" cy="4349880"/>
           </a:xfrm>
           <a:prstGeom prst="rect">
             <a:avLst/>
@@ -16828,6 +18267,22 @@
                 <a:spcPct val="100000"/>
               </a:lnSpc>
             </a:pPr>
+            <a:r>
+              <a:rPr b="0" lang="en-GB" sz="1800" spc="-1" strike="noStrike" u="sng">
+                <a:solidFill>
+                  <a:srgbClr val="0000ff"/>
+                </a:solidFill>
+                <a:uFill>
+                  <a:solidFill>
+                    <a:srgbClr val="ffffff"/>
+                  </a:solidFill>
+                </a:uFill>
+                <a:latin typeface="Calibri"/>
+                <a:ea typeface="DejaVu Sans"/>
+                <a:hlinkClick r:id="rId1"/>
+              </a:rPr>
+              <a:t>https://matplotlib.org/examples/shapes_and_collections/scatter_demo.html</a:t>
+            </a:r>
             <a:endParaRPr b="0" lang="en-GB" sz="1800" spc="-1" strike="noStrike">
               <a:solidFill>
                 <a:srgbClr val="000000"/>
@@ -16846,67 +18301,6 @@
                 <a:spcPct val="100000"/>
               </a:lnSpc>
             </a:pPr>
-            <a:r>
-              <a:rPr b="0" lang="en-GB" sz="1600" spc="-1" strike="noStrike" u="sng">
-                <a:solidFill>
-                  <a:srgbClr val="0000ff"/>
-                </a:solidFill>
-                <a:uFill>
-                  <a:solidFill>
-                    <a:srgbClr val="ffffff"/>
-                  </a:solidFill>
-                </a:uFill>
-                <a:latin typeface="Calibri"/>
-                <a:hlinkClick r:id="rId1"/>
-              </a:rPr>
-              <a:t>https://matplotlib.org/examples/pylab_examples/quiver_demo.html</a:t>
-            </a:r>
-            <a:r>
-              <a:rPr b="0" lang="en-GB" sz="1600" spc="-1" strike="noStrike" u="sng">
-                <a:solidFill>
-                  <a:srgbClr val="0000ff"/>
-                </a:solidFill>
-                <a:uFill>
-                  <a:solidFill>
-                    <a:srgbClr val="ffffff"/>
-                  </a:solidFill>
-                </a:uFill>
-                <a:latin typeface="Calibri"/>
-              </a:rPr>
-              <a:t>
-</a:t>
-            </a:r>
-            <a:r>
-              <a:rPr b="0" lang="en-GB" sz="1600" spc="-1" strike="noStrike" u="sng">
-                <a:solidFill>
-                  <a:srgbClr val="0000ff"/>
-                </a:solidFill>
-                <a:uFill>
-                  <a:solidFill>
-                    <a:srgbClr val="ffffff"/>
-                  </a:solidFill>
-                </a:uFill>
-                <a:latin typeface="Calibri"/>
-              </a:rPr>
-              <a:t>
-</a:t>
-            </a:r>
-            <a:r>
-              <a:rPr b="0" lang="en-GB" sz="1600" spc="-1" strike="noStrike" u="sng">
-                <a:solidFill>
-                  <a:srgbClr val="0000ff"/>
-                </a:solidFill>
-                <a:uFill>
-                  <a:solidFill>
-                    <a:srgbClr val="ffffff"/>
-                  </a:solidFill>
-                </a:uFill>
-                <a:latin typeface="Calibri"/>
-                <a:ea typeface="DejaVu Sans"/>
-                <a:hlinkClick r:id="rId2"/>
-              </a:rPr>
-              <a:t>https://matplotlib.org/examples/images_contours_and_fields/streamplot_demo_features.html</a:t>
-            </a:r>
             <a:endParaRPr b="0" lang="en-GB" sz="1800" spc="-1" strike="noStrike">
               <a:solidFill>
                 <a:srgbClr val="000000"/>
@@ -16923,44 +18317,19 @@
       </p:sp>
       <p:pic>
         <p:nvPicPr>
-          <p:cNvPr id="170" name="Picture 3" descr=""/>
+          <p:cNvPr id="170" name="Picture 1" descr=""/>
           <p:cNvPicPr/>
           <p:nvPr/>
         </p:nvPicPr>
         <p:blipFill>
-          <a:blip r:embed="rId3"/>
+          <a:blip r:embed="rId2"/>
+          <a:srcRect l="4180" t="6255" r="4180" b="2747"/>
           <a:stretch/>
         </p:blipFill>
         <p:spPr>
           <a:xfrm>
-            <a:off x="4968000" y="2420640"/>
-            <a:ext cx="3113280" cy="2547360"/>
-          </a:xfrm>
-          <a:prstGeom prst="rect">
-            <a:avLst/>
-          </a:prstGeom>
-          <a:ln w="9360">
-            <a:solidFill>
-              <a:schemeClr val="tx1"/>
-            </a:solidFill>
-            <a:miter/>
-          </a:ln>
-        </p:spPr>
-      </p:pic>
-      <p:pic>
-        <p:nvPicPr>
-          <p:cNvPr id="171" name="" descr=""/>
-          <p:cNvPicPr/>
-          <p:nvPr/>
-        </p:nvPicPr>
-        <p:blipFill>
-          <a:blip r:embed="rId4"/>
-          <a:stretch/>
-        </p:blipFill>
-        <p:spPr>
-          <a:xfrm>
-            <a:off x="864000" y="2304000"/>
-            <a:ext cx="3457080" cy="2827800"/>
+            <a:off x="1547640" y="1700280"/>
+            <a:ext cx="5399280" cy="4386240"/>
           </a:xfrm>
           <a:prstGeom prst="rect">
             <a:avLst/>
@@ -17021,14 +18390,14 @@
       </p:grpSpPr>
       <p:sp>
         <p:nvSpPr>
-          <p:cNvPr id="172" name="CustomShape 1"/>
+          <p:cNvPr id="171" name="CustomShape 1"/>
           <p:cNvSpPr/>
           <p:nvPr/>
         </p:nvSpPr>
         <p:spPr>
           <a:xfrm>
             <a:off x="376200" y="380880"/>
-            <a:ext cx="8417520" cy="879840"/>
+            <a:ext cx="8417160" cy="879480"/>
           </a:xfrm>
           <a:prstGeom prst="rect">
             <a:avLst/>
@@ -17065,7 +18434,7 @@
                 <a:latin typeface="Calibri"/>
                 <a:ea typeface="DejaVu Sans"/>
               </a:rPr>
-              <a:t>Useful features: Polar bar</a:t>
+              <a:t>Useful features: Interpolation</a:t>
             </a:r>
             <a:endParaRPr b="0" lang="en-GB" sz="1800" spc="-1" strike="noStrike">
               <a:solidFill>
@@ -17083,14 +18452,14 @@
       </p:sp>
       <p:sp>
         <p:nvSpPr>
-          <p:cNvPr id="173" name="CustomShape 2"/>
+          <p:cNvPr id="172" name="CustomShape 2"/>
           <p:cNvSpPr/>
           <p:nvPr/>
         </p:nvSpPr>
         <p:spPr>
           <a:xfrm>
-            <a:off x="376200" y="1052640"/>
-            <a:ext cx="8417520" cy="4350240"/>
+            <a:off x="376200" y="1374840"/>
+            <a:ext cx="8417160" cy="4349880"/>
           </a:xfrm>
           <a:prstGeom prst="rect">
             <a:avLst/>
@@ -17115,7 +18484,7 @@
               </a:lnSpc>
             </a:pPr>
             <a:r>
-              <a:rPr b="0" lang="en-GB" sz="1800" spc="-1" strike="noStrike" u="sng">
+              <a:rPr b="0" lang="en-GB" sz="1600" spc="-1" strike="noStrike" u="sng">
                 <a:solidFill>
                   <a:srgbClr val="0000ff"/>
                 </a:solidFill>
@@ -17128,8 +18497,26 @@
                 <a:ea typeface="DejaVu Sans"/>
                 <a:hlinkClick r:id="rId1"/>
               </a:rPr>
-              <a:t>https://matplotlib.org/examples/pie_and_polar_charts/polar_bar_demo.html</a:t>
-            </a:r>
+              <a:t>https://matplotlib.org/examples/images_contours_and_fields/interpolation_methods.html</a:t>
+            </a:r>
+            <a:endParaRPr b="0" lang="en-GB" sz="1800" spc="-1" strike="noStrike">
+              <a:solidFill>
+                <a:srgbClr val="000000"/>
+              </a:solidFill>
+              <a:uFill>
+                <a:solidFill>
+                  <a:srgbClr val="ffffff"/>
+                </a:solidFill>
+              </a:uFill>
+              <a:latin typeface="Arial"/>
+            </a:endParaRPr>
+          </a:p>
+          <a:p>
+            <a:pPr>
+              <a:lnSpc>
+                <a:spcPct val="100000"/>
+              </a:lnSpc>
+            </a:pPr>
             <a:endParaRPr b="0" lang="en-GB" sz="1800" spc="-1" strike="noStrike">
               <a:solidFill>
                 <a:srgbClr val="000000"/>
@@ -17164,18 +18551,19 @@
       </p:sp>
       <p:pic>
         <p:nvPicPr>
-          <p:cNvPr id="174" name="Picture 1" descr=""/>
+          <p:cNvPr id="173" name="Picture 1" descr=""/>
           <p:cNvPicPr/>
           <p:nvPr/>
         </p:nvPicPr>
         <p:blipFill>
           <a:blip r:embed="rId2"/>
+          <a:srcRect l="11414" t="7474" r="8264" b="7474"/>
           <a:stretch/>
         </p:blipFill>
         <p:spPr>
           <a:xfrm>
-            <a:off x="1619280" y="1413000"/>
-            <a:ext cx="5615640" cy="4594680"/>
+            <a:off x="390600" y="1700280"/>
+            <a:ext cx="8140680" cy="4310280"/>
           </a:xfrm>
           <a:prstGeom prst="rect">
             <a:avLst/>
@@ -17243,7 +18631,7 @@
         <p:spPr>
           <a:xfrm>
             <a:off x="376200" y="380880"/>
-            <a:ext cx="8417520" cy="879840"/>
+            <a:ext cx="8417160" cy="879480"/>
           </a:xfrm>
           <a:prstGeom prst="rect">
             <a:avLst/>
@@ -17305,7 +18693,7 @@
         <p:spPr>
           <a:xfrm>
             <a:off x="457200" y="1484280"/>
-            <a:ext cx="8228520" cy="4524840"/>
+            <a:ext cx="8228160" cy="4524480"/>
           </a:xfrm>
           <a:prstGeom prst="rect">
             <a:avLst/>
@@ -17859,14 +19247,14 @@
       </p:grpSpPr>
       <p:sp>
         <p:nvSpPr>
-          <p:cNvPr id="175" name="CustomShape 1"/>
+          <p:cNvPr id="174" name="CustomShape 1"/>
           <p:cNvSpPr/>
           <p:nvPr/>
         </p:nvSpPr>
         <p:spPr>
           <a:xfrm>
-            <a:off x="376200" y="380880"/>
-            <a:ext cx="8417520" cy="879840"/>
+            <a:off x="376200" y="260280"/>
+            <a:ext cx="8417160" cy="879480"/>
           </a:xfrm>
           <a:prstGeom prst="rect">
             <a:avLst/>
@@ -17903,7 +19291,7 @@
                 <a:latin typeface="Calibri"/>
                 <a:ea typeface="DejaVu Sans"/>
               </a:rPr>
-              <a:t>One last word: the OOP interface</a:t>
+              <a:t>Useful features: quiver and stream plot</a:t>
             </a:r>
             <a:endParaRPr b="0" lang="en-GB" sz="1800" spc="-1" strike="noStrike">
               <a:solidFill>
@@ -17921,14 +19309,14 @@
       </p:sp>
       <p:sp>
         <p:nvSpPr>
-          <p:cNvPr id="176" name="CustomShape 2"/>
+          <p:cNvPr id="175" name="CustomShape 2"/>
           <p:cNvSpPr/>
           <p:nvPr/>
         </p:nvSpPr>
         <p:spPr>
           <a:xfrm>
-            <a:off x="457200" y="1341360"/>
-            <a:ext cx="8228520" cy="4524840"/>
+            <a:off x="457200" y="764640"/>
+            <a:ext cx="8228160" cy="891000"/>
           </a:xfrm>
           <a:prstGeom prst="rect">
             <a:avLst/>
@@ -17952,10 +19340,28 @@
                 <a:spcPct val="100000"/>
               </a:lnSpc>
             </a:pPr>
-            <a:r>
-              <a:rPr b="0" lang="en-GB" sz="2400" spc="-1" strike="noStrike">
-                <a:solidFill>
-                  <a:srgbClr val="000000"/>
+            <a:endParaRPr b="0" lang="en-GB" sz="1800" spc="-1" strike="noStrike">
+              <a:solidFill>
+                <a:srgbClr val="000000"/>
+              </a:solidFill>
+              <a:uFill>
+                <a:solidFill>
+                  <a:srgbClr val="ffffff"/>
+                </a:solidFill>
+              </a:uFill>
+              <a:latin typeface="Arial"/>
+            </a:endParaRPr>
+          </a:p>
+          <a:p>
+            <a:pPr>
+              <a:lnSpc>
+                <a:spcPct val="100000"/>
+              </a:lnSpc>
+            </a:pPr>
+            <a:r>
+              <a:rPr b="0" lang="en-GB" sz="1600" spc="-1" strike="noStrike" u="sng">
+                <a:solidFill>
+                  <a:srgbClr val="0000ff"/>
                 </a:solidFill>
                 <a:uFill>
                   <a:solidFill>
@@ -17964,8 +19370,9 @@
                 </a:uFill>
                 <a:latin typeface="Calibri"/>
                 <a:ea typeface="DejaVu Sans"/>
-              </a:rPr>
-              <a:t>We have demonstrated Matplotlib using the "pylab" interface (which aims to mimic that of MATLAB).</a:t>
+                <a:hlinkClick r:id="rId1"/>
+              </a:rPr>
+              <a:t>https://matplotlib.org/examples/pylab_examples/quiver_demo.html</a:t>
             </a:r>
             <a:endParaRPr b="0" lang="en-GB" sz="1800" spc="-1" strike="noStrike">
               <a:solidFill>
@@ -18004,9 +19411,9 @@
               </a:lnSpc>
             </a:pPr>
             <a:r>
-              <a:rPr b="0" lang="en-GB" sz="2400" spc="-1" strike="noStrike">
-                <a:solidFill>
-                  <a:srgbClr val="000000"/>
+              <a:rPr b="0" lang="en-GB" sz="1600" spc="-1" strike="noStrike" u="sng">
+                <a:solidFill>
+                  <a:srgbClr val="0000ff"/>
                 </a:solidFill>
                 <a:uFill>
                   <a:solidFill>
@@ -18015,89 +19422,9 @@
                 </a:uFill>
                 <a:latin typeface="Calibri"/>
                 <a:ea typeface="DejaVu Sans"/>
-              </a:rPr>
-              <a:t>You can interact with Matplotlib using its OOP interface (known as the </a:t>
-            </a:r>
-            <a:r>
-              <a:rPr b="0" i="1" lang="en-GB" sz="2400" spc="-1" strike="noStrike">
-                <a:solidFill>
-                  <a:srgbClr val="000000"/>
-                </a:solidFill>
-                <a:uFill>
-                  <a:solidFill>
-                    <a:srgbClr val="ffffff"/>
-                  </a:solidFill>
-                </a:uFill>
-                <a:latin typeface="Calibri"/>
-                <a:ea typeface="DejaVu Sans"/>
-              </a:rPr>
-              <a:t>Matplotlib API</a:t>
-            </a:r>
-            <a:r>
-              <a:rPr b="0" lang="en-GB" sz="2400" spc="-1" strike="noStrike">
-                <a:solidFill>
-                  <a:srgbClr val="000000"/>
-                </a:solidFill>
-                <a:uFill>
-                  <a:solidFill>
-                    <a:srgbClr val="ffffff"/>
-                  </a:solidFill>
-                </a:uFill>
-                <a:latin typeface="Calibri"/>
-                <a:ea typeface="DejaVu Sans"/>
-              </a:rPr>
-              <a:t>). This is a different interface to the same functionality. </a:t>
-            </a:r>
-            <a:endParaRPr b="0" lang="en-GB" sz="1800" spc="-1" strike="noStrike">
-              <a:solidFill>
-                <a:srgbClr val="000000"/>
-              </a:solidFill>
-              <a:uFill>
-                <a:solidFill>
-                  <a:srgbClr val="ffffff"/>
-                </a:solidFill>
-              </a:uFill>
-              <a:latin typeface="Arial"/>
-            </a:endParaRPr>
-          </a:p>
-          <a:p>
-            <a:pPr>
-              <a:lnSpc>
-                <a:spcPct val="100000"/>
-              </a:lnSpc>
-            </a:pPr>
-            <a:endParaRPr b="0" lang="en-GB" sz="1800" spc="-1" strike="noStrike">
-              <a:solidFill>
-                <a:srgbClr val="000000"/>
-              </a:solidFill>
-              <a:uFill>
-                <a:solidFill>
-                  <a:srgbClr val="ffffff"/>
-                </a:solidFill>
-              </a:uFill>
-              <a:latin typeface="Arial"/>
-            </a:endParaRPr>
-          </a:p>
-          <a:p>
-            <a:pPr>
-              <a:lnSpc>
-                <a:spcPct val="100000"/>
-              </a:lnSpc>
-            </a:pPr>
-            <a:r>
-              <a:rPr b="1" lang="en-GB" sz="2400" spc="-1" strike="noStrike">
-                <a:solidFill>
-                  <a:srgbClr val="000000"/>
-                </a:solidFill>
-                <a:uFill>
-                  <a:solidFill>
-                    <a:srgbClr val="ffffff"/>
-                  </a:solidFill>
-                </a:uFill>
-                <a:latin typeface="Calibri"/>
-                <a:ea typeface="DejaVu Sans"/>
-              </a:rPr>
-              <a:t>Over time you may wish to use the OOP interface for complex plotting applications.</a:t>
+                <a:hlinkClick r:id="rId2"/>
+              </a:rPr>
+              <a:t>https://matplotlib.org/examples/images_contours_and_fields/streamplot_demo_features.html</a:t>
             </a:r>
             <a:endParaRPr b="0" lang="en-GB" sz="1800" spc="-1" strike="noStrike">
               <a:solidFill>
@@ -18113,6 +19440,55 @@
           </a:p>
         </p:txBody>
       </p:sp>
+      <p:pic>
+        <p:nvPicPr>
+          <p:cNvPr id="176" name="Picture 3" descr=""/>
+          <p:cNvPicPr/>
+          <p:nvPr/>
+        </p:nvPicPr>
+        <p:blipFill>
+          <a:blip r:embed="rId3"/>
+          <a:stretch/>
+        </p:blipFill>
+        <p:spPr>
+          <a:xfrm>
+            <a:off x="4968000" y="2420640"/>
+            <a:ext cx="3112920" cy="2547000"/>
+          </a:xfrm>
+          <a:prstGeom prst="rect">
+            <a:avLst/>
+          </a:prstGeom>
+          <a:ln w="9360">
+            <a:solidFill>
+              <a:schemeClr val="tx1"/>
+            </a:solidFill>
+            <a:miter/>
+          </a:ln>
+        </p:spPr>
+      </p:pic>
+      <p:pic>
+        <p:nvPicPr>
+          <p:cNvPr id="177" name="" descr=""/>
+          <p:cNvPicPr/>
+          <p:nvPr/>
+        </p:nvPicPr>
+        <p:blipFill>
+          <a:blip r:embed="rId4"/>
+          <a:stretch/>
+        </p:blipFill>
+        <p:spPr>
+          <a:xfrm>
+            <a:off x="864000" y="2304000"/>
+            <a:ext cx="3456720" cy="2827440"/>
+          </a:xfrm>
+          <a:prstGeom prst="rect">
+            <a:avLst/>
+          </a:prstGeom>
+          <a:ln>
+            <a:noFill/>
+          </a:ln>
+        </p:spPr>
+      </p:pic>
     </p:spTree>
   </p:cSld>
   <p:timing>
@@ -18164,14 +19540,14 @@
       </p:grpSpPr>
       <p:sp>
         <p:nvSpPr>
-          <p:cNvPr id="177" name="CustomShape 1"/>
+          <p:cNvPr id="178" name="CustomShape 1"/>
           <p:cNvSpPr/>
           <p:nvPr/>
         </p:nvSpPr>
         <p:spPr>
           <a:xfrm>
-            <a:off x="457200" y="507960"/>
-            <a:ext cx="8228520" cy="675360"/>
+            <a:off x="376200" y="380880"/>
+            <a:ext cx="8417160" cy="879480"/>
           </a:xfrm>
           <a:prstGeom prst="rect">
             <a:avLst/>
@@ -18208,7 +19584,7 @@
                 <a:latin typeface="Calibri"/>
                 <a:ea typeface="DejaVu Sans"/>
               </a:rPr>
-              <a:t>More info</a:t>
+              <a:t>Useful features: Polar bar</a:t>
             </a:r>
             <a:endParaRPr b="0" lang="en-GB" sz="1800" spc="-1" strike="noStrike">
               <a:solidFill>
@@ -18226,14 +19602,14 @@
       </p:sp>
       <p:sp>
         <p:nvSpPr>
-          <p:cNvPr id="178" name="CustomShape 2"/>
+          <p:cNvPr id="179" name="CustomShape 2"/>
           <p:cNvSpPr/>
           <p:nvPr/>
         </p:nvSpPr>
         <p:spPr>
           <a:xfrm>
-            <a:off x="457200" y="1268280"/>
-            <a:ext cx="8228520" cy="4524840"/>
+            <a:off x="376200" y="1052640"/>
+            <a:ext cx="8417160" cy="4349880"/>
           </a:xfrm>
           <a:prstGeom prst="rect">
             <a:avLst/>
@@ -18252,10 +19628,15 @@
         <p:txBody>
           <a:bodyPr lIns="90000" rIns="90000" tIns="45000" bIns="45000"/>
           <a:p>
-            <a:r>
-              <a:rPr b="0" lang="en-GB" sz="2800" spc="-1" strike="noStrike">
-                <a:solidFill>
-                  <a:srgbClr val="000000"/>
+            <a:pPr>
+              <a:lnSpc>
+                <a:spcPct val="100000"/>
+              </a:lnSpc>
+            </a:pPr>
+            <a:r>
+              <a:rPr b="0" lang="en-GB" sz="1800" spc="-1" strike="noStrike" u="sng">
+                <a:solidFill>
+                  <a:srgbClr val="0000ff"/>
                 </a:solidFill>
                 <a:uFill>
                   <a:solidFill>
@@ -18264,374 +19645,10 @@
                 </a:uFill>
                 <a:latin typeface="Calibri"/>
                 <a:ea typeface="DejaVu Sans"/>
-              </a:rPr>
-              <a:t>Matplotlib:</a:t>
-            </a:r>
-            <a:endParaRPr b="0" lang="en-GB" sz="1800" spc="-1" strike="noStrike">
-              <a:solidFill>
-                <a:srgbClr val="000000"/>
-              </a:solidFill>
-              <a:uFill>
-                <a:solidFill>
-                  <a:srgbClr val="ffffff"/>
-                </a:solidFill>
-              </a:uFill>
-              <a:latin typeface="Arial"/>
-            </a:endParaRPr>
-          </a:p>
-          <a:p>
-            <a:pPr marL="228600" indent="-227520">
-              <a:lnSpc>
-                <a:spcPct val="100000"/>
-              </a:lnSpc>
-              <a:buClr>
-                <a:srgbClr val="000000"/>
-              </a:buClr>
-              <a:buFont typeface="Arial"/>
-              <a:buChar char="•"/>
-            </a:pPr>
-            <a:r>
-              <a:rPr b="0" lang="en-GB" sz="2400" spc="-1" strike="noStrike" u="sng">
-                <a:solidFill>
-                  <a:srgbClr val="0000ff"/>
-                </a:solidFill>
-                <a:uFill>
-                  <a:solidFill>
-                    <a:srgbClr val="ffffff"/>
-                  </a:solidFill>
-                </a:uFill>
-                <a:latin typeface="Calibri"/>
-                <a:ea typeface="DejaVu Sans"/>
                 <a:hlinkClick r:id="rId1"/>
               </a:rPr>
-              <a:t>https://matplotlib.org</a:t>
-            </a:r>
-            <a:r>
-              <a:rPr b="0" lang="en-GB" sz="2400" spc="-1" strike="noStrike">
-                <a:solidFill>
-                  <a:srgbClr val="000000"/>
-                </a:solidFill>
-                <a:uFill>
-                  <a:solidFill>
-                    <a:srgbClr val="ffffff"/>
-                  </a:solidFill>
-                </a:uFill>
-                <a:latin typeface="Calibri"/>
-                <a:ea typeface="DejaVu Sans"/>
-              </a:rPr>
-              <a:t> </a:t>
-            </a:r>
-            <a:endParaRPr b="0" lang="en-GB" sz="1800" spc="-1" strike="noStrike">
-              <a:solidFill>
-                <a:srgbClr val="000000"/>
-              </a:solidFill>
-              <a:uFill>
-                <a:solidFill>
-                  <a:srgbClr val="ffffff"/>
-                </a:solidFill>
-              </a:uFill>
-              <a:latin typeface="Arial"/>
-            </a:endParaRPr>
-          </a:p>
-          <a:p>
-            <a:pPr marL="228600" indent="-227520">
-              <a:lnSpc>
-                <a:spcPct val="100000"/>
-              </a:lnSpc>
-              <a:buClr>
-                <a:srgbClr val="000000"/>
-              </a:buClr>
-              <a:buFont typeface="Arial"/>
-              <a:buChar char="•"/>
-            </a:pPr>
-            <a:r>
-              <a:rPr b="0" lang="en-GB" sz="2800" spc="-1" strike="noStrike">
-                <a:solidFill>
-                  <a:srgbClr val="000000"/>
-                </a:solidFill>
-                <a:uFill>
-                  <a:solidFill>
-                    <a:srgbClr val="ffffff"/>
-                  </a:solidFill>
-                </a:uFill>
-                <a:latin typeface="Calibri"/>
-                <a:ea typeface="DejaVu Sans"/>
-              </a:rPr>
-              <a:t>Matplotlib gallery:</a:t>
-            </a:r>
-            <a:endParaRPr b="0" lang="en-GB" sz="1800" spc="-1" strike="noStrike">
-              <a:solidFill>
-                <a:srgbClr val="000000"/>
-              </a:solidFill>
-              <a:uFill>
-                <a:solidFill>
-                  <a:srgbClr val="ffffff"/>
-                </a:solidFill>
-              </a:uFill>
-              <a:latin typeface="Arial"/>
-            </a:endParaRPr>
-          </a:p>
-          <a:p>
-            <a:pPr marL="228600" indent="-227520">
-              <a:lnSpc>
-                <a:spcPct val="100000"/>
-              </a:lnSpc>
-              <a:buClr>
-                <a:srgbClr val="000000"/>
-              </a:buClr>
-              <a:buFont typeface="Arial"/>
-              <a:buChar char="•"/>
-            </a:pPr>
-            <a:r>
-              <a:rPr b="0" lang="en-GB" sz="2400" spc="-1" strike="noStrike" u="sng">
-                <a:solidFill>
-                  <a:srgbClr val="0000ff"/>
-                </a:solidFill>
-                <a:uFill>
-                  <a:solidFill>
-                    <a:srgbClr val="ffffff"/>
-                  </a:solidFill>
-                </a:uFill>
-                <a:latin typeface="Calibri"/>
-                <a:ea typeface="DejaVu Sans"/>
-                <a:hlinkClick r:id="rId2"/>
-              </a:rPr>
-              <a:t>https://matplotlib.org/gallery</a:t>
-            </a:r>
-            <a:endParaRPr b="0" lang="en-GB" sz="1800" spc="-1" strike="noStrike">
-              <a:solidFill>
-                <a:srgbClr val="000000"/>
-              </a:solidFill>
-              <a:uFill>
-                <a:solidFill>
-                  <a:srgbClr val="ffffff"/>
-                </a:solidFill>
-              </a:uFill>
-              <a:latin typeface="Arial"/>
-            </a:endParaRPr>
-          </a:p>
-          <a:p>
-            <a:pPr marL="228600" indent="-227520">
-              <a:lnSpc>
-                <a:spcPct val="100000"/>
-              </a:lnSpc>
-              <a:buClr>
-                <a:srgbClr val="000000"/>
-              </a:buClr>
-              <a:buFont typeface="Arial"/>
-              <a:buChar char="•"/>
-            </a:pPr>
-            <a:r>
-              <a:rPr b="0" lang="en-GB" sz="2800" spc="-1" strike="noStrike">
-                <a:solidFill>
-                  <a:srgbClr val="000000"/>
-                </a:solidFill>
-                <a:uFill>
-                  <a:solidFill>
-                    <a:srgbClr val="ffffff"/>
-                  </a:solidFill>
-                </a:uFill>
-                <a:latin typeface="Calibri"/>
-                <a:ea typeface="DejaVu Sans"/>
-              </a:rPr>
-              <a:t>Pyplot reference:</a:t>
-            </a:r>
-            <a:r>
-              <a:rPr b="0" lang="en-GB" sz="2400" spc="-1" strike="noStrike">
-                <a:solidFill>
-                  <a:srgbClr val="000000"/>
-                </a:solidFill>
-                <a:uFill>
-                  <a:solidFill>
-                    <a:srgbClr val="ffffff"/>
-                  </a:solidFill>
-                </a:uFill>
-                <a:latin typeface="Calibri"/>
-                <a:ea typeface="DejaVu Sans"/>
-              </a:rPr>
-              <a:t> </a:t>
-            </a:r>
-            <a:r>
-              <a:rPr b="0" lang="en-GB" sz="2400" spc="-1" strike="noStrike" u="sng">
-                <a:solidFill>
-                  <a:srgbClr val="0000ff"/>
-                </a:solidFill>
-                <a:uFill>
-                  <a:solidFill>
-                    <a:srgbClr val="ffffff"/>
-                  </a:solidFill>
-                </a:uFill>
-                <a:latin typeface="Calibri"/>
-                <a:ea typeface="DejaVu Sans"/>
-                <a:hlinkClick r:id="rId3"/>
-              </a:rPr>
-              <a:t>https://matplotlib.org/api/pyplot_summary</a:t>
-            </a:r>
-            <a:endParaRPr b="0" lang="en-GB" sz="1800" spc="-1" strike="noStrike">
-              <a:solidFill>
-                <a:srgbClr val="000000"/>
-              </a:solidFill>
-              <a:uFill>
-                <a:solidFill>
-                  <a:srgbClr val="ffffff"/>
-                </a:solidFill>
-              </a:uFill>
-              <a:latin typeface="Arial"/>
-            </a:endParaRPr>
-          </a:p>
-          <a:p>
-            <a:pPr marL="228600" indent="-227520">
-              <a:lnSpc>
-                <a:spcPct val="100000"/>
-              </a:lnSpc>
-              <a:buClr>
-                <a:srgbClr val="000000"/>
-              </a:buClr>
-              <a:buFont typeface="Arial"/>
-              <a:buChar char="•"/>
-            </a:pPr>
-            <a:r>
-              <a:rPr b="0" lang="en-GB" sz="2800" spc="-1" strike="noStrike">
-                <a:solidFill>
-                  <a:srgbClr val="000000"/>
-                </a:solidFill>
-                <a:uFill>
-                  <a:solidFill>
-                    <a:srgbClr val="ffffff"/>
-                  </a:solidFill>
-                </a:uFill>
-                <a:latin typeface="Calibri"/>
-                <a:ea typeface="DejaVu Sans"/>
-              </a:rPr>
-              <a:t>Cartopy (for map plotting):</a:t>
-            </a:r>
-            <a:endParaRPr b="0" lang="en-GB" sz="1800" spc="-1" strike="noStrike">
-              <a:solidFill>
-                <a:srgbClr val="000000"/>
-              </a:solidFill>
-              <a:uFill>
-                <a:solidFill>
-                  <a:srgbClr val="ffffff"/>
-                </a:solidFill>
-              </a:uFill>
-              <a:latin typeface="Arial"/>
-            </a:endParaRPr>
-          </a:p>
-          <a:p>
-            <a:pPr marL="228600" indent="-227520">
-              <a:lnSpc>
-                <a:spcPct val="100000"/>
-              </a:lnSpc>
-              <a:buClr>
-                <a:srgbClr val="000000"/>
-              </a:buClr>
-              <a:buSzPct val="45000"/>
-              <a:buFont typeface="Symbol"/>
-              <a:buChar char=""/>
-            </a:pPr>
-            <a:r>
-              <a:rPr b="0" lang="en-GB" sz="2400" spc="-1" strike="noStrike" u="sng">
-                <a:solidFill>
-                  <a:srgbClr val="0000ff"/>
-                </a:solidFill>
-                <a:uFill>
-                  <a:solidFill>
-                    <a:srgbClr val="ffffff"/>
-                  </a:solidFill>
-                </a:uFill>
-                <a:latin typeface="Calibri"/>
-                <a:ea typeface="DejaVu Sans"/>
-                <a:hlinkClick r:id="rId4"/>
-              </a:rPr>
-              <a:t>https://scitools.org.uk/cartopy/docs/latest/index.html</a:t>
-            </a:r>
-            <a:endParaRPr b="0" lang="en-GB" sz="1800" spc="-1" strike="noStrike">
-              <a:solidFill>
-                <a:srgbClr val="000000"/>
-              </a:solidFill>
-              <a:uFill>
-                <a:solidFill>
-                  <a:srgbClr val="ffffff"/>
-                </a:solidFill>
-              </a:uFill>
-              <a:latin typeface="Arial"/>
-            </a:endParaRPr>
-          </a:p>
-          <a:p>
-            <a:pPr marL="228600" indent="-227520">
-              <a:lnSpc>
-                <a:spcPct val="100000"/>
-              </a:lnSpc>
-              <a:buClr>
-                <a:srgbClr val="000000"/>
-              </a:buClr>
-              <a:buFont typeface="Arial"/>
-              <a:buChar char="•"/>
-            </a:pPr>
-            <a:r>
-              <a:rPr b="0" lang="en-GB" sz="2800" spc="-1" strike="noStrike">
-                <a:solidFill>
-                  <a:srgbClr val="000000"/>
-                </a:solidFill>
-                <a:uFill>
-                  <a:solidFill>
-                    <a:srgbClr val="ffffff"/>
-                  </a:solidFill>
-                </a:uFill>
-                <a:latin typeface="Calibri"/>
-                <a:ea typeface="DejaVu Sans"/>
-              </a:rPr>
-              <a:t>Books, videos and tutorials:</a:t>
-            </a:r>
-            <a:r>
-              <a:rPr b="0" lang="en-GB" sz="2400" spc="-1" strike="noStrike">
-                <a:solidFill>
-                  <a:srgbClr val="000000"/>
-                </a:solidFill>
-                <a:uFill>
-                  <a:solidFill>
-                    <a:srgbClr val="ffffff"/>
-                  </a:solidFill>
-                </a:uFill>
-                <a:latin typeface="Calibri"/>
-                <a:ea typeface="DejaVu Sans"/>
-              </a:rPr>
-              <a:t>  </a:t>
-            </a:r>
-            <a:r>
-              <a:rPr b="0" lang="en-GB" sz="2400" spc="-1" strike="noStrike" u="sng">
-                <a:solidFill>
-                  <a:srgbClr val="0000ff"/>
-                </a:solidFill>
-                <a:uFill>
-                  <a:solidFill>
-                    <a:srgbClr val="ffffff"/>
-                  </a:solidFill>
-                </a:uFill>
-                <a:latin typeface="Calibri"/>
-                <a:ea typeface="DejaVu Sans"/>
-                <a:hlinkClick r:id="rId5"/>
-              </a:rPr>
-              <a:t>https://matplotlib.org/3.0.0/resources/</a:t>
-            </a:r>
-            <a:endParaRPr b="0" lang="en-GB" sz="1800" spc="-1" strike="noStrike">
-              <a:solidFill>
-                <a:srgbClr val="000000"/>
-              </a:solidFill>
-              <a:uFill>
-                <a:solidFill>
-                  <a:srgbClr val="ffffff"/>
-                </a:solidFill>
-              </a:uFill>
-              <a:latin typeface="Arial"/>
-            </a:endParaRPr>
-          </a:p>
-          <a:p>
-            <a:pPr>
-              <a:lnSpc>
-                <a:spcPct val="100000"/>
-              </a:lnSpc>
-            </a:pPr>
+              <a:t>https://matplotlib.org/examples/pie_and_polar_charts/polar_bar_demo.html</a:t>
+            </a:r>
             <a:endParaRPr b="0" lang="en-GB" sz="1800" spc="-1" strike="noStrike">
               <a:solidFill>
                 <a:srgbClr val="000000"/>
@@ -18664,6 +19681,29 @@
           </a:p>
         </p:txBody>
       </p:sp>
+      <p:pic>
+        <p:nvPicPr>
+          <p:cNvPr id="180" name="Picture 1" descr=""/>
+          <p:cNvPicPr/>
+          <p:nvPr/>
+        </p:nvPicPr>
+        <p:blipFill>
+          <a:blip r:embed="rId2"/>
+          <a:stretch/>
+        </p:blipFill>
+        <p:spPr>
+          <a:xfrm>
+            <a:off x="1619280" y="1413000"/>
+            <a:ext cx="5615280" cy="4594320"/>
+          </a:xfrm>
+          <a:prstGeom prst="rect">
+            <a:avLst/>
+          </a:prstGeom>
+          <a:ln>
+            <a:noFill/>
+          </a:ln>
+        </p:spPr>
+      </p:pic>
     </p:spTree>
   </p:cSld>
   <p:timing>
@@ -18673,6 +19713,799 @@
           <p:childTnLst>
             <p:seq>
               <p:cTn id="116" nodeType="mainSeq"/>
+              <p:prevCondLst>
+                <p:cond delay="0" evt="onPrev">
+                  <p:tgtEl>
+                    <p:sldTgt/>
+                  </p:tgtEl>
+                </p:cond>
+              </p:prevCondLst>
+              <p:nextCondLst>
+                <p:cond delay="0" evt="onNext">
+                  <p:tgtEl>
+                    <p:sldTgt/>
+                  </p:tgtEl>
+                </p:cond>
+              </p:nextCondLst>
+            </p:seq>
+          </p:childTnLst>
+        </p:cTn>
+      </p:par>
+    </p:tnLst>
+  </p:timing>
+</p:sld>
+</file>
+
+<file path=ppt/slides/slide32.xml><?xml version="1.0" encoding="utf-8"?>
+<p:sld xmlns:a="http://schemas.openxmlformats.org/drawingml/2006/main" xmlns:p="http://schemas.openxmlformats.org/presentationml/2006/main" xmlns:r="http://schemas.openxmlformats.org/officeDocument/2006/relationships" xmlns:p14="http://schemas.microsoft.com/office/powerpoint/2010/main" xmlns:p15="http://schemas.microsoft.com/office/powerpoint/2012/main" xmlns:mc="http://schemas.openxmlformats.org/markup-compatibility/2006">
+  <p:cSld>
+    <p:spTree>
+      <p:nvGrpSpPr>
+        <p:cNvPr id="1" name=""/>
+        <p:cNvGrpSpPr/>
+        <p:nvPr/>
+      </p:nvGrpSpPr>
+      <p:grpSpPr>
+        <a:xfrm>
+          <a:off x="0" y="0"/>
+          <a:ext cx="0" cy="0"/>
+          <a:chOff x="0" y="0"/>
+          <a:chExt cx="0" cy="0"/>
+        </a:xfrm>
+      </p:grpSpPr>
+      <p:sp>
+        <p:nvSpPr>
+          <p:cNvPr id="181" name="CustomShape 1"/>
+          <p:cNvSpPr/>
+          <p:nvPr/>
+        </p:nvSpPr>
+        <p:spPr>
+          <a:xfrm>
+            <a:off x="376200" y="380880"/>
+            <a:ext cx="8417160" cy="879480"/>
+          </a:xfrm>
+          <a:prstGeom prst="rect">
+            <a:avLst/>
+          </a:prstGeom>
+          <a:noFill/>
+          <a:ln>
+            <a:noFill/>
+          </a:ln>
+        </p:spPr>
+        <p:style>
+          <a:lnRef idx="0"/>
+          <a:fillRef idx="0"/>
+          <a:effectRef idx="0"/>
+          <a:fontRef idx="minor"/>
+        </p:style>
+        <p:txBody>
+          <a:bodyPr lIns="90000" rIns="90000" tIns="45000" bIns="45000" anchor="ctr"/>
+          <a:p>
+            <a:pPr algn="ctr">
+              <a:lnSpc>
+                <a:spcPct val="90000"/>
+              </a:lnSpc>
+            </a:pPr>
+            <a:r>
+              <a:rPr b="1" lang="en-GB" sz="3200" spc="-1" strike="noStrike">
+                <a:solidFill>
+                  <a:srgbClr val="000000"/>
+                </a:solidFill>
+                <a:uFill>
+                  <a:solidFill>
+                    <a:srgbClr val="ffffff"/>
+                  </a:solidFill>
+                </a:uFill>
+                <a:latin typeface="Calibri"/>
+                <a:ea typeface="DejaVu Sans"/>
+              </a:rPr>
+              <a:t>One last word: the OOP interface</a:t>
+            </a:r>
+            <a:endParaRPr b="0" lang="en-GB" sz="1800" spc="-1" strike="noStrike">
+              <a:solidFill>
+                <a:srgbClr val="000000"/>
+              </a:solidFill>
+              <a:uFill>
+                <a:solidFill>
+                  <a:srgbClr val="ffffff"/>
+                </a:solidFill>
+              </a:uFill>
+              <a:latin typeface="Arial"/>
+            </a:endParaRPr>
+          </a:p>
+        </p:txBody>
+      </p:sp>
+      <p:sp>
+        <p:nvSpPr>
+          <p:cNvPr id="182" name="CustomShape 2"/>
+          <p:cNvSpPr/>
+          <p:nvPr/>
+        </p:nvSpPr>
+        <p:spPr>
+          <a:xfrm>
+            <a:off x="457200" y="1341360"/>
+            <a:ext cx="8228160" cy="4524480"/>
+          </a:xfrm>
+          <a:prstGeom prst="rect">
+            <a:avLst/>
+          </a:prstGeom>
+          <a:noFill/>
+          <a:ln>
+            <a:noFill/>
+          </a:ln>
+        </p:spPr>
+        <p:style>
+          <a:lnRef idx="0"/>
+          <a:fillRef idx="0"/>
+          <a:effectRef idx="0"/>
+          <a:fontRef idx="minor"/>
+        </p:style>
+        <p:txBody>
+          <a:bodyPr lIns="90000" rIns="90000" tIns="45000" bIns="45000"/>
+          <a:p>
+            <a:pPr>
+              <a:lnSpc>
+                <a:spcPct val="100000"/>
+              </a:lnSpc>
+            </a:pPr>
+            <a:r>
+              <a:rPr b="0" lang="en-GB" sz="2400" spc="-1" strike="noStrike">
+                <a:solidFill>
+                  <a:srgbClr val="000000"/>
+                </a:solidFill>
+                <a:uFill>
+                  <a:solidFill>
+                    <a:srgbClr val="ffffff"/>
+                  </a:solidFill>
+                </a:uFill>
+                <a:latin typeface="Calibri"/>
+                <a:ea typeface="DejaVu Sans"/>
+              </a:rPr>
+              <a:t>We have demonstrated Matplotlib using the "pylab" interface (which aims to mimic that of MATLAB).</a:t>
+            </a:r>
+            <a:endParaRPr b="0" lang="en-GB" sz="1800" spc="-1" strike="noStrike">
+              <a:solidFill>
+                <a:srgbClr val="000000"/>
+              </a:solidFill>
+              <a:uFill>
+                <a:solidFill>
+                  <a:srgbClr val="ffffff"/>
+                </a:solidFill>
+              </a:uFill>
+              <a:latin typeface="Arial"/>
+            </a:endParaRPr>
+          </a:p>
+          <a:p>
+            <a:pPr>
+              <a:lnSpc>
+                <a:spcPct val="100000"/>
+              </a:lnSpc>
+            </a:pPr>
+            <a:endParaRPr b="0" lang="en-GB" sz="1800" spc="-1" strike="noStrike">
+              <a:solidFill>
+                <a:srgbClr val="000000"/>
+              </a:solidFill>
+              <a:uFill>
+                <a:solidFill>
+                  <a:srgbClr val="ffffff"/>
+                </a:solidFill>
+              </a:uFill>
+              <a:latin typeface="Arial"/>
+            </a:endParaRPr>
+          </a:p>
+          <a:p>
+            <a:pPr>
+              <a:lnSpc>
+                <a:spcPct val="100000"/>
+              </a:lnSpc>
+            </a:pPr>
+            <a:r>
+              <a:rPr b="0" lang="en-GB" sz="2400" spc="-1" strike="noStrike">
+                <a:solidFill>
+                  <a:srgbClr val="000000"/>
+                </a:solidFill>
+                <a:uFill>
+                  <a:solidFill>
+                    <a:srgbClr val="ffffff"/>
+                  </a:solidFill>
+                </a:uFill>
+                <a:latin typeface="Calibri"/>
+                <a:ea typeface="DejaVu Sans"/>
+              </a:rPr>
+              <a:t>You can interact with Matplotlib using its OOP interface (known as the </a:t>
+            </a:r>
+            <a:r>
+              <a:rPr b="0" i="1" lang="en-GB" sz="2400" spc="-1" strike="noStrike">
+                <a:solidFill>
+                  <a:srgbClr val="000000"/>
+                </a:solidFill>
+                <a:uFill>
+                  <a:solidFill>
+                    <a:srgbClr val="ffffff"/>
+                  </a:solidFill>
+                </a:uFill>
+                <a:latin typeface="Calibri"/>
+                <a:ea typeface="DejaVu Sans"/>
+              </a:rPr>
+              <a:t>Matplotlib API</a:t>
+            </a:r>
+            <a:r>
+              <a:rPr b="0" lang="en-GB" sz="2400" spc="-1" strike="noStrike">
+                <a:solidFill>
+                  <a:srgbClr val="000000"/>
+                </a:solidFill>
+                <a:uFill>
+                  <a:solidFill>
+                    <a:srgbClr val="ffffff"/>
+                  </a:solidFill>
+                </a:uFill>
+                <a:latin typeface="Calibri"/>
+                <a:ea typeface="DejaVu Sans"/>
+              </a:rPr>
+              <a:t>). This is a different interface to the same functionality. </a:t>
+            </a:r>
+            <a:endParaRPr b="0" lang="en-GB" sz="1800" spc="-1" strike="noStrike">
+              <a:solidFill>
+                <a:srgbClr val="000000"/>
+              </a:solidFill>
+              <a:uFill>
+                <a:solidFill>
+                  <a:srgbClr val="ffffff"/>
+                </a:solidFill>
+              </a:uFill>
+              <a:latin typeface="Arial"/>
+            </a:endParaRPr>
+          </a:p>
+          <a:p>
+            <a:pPr>
+              <a:lnSpc>
+                <a:spcPct val="100000"/>
+              </a:lnSpc>
+            </a:pPr>
+            <a:endParaRPr b="0" lang="en-GB" sz="1800" spc="-1" strike="noStrike">
+              <a:solidFill>
+                <a:srgbClr val="000000"/>
+              </a:solidFill>
+              <a:uFill>
+                <a:solidFill>
+                  <a:srgbClr val="ffffff"/>
+                </a:solidFill>
+              </a:uFill>
+              <a:latin typeface="Arial"/>
+            </a:endParaRPr>
+          </a:p>
+          <a:p>
+            <a:pPr>
+              <a:lnSpc>
+                <a:spcPct val="100000"/>
+              </a:lnSpc>
+            </a:pPr>
+            <a:r>
+              <a:rPr b="1" lang="en-GB" sz="2400" spc="-1" strike="noStrike">
+                <a:solidFill>
+                  <a:srgbClr val="000000"/>
+                </a:solidFill>
+                <a:uFill>
+                  <a:solidFill>
+                    <a:srgbClr val="ffffff"/>
+                  </a:solidFill>
+                </a:uFill>
+                <a:latin typeface="Calibri"/>
+                <a:ea typeface="DejaVu Sans"/>
+              </a:rPr>
+              <a:t>Over time you may wish to use the OOP interface for complex plotting applications.</a:t>
+            </a:r>
+            <a:endParaRPr b="0" lang="en-GB" sz="1800" spc="-1" strike="noStrike">
+              <a:solidFill>
+                <a:srgbClr val="000000"/>
+              </a:solidFill>
+              <a:uFill>
+                <a:solidFill>
+                  <a:srgbClr val="ffffff"/>
+                </a:solidFill>
+              </a:uFill>
+              <a:latin typeface="Arial"/>
+            </a:endParaRPr>
+          </a:p>
+        </p:txBody>
+      </p:sp>
+    </p:spTree>
+  </p:cSld>
+  <p:timing>
+    <p:tnLst>
+      <p:par>
+        <p:cTn id="117" dur="indefinite" restart="never" nodeType="tmRoot">
+          <p:childTnLst>
+            <p:seq>
+              <p:cTn id="118" nodeType="mainSeq"/>
+              <p:prevCondLst>
+                <p:cond delay="0" evt="onPrev">
+                  <p:tgtEl>
+                    <p:sldTgt/>
+                  </p:tgtEl>
+                </p:cond>
+              </p:prevCondLst>
+              <p:nextCondLst>
+                <p:cond delay="0" evt="onNext">
+                  <p:tgtEl>
+                    <p:sldTgt/>
+                  </p:tgtEl>
+                </p:cond>
+              </p:nextCondLst>
+            </p:seq>
+          </p:childTnLst>
+        </p:cTn>
+      </p:par>
+    </p:tnLst>
+  </p:timing>
+</p:sld>
+</file>
+
+<file path=ppt/slides/slide33.xml><?xml version="1.0" encoding="utf-8"?>
+<p:sld xmlns:a="http://schemas.openxmlformats.org/drawingml/2006/main" xmlns:p="http://schemas.openxmlformats.org/presentationml/2006/main" xmlns:r="http://schemas.openxmlformats.org/officeDocument/2006/relationships" xmlns:p14="http://schemas.microsoft.com/office/powerpoint/2010/main" xmlns:p15="http://schemas.microsoft.com/office/powerpoint/2012/main" xmlns:mc="http://schemas.openxmlformats.org/markup-compatibility/2006">
+  <p:cSld>
+    <p:spTree>
+      <p:nvGrpSpPr>
+        <p:cNvPr id="1" name=""/>
+        <p:cNvGrpSpPr/>
+        <p:nvPr/>
+      </p:nvGrpSpPr>
+      <p:grpSpPr>
+        <a:xfrm>
+          <a:off x="0" y="0"/>
+          <a:ext cx="0" cy="0"/>
+          <a:chOff x="0" y="0"/>
+          <a:chExt cx="0" cy="0"/>
+        </a:xfrm>
+      </p:grpSpPr>
+      <p:sp>
+        <p:nvSpPr>
+          <p:cNvPr id="183" name="CustomShape 1"/>
+          <p:cNvSpPr/>
+          <p:nvPr/>
+        </p:nvSpPr>
+        <p:spPr>
+          <a:xfrm>
+            <a:off x="457200" y="507960"/>
+            <a:ext cx="8228160" cy="428040"/>
+          </a:xfrm>
+          <a:prstGeom prst="rect">
+            <a:avLst/>
+          </a:prstGeom>
+          <a:noFill/>
+          <a:ln>
+            <a:noFill/>
+          </a:ln>
+        </p:spPr>
+        <p:style>
+          <a:lnRef idx="0"/>
+          <a:fillRef idx="0"/>
+          <a:effectRef idx="0"/>
+          <a:fontRef idx="minor"/>
+        </p:style>
+        <p:txBody>
+          <a:bodyPr lIns="90000" rIns="90000" tIns="45000" bIns="45000" anchor="ctr"/>
+          <a:p>
+            <a:pPr algn="ctr">
+              <a:lnSpc>
+                <a:spcPct val="90000"/>
+              </a:lnSpc>
+            </a:pPr>
+            <a:r>
+              <a:rPr b="1" lang="en-GB" sz="3200" spc="-1" strike="noStrike">
+                <a:solidFill>
+                  <a:srgbClr val="000000"/>
+                </a:solidFill>
+                <a:uFill>
+                  <a:solidFill>
+                    <a:srgbClr val="ffffff"/>
+                  </a:solidFill>
+                </a:uFill>
+                <a:latin typeface="Calibri"/>
+                <a:ea typeface="DejaVu Sans"/>
+              </a:rPr>
+              <a:t>More info</a:t>
+            </a:r>
+            <a:endParaRPr b="0" lang="en-GB" sz="1800" spc="-1" strike="noStrike">
+              <a:solidFill>
+                <a:srgbClr val="000000"/>
+              </a:solidFill>
+              <a:uFill>
+                <a:solidFill>
+                  <a:srgbClr val="ffffff"/>
+                </a:solidFill>
+              </a:uFill>
+              <a:latin typeface="Arial"/>
+            </a:endParaRPr>
+          </a:p>
+        </p:txBody>
+      </p:sp>
+      <p:sp>
+        <p:nvSpPr>
+          <p:cNvPr id="184" name="TextShape 2"/>
+          <p:cNvSpPr txBox="1"/>
+          <p:nvPr/>
+        </p:nvSpPr>
+        <p:spPr>
+          <a:xfrm>
+            <a:off x="1224000" y="1246320"/>
+            <a:ext cx="6480000" cy="3929760"/>
+          </a:xfrm>
+          <a:prstGeom prst="rect">
+            <a:avLst/>
+          </a:prstGeom>
+          <a:noFill/>
+          <a:ln>
+            <a:noFill/>
+          </a:ln>
+        </p:spPr>
+        <p:txBody>
+          <a:bodyPr lIns="90000" rIns="90000" tIns="45000" bIns="45000"/>
+          <a:p>
+            <a:r>
+              <a:rPr b="0" lang="en-GB" sz="1800" spc="-1" strike="noStrike">
+                <a:solidFill>
+                  <a:srgbClr val="000000"/>
+                </a:solidFill>
+                <a:uFill>
+                  <a:solidFill>
+                    <a:srgbClr val="ffffff"/>
+                  </a:solidFill>
+                </a:uFill>
+                <a:latin typeface="Arial"/>
+              </a:rPr>
+              <a:t>Matplotlib:</a:t>
+            </a:r>
+            <a:r>
+              <a:rPr b="0" lang="en-GB" sz="1800" spc="-1" strike="noStrike">
+                <a:solidFill>
+                  <a:srgbClr val="000000"/>
+                </a:solidFill>
+                <a:uFill>
+                  <a:solidFill>
+                    <a:srgbClr val="ffffff"/>
+                  </a:solidFill>
+                </a:uFill>
+                <a:latin typeface="Arial"/>
+              </a:rPr>
+              <a:t>
+</a:t>
+            </a:r>
+            <a:r>
+              <a:rPr b="0" lang="en-GB" sz="1800" spc="-1" strike="noStrike">
+                <a:solidFill>
+                  <a:srgbClr val="000000"/>
+                </a:solidFill>
+                <a:uFill>
+                  <a:solidFill>
+                    <a:srgbClr val="ffffff"/>
+                  </a:solidFill>
+                </a:uFill>
+                <a:latin typeface="Arial"/>
+                <a:hlinkClick r:id="rId1"/>
+              </a:rPr>
+              <a:t>https://matplotlib.org</a:t>
+            </a:r>
+            <a:endParaRPr b="0" lang="en-GB" sz="1800" spc="-1" strike="noStrike">
+              <a:solidFill>
+                <a:srgbClr val="000000"/>
+              </a:solidFill>
+              <a:uFill>
+                <a:solidFill>
+                  <a:srgbClr val="ffffff"/>
+                </a:solidFill>
+              </a:uFill>
+              <a:latin typeface="Arial"/>
+            </a:endParaRPr>
+          </a:p>
+          <a:p>
+            <a:endParaRPr b="0" lang="en-GB" sz="1800" spc="-1" strike="noStrike">
+              <a:solidFill>
+                <a:srgbClr val="000000"/>
+              </a:solidFill>
+              <a:uFill>
+                <a:solidFill>
+                  <a:srgbClr val="ffffff"/>
+                </a:solidFill>
+              </a:uFill>
+              <a:latin typeface="Arial"/>
+            </a:endParaRPr>
+          </a:p>
+          <a:p>
+            <a:r>
+              <a:rPr b="0" lang="en-GB" sz="1800" spc="-1" strike="noStrike">
+                <a:solidFill>
+                  <a:srgbClr val="000000"/>
+                </a:solidFill>
+                <a:uFill>
+                  <a:solidFill>
+                    <a:srgbClr val="ffffff"/>
+                  </a:solidFill>
+                </a:uFill>
+                <a:latin typeface="Arial"/>
+              </a:rPr>
+              <a:t>Matplotlib gallery:</a:t>
+            </a:r>
+            <a:r>
+              <a:rPr b="0" lang="en-GB" sz="1800" spc="-1" strike="noStrike">
+                <a:solidFill>
+                  <a:srgbClr val="000000"/>
+                </a:solidFill>
+                <a:uFill>
+                  <a:solidFill>
+                    <a:srgbClr val="ffffff"/>
+                  </a:solidFill>
+                </a:uFill>
+                <a:latin typeface="Arial"/>
+              </a:rPr>
+              <a:t>
+</a:t>
+            </a:r>
+            <a:r>
+              <a:rPr b="0" lang="en-GB" sz="1800" spc="-1" strike="noStrike">
+                <a:solidFill>
+                  <a:srgbClr val="000000"/>
+                </a:solidFill>
+                <a:uFill>
+                  <a:solidFill>
+                    <a:srgbClr val="ffffff"/>
+                  </a:solidFill>
+                </a:uFill>
+                <a:latin typeface="Arial"/>
+                <a:hlinkClick r:id="rId2"/>
+              </a:rPr>
+              <a:t>https://matplotlib.org/gallery</a:t>
+            </a:r>
+            <a:endParaRPr b="0" lang="en-GB" sz="1800" spc="-1" strike="noStrike">
+              <a:solidFill>
+                <a:srgbClr val="000000"/>
+              </a:solidFill>
+              <a:uFill>
+                <a:solidFill>
+                  <a:srgbClr val="ffffff"/>
+                </a:solidFill>
+              </a:uFill>
+              <a:latin typeface="Arial"/>
+            </a:endParaRPr>
+          </a:p>
+          <a:p>
+            <a:endParaRPr b="0" lang="en-GB" sz="1800" spc="-1" strike="noStrike">
+              <a:solidFill>
+                <a:srgbClr val="000000"/>
+              </a:solidFill>
+              <a:uFill>
+                <a:solidFill>
+                  <a:srgbClr val="ffffff"/>
+                </a:solidFill>
+              </a:uFill>
+              <a:latin typeface="Arial"/>
+            </a:endParaRPr>
+          </a:p>
+          <a:p>
+            <a:r>
+              <a:rPr b="0" lang="en-GB" sz="1800" spc="-1" strike="noStrike">
+                <a:solidFill>
+                  <a:srgbClr val="000000"/>
+                </a:solidFill>
+                <a:uFill>
+                  <a:solidFill>
+                    <a:srgbClr val="ffffff"/>
+                  </a:solidFill>
+                </a:uFill>
+                <a:latin typeface="Arial"/>
+              </a:rPr>
+              <a:t>Pyplot reference:</a:t>
+            </a:r>
+            <a:r>
+              <a:rPr b="0" lang="en-GB" sz="1800" spc="-1" strike="noStrike">
+                <a:solidFill>
+                  <a:srgbClr val="000000"/>
+                </a:solidFill>
+                <a:uFill>
+                  <a:solidFill>
+                    <a:srgbClr val="ffffff"/>
+                  </a:solidFill>
+                </a:uFill>
+                <a:latin typeface="Arial"/>
+              </a:rPr>
+              <a:t>
+</a:t>
+            </a:r>
+            <a:r>
+              <a:rPr b="0" lang="en-GB" sz="1800" spc="-1" strike="noStrike">
+                <a:solidFill>
+                  <a:srgbClr val="000000"/>
+                </a:solidFill>
+                <a:uFill>
+                  <a:solidFill>
+                    <a:srgbClr val="ffffff"/>
+                  </a:solidFill>
+                </a:uFill>
+                <a:latin typeface="Arial"/>
+                <a:hlinkClick r:id="rId3"/>
+              </a:rPr>
+              <a:t>https://matplotlib.org/api/pyplot_summary.html</a:t>
+            </a:r>
+            <a:r>
+              <a:rPr b="0" lang="en-GB" sz="1800" spc="-1" strike="noStrike">
+                <a:solidFill>
+                  <a:srgbClr val="000000"/>
+                </a:solidFill>
+                <a:uFill>
+                  <a:solidFill>
+                    <a:srgbClr val="ffffff"/>
+                  </a:solidFill>
+                </a:uFill>
+                <a:latin typeface="Arial"/>
+              </a:rPr>
+              <a:t>
+</a:t>
+            </a:r>
+            <a:endParaRPr b="0" lang="en-GB" sz="1800" spc="-1" strike="noStrike">
+              <a:solidFill>
+                <a:srgbClr val="000000"/>
+              </a:solidFill>
+              <a:uFill>
+                <a:solidFill>
+                  <a:srgbClr val="ffffff"/>
+                </a:solidFill>
+              </a:uFill>
+              <a:latin typeface="Arial"/>
+            </a:endParaRPr>
+          </a:p>
+          <a:p>
+            <a:r>
+              <a:rPr b="0" lang="en-GB" sz="1800" spc="-1" strike="noStrike">
+                <a:solidFill>
+                  <a:srgbClr val="000000"/>
+                </a:solidFill>
+                <a:uFill>
+                  <a:solidFill>
+                    <a:srgbClr val="ffffff"/>
+                  </a:solidFill>
+                </a:uFill>
+                <a:latin typeface="Arial"/>
+              </a:rPr>
+              <a:t>Cartopy:</a:t>
+            </a:r>
+            <a:r>
+              <a:rPr b="0" lang="en-GB" sz="1800" spc="-1" strike="noStrike">
+                <a:solidFill>
+                  <a:srgbClr val="000000"/>
+                </a:solidFill>
+                <a:uFill>
+                  <a:solidFill>
+                    <a:srgbClr val="ffffff"/>
+                  </a:solidFill>
+                </a:uFill>
+                <a:latin typeface="Arial"/>
+              </a:rPr>
+              <a:t>
+</a:t>
+            </a:r>
+            <a:r>
+              <a:rPr b="0" lang="en-GB" sz="1800" spc="-1" strike="noStrike">
+                <a:solidFill>
+                  <a:srgbClr val="000000"/>
+                </a:solidFill>
+                <a:uFill>
+                  <a:solidFill>
+                    <a:srgbClr val="ffffff"/>
+                  </a:solidFill>
+                </a:uFill>
+                <a:latin typeface="Arial"/>
+                <a:hlinkClick r:id="rId4"/>
+              </a:rPr>
+              <a:t>https://scitools.org.uk/cartopy/docs/latest/index.html</a:t>
+            </a:r>
+            <a:r>
+              <a:rPr b="0" lang="en-GB" sz="1800" spc="-1" strike="noStrike">
+                <a:solidFill>
+                  <a:srgbClr val="000000"/>
+                </a:solidFill>
+                <a:uFill>
+                  <a:solidFill>
+                    <a:srgbClr val="ffffff"/>
+                  </a:solidFill>
+                </a:uFill>
+                <a:latin typeface="Arial"/>
+              </a:rPr>
+              <a:t>
+</a:t>
+            </a:r>
+            <a:endParaRPr b="0" lang="en-GB" sz="1800" spc="-1" strike="noStrike">
+              <a:solidFill>
+                <a:srgbClr val="000000"/>
+              </a:solidFill>
+              <a:uFill>
+                <a:solidFill>
+                  <a:srgbClr val="ffffff"/>
+                </a:solidFill>
+              </a:uFill>
+              <a:latin typeface="Arial"/>
+            </a:endParaRPr>
+          </a:p>
+          <a:p>
+            <a:r>
+              <a:rPr b="0" lang="en-GB" sz="1800" spc="-1" strike="noStrike">
+                <a:solidFill>
+                  <a:srgbClr val="000000"/>
+                </a:solidFill>
+                <a:uFill>
+                  <a:solidFill>
+                    <a:srgbClr val="ffffff"/>
+                  </a:solidFill>
+                </a:uFill>
+                <a:latin typeface="Arial"/>
+              </a:rPr>
+              <a:t>Books, videos and tutorials:</a:t>
+            </a:r>
+            <a:r>
+              <a:rPr b="0" lang="en-GB" sz="1800" spc="-1" strike="noStrike">
+                <a:solidFill>
+                  <a:srgbClr val="000000"/>
+                </a:solidFill>
+                <a:uFill>
+                  <a:solidFill>
+                    <a:srgbClr val="ffffff"/>
+                  </a:solidFill>
+                </a:uFill>
+                <a:latin typeface="Arial"/>
+              </a:rPr>
+              <a:t>
+</a:t>
+            </a:r>
+            <a:r>
+              <a:rPr b="0" lang="en-GB" sz="1800" spc="-1" strike="noStrike">
+                <a:solidFill>
+                  <a:srgbClr val="000000"/>
+                </a:solidFill>
+                <a:uFill>
+                  <a:solidFill>
+                    <a:srgbClr val="ffffff"/>
+                  </a:solidFill>
+                </a:uFill>
+                <a:latin typeface="Arial"/>
+                <a:hlinkClick r:id="rId5"/>
+              </a:rPr>
+              <a:t>https://matplotlib.org/resources/index.html</a:t>
+            </a:r>
+            <a:endParaRPr b="0" lang="en-GB" sz="1800" spc="-1" strike="noStrike">
+              <a:solidFill>
+                <a:srgbClr val="000000"/>
+              </a:solidFill>
+              <a:uFill>
+                <a:solidFill>
+                  <a:srgbClr val="ffffff"/>
+                </a:solidFill>
+              </a:uFill>
+              <a:latin typeface="Arial"/>
+            </a:endParaRPr>
+          </a:p>
+          <a:p>
+            <a:endParaRPr b="0" lang="en-GB" sz="1800" spc="-1" strike="noStrike">
+              <a:solidFill>
+                <a:srgbClr val="000000"/>
+              </a:solidFill>
+              <a:uFill>
+                <a:solidFill>
+                  <a:srgbClr val="ffffff"/>
+                </a:solidFill>
+              </a:uFill>
+              <a:latin typeface="Arial"/>
+            </a:endParaRPr>
+          </a:p>
+        </p:txBody>
+      </p:sp>
+    </p:spTree>
+  </p:cSld>
+  <p:timing>
+    <p:tnLst>
+      <p:par>
+        <p:cTn id="119" dur="indefinite" restart="never" nodeType="tmRoot">
+          <p:childTnLst>
+            <p:seq>
+              <p:cTn id="120" nodeType="mainSeq"/>
               <p:prevCondLst>
                 <p:cond delay="0" evt="onPrev">
                   <p:tgtEl>
@@ -18722,7 +20555,7 @@
         <p:spPr>
           <a:xfrm>
             <a:off x="376200" y="380880"/>
-            <a:ext cx="8417520" cy="879840"/>
+            <a:ext cx="8417160" cy="879480"/>
           </a:xfrm>
           <a:prstGeom prst="rect">
             <a:avLst/>
@@ -18784,7 +20617,7 @@
         <p:spPr>
           <a:xfrm>
             <a:off x="376200" y="1374840"/>
-            <a:ext cx="8417520" cy="4350240"/>
+            <a:ext cx="8417160" cy="4349880"/>
           </a:xfrm>
           <a:prstGeom prst="rect">
             <a:avLst/>
@@ -19027,7 +20860,7 @@
         <p:spPr>
           <a:xfrm>
             <a:off x="376200" y="380880"/>
-            <a:ext cx="8417520" cy="879840"/>
+            <a:ext cx="8417160" cy="879480"/>
           </a:xfrm>
           <a:prstGeom prst="rect">
             <a:avLst/>
@@ -19089,7 +20922,7 @@
         <p:spPr>
           <a:xfrm>
             <a:off x="376200" y="1374840"/>
-            <a:ext cx="8417520" cy="4350240"/>
+            <a:ext cx="8417160" cy="4349880"/>
           </a:xfrm>
           <a:prstGeom prst="rect">
             <a:avLst/>
@@ -19108,7 +20941,7 @@
         <p:txBody>
           <a:bodyPr lIns="90000" rIns="90000" tIns="45000" bIns="45000"/>
           <a:p>
-            <a:pPr marL="228600" indent="-227520">
+            <a:pPr marL="228600" indent="-227160">
               <a:lnSpc>
                 <a:spcPct val="90000"/>
               </a:lnSpc>
@@ -19160,7 +20993,7 @@
         <p:spPr>
           <a:xfrm>
             <a:off x="5256000" y="2376000"/>
-            <a:ext cx="3455280" cy="3107520"/>
+            <a:ext cx="3454920" cy="3107160"/>
           </a:xfrm>
           <a:prstGeom prst="rect">
             <a:avLst/>
@@ -19183,7 +21016,7 @@
         <p:spPr>
           <a:xfrm>
             <a:off x="430560" y="2385360"/>
-            <a:ext cx="4537440" cy="3086640"/>
+            <a:ext cx="4537080" cy="3086280"/>
           </a:xfrm>
           <a:prstGeom prst="rect">
             <a:avLst/>
@@ -19251,7 +21084,7 @@
         <p:spPr>
           <a:xfrm>
             <a:off x="376200" y="380880"/>
-            <a:ext cx="8417520" cy="879840"/>
+            <a:ext cx="8417160" cy="879480"/>
           </a:xfrm>
           <a:prstGeom prst="rect">
             <a:avLst/>
@@ -19313,7 +21146,7 @@
         <p:spPr>
           <a:xfrm>
             <a:off x="457200" y="2575080"/>
-            <a:ext cx="8228520" cy="4524840"/>
+            <a:ext cx="8228160" cy="4524480"/>
           </a:xfrm>
           <a:prstGeom prst="rect">
             <a:avLst/>
@@ -19365,7 +21198,7 @@
             </a:endParaRPr>
           </a:p>
           <a:p>
-            <a:pPr marL="228600" indent="-227520">
+            <a:pPr marL="228600" indent="-227160">
               <a:lnSpc>
                 <a:spcPct val="100000"/>
               </a:lnSpc>
@@ -19403,7 +21236,7 @@
             </a:endParaRPr>
           </a:p>
           <a:p>
-            <a:pPr marL="228600" indent="-227520">
+            <a:pPr marL="228600" indent="-227160">
               <a:lnSpc>
                 <a:spcPct val="100000"/>
               </a:lnSpc>
@@ -19441,7 +21274,7 @@
             </a:endParaRPr>
           </a:p>
           <a:p>
-            <a:pPr marL="228600" indent="-227520">
+            <a:pPr marL="228600" indent="-227160">
               <a:lnSpc>
                 <a:spcPct val="100000"/>
               </a:lnSpc>
@@ -19479,7 +21312,7 @@
             </a:endParaRPr>
           </a:p>
           <a:p>
-            <a:pPr marL="228600" indent="-227520">
+            <a:pPr marL="228600" indent="-227160">
               <a:lnSpc>
                 <a:spcPct val="100000"/>
               </a:lnSpc>
@@ -19517,7 +21350,7 @@
             </a:endParaRPr>
           </a:p>
           <a:p>
-            <a:pPr marL="228600" indent="-227520">
+            <a:pPr marL="228600" indent="-227160">
               <a:lnSpc>
                 <a:spcPct val="100000"/>
               </a:lnSpc>
@@ -19555,7 +21388,7 @@
             </a:endParaRPr>
           </a:p>
           <a:p>
-            <a:pPr marL="228600" indent="-227520">
+            <a:pPr marL="228600" indent="-227160">
               <a:lnSpc>
                 <a:spcPct val="100000"/>
               </a:lnSpc>
@@ -19607,7 +21440,7 @@
         <p:spPr>
           <a:xfrm>
             <a:off x="792000" y="1296000"/>
-            <a:ext cx="6951240" cy="863280"/>
+            <a:ext cx="6950880" cy="862920"/>
           </a:xfrm>
           <a:prstGeom prst="rect">
             <a:avLst/>
@@ -19675,7 +21508,7 @@
         <p:spPr>
           <a:xfrm>
             <a:off x="376200" y="380880"/>
-            <a:ext cx="8417520" cy="879840"/>
+            <a:ext cx="8417160" cy="879480"/>
           </a:xfrm>
           <a:prstGeom prst="rect">
             <a:avLst/>
@@ -19737,7 +21570,7 @@
         <p:spPr>
           <a:xfrm>
             <a:off x="457200" y="1600200"/>
-            <a:ext cx="8228520" cy="1251360"/>
+            <a:ext cx="8228160" cy="1251000"/>
           </a:xfrm>
           <a:prstGeom prst="rect">
             <a:avLst/>
@@ -19946,7 +21779,7 @@
         <p:spPr>
           <a:xfrm>
             <a:off x="468360" y="3710160"/>
-            <a:ext cx="3310560" cy="1004400"/>
+            <a:ext cx="3310200" cy="1004040"/>
           </a:xfrm>
           <a:prstGeom prst="rect">
             <a:avLst/>
@@ -20026,8 +21859,8 @@
         </p:blipFill>
         <p:spPr>
           <a:xfrm>
-            <a:off x="3988080" y="2062440"/>
-            <a:ext cx="4795560" cy="3625200"/>
+            <a:off x="4505760" y="2088000"/>
+            <a:ext cx="4206240" cy="3210840"/>
           </a:xfrm>
           <a:prstGeom prst="rect">
             <a:avLst/>
@@ -20143,7 +21976,7 @@
         <p:spPr>
           <a:xfrm>
             <a:off x="376200" y="380880"/>
-            <a:ext cx="8417520" cy="879840"/>
+            <a:ext cx="8417160" cy="879480"/>
           </a:xfrm>
           <a:prstGeom prst="rect">
             <a:avLst/>
@@ -20205,7 +22038,7 @@
         <p:spPr>
           <a:xfrm>
             <a:off x="457200" y="1341360"/>
-            <a:ext cx="8228520" cy="2086560"/>
+            <a:ext cx="8228160" cy="2086200"/>
           </a:xfrm>
           <a:prstGeom prst="rect">
             <a:avLst/>
@@ -20469,7 +22302,7 @@
         <p:spPr>
           <a:xfrm>
             <a:off x="4464000" y="2592000"/>
-            <a:ext cx="4412880" cy="3339360"/>
+            <a:ext cx="4412520" cy="3339000"/>
           </a:xfrm>
           <a:prstGeom prst="rect">
             <a:avLst/>
@@ -20488,7 +22321,7 @@
         <p:spPr>
           <a:xfrm>
             <a:off x="360000" y="4736880"/>
-            <a:ext cx="3852360" cy="806760"/>
+            <a:ext cx="3852000" cy="806400"/>
           </a:xfrm>
           <a:prstGeom prst="rect">
             <a:avLst/>
@@ -20692,7 +22525,7 @@
         <p:spPr>
           <a:xfrm>
             <a:off x="376200" y="380880"/>
-            <a:ext cx="8417520" cy="879840"/>
+            <a:ext cx="8417160" cy="879480"/>
           </a:xfrm>
           <a:prstGeom prst="rect">
             <a:avLst/>
@@ -20754,7 +22587,7 @@
         <p:spPr>
           <a:xfrm>
             <a:off x="493560" y="1341360"/>
-            <a:ext cx="8685720" cy="2950200"/>
+            <a:ext cx="8685360" cy="2949840"/>
           </a:xfrm>
           <a:prstGeom prst="rect">
             <a:avLst/>
@@ -21051,7 +22884,7 @@
         <p:spPr>
           <a:xfrm>
             <a:off x="4444560" y="2519280"/>
-            <a:ext cx="4555080" cy="3456360"/>
+            <a:ext cx="4554720" cy="3456000"/>
           </a:xfrm>
           <a:prstGeom prst="rect">
             <a:avLst/>
